--- a/doc/Figures.pptx
+++ b/doc/Figures.pptx
@@ -243,7 +243,7 @@
           <a:p>
             <a:fld id="{ED5A1FB5-2C55-4264-B0FC-EFF1E2D7FFBF}" type="datetimeFigureOut">
               <a:rPr lang="en-US" smtClean="0"/>
-              <a:t>4/26/2017</a:t>
+              <a:t>5/9/2017</a:t>
             </a:fld>
             <a:endParaRPr lang="en-US"/>
           </a:p>
@@ -413,7 +413,7 @@
           <a:p>
             <a:fld id="{ED5A1FB5-2C55-4264-B0FC-EFF1E2D7FFBF}" type="datetimeFigureOut">
               <a:rPr lang="en-US" smtClean="0"/>
-              <a:t>4/26/2017</a:t>
+              <a:t>5/9/2017</a:t>
             </a:fld>
             <a:endParaRPr lang="en-US"/>
           </a:p>
@@ -593,7 +593,7 @@
           <a:p>
             <a:fld id="{ED5A1FB5-2C55-4264-B0FC-EFF1E2D7FFBF}" type="datetimeFigureOut">
               <a:rPr lang="en-US" smtClean="0"/>
-              <a:t>4/26/2017</a:t>
+              <a:t>5/9/2017</a:t>
             </a:fld>
             <a:endParaRPr lang="en-US"/>
           </a:p>
@@ -763,7 +763,7 @@
           <a:p>
             <a:fld id="{ED5A1FB5-2C55-4264-B0FC-EFF1E2D7FFBF}" type="datetimeFigureOut">
               <a:rPr lang="en-US" smtClean="0"/>
-              <a:t>4/26/2017</a:t>
+              <a:t>5/9/2017</a:t>
             </a:fld>
             <a:endParaRPr lang="en-US"/>
           </a:p>
@@ -1009,7 +1009,7 @@
           <a:p>
             <a:fld id="{ED5A1FB5-2C55-4264-B0FC-EFF1E2D7FFBF}" type="datetimeFigureOut">
               <a:rPr lang="en-US" smtClean="0"/>
-              <a:t>4/26/2017</a:t>
+              <a:t>5/9/2017</a:t>
             </a:fld>
             <a:endParaRPr lang="en-US"/>
           </a:p>
@@ -1241,7 +1241,7 @@
           <a:p>
             <a:fld id="{ED5A1FB5-2C55-4264-B0FC-EFF1E2D7FFBF}" type="datetimeFigureOut">
               <a:rPr lang="en-US" smtClean="0"/>
-              <a:t>4/26/2017</a:t>
+              <a:t>5/9/2017</a:t>
             </a:fld>
             <a:endParaRPr lang="en-US"/>
           </a:p>
@@ -1608,7 +1608,7 @@
           <a:p>
             <a:fld id="{ED5A1FB5-2C55-4264-B0FC-EFF1E2D7FFBF}" type="datetimeFigureOut">
               <a:rPr lang="en-US" smtClean="0"/>
-              <a:t>4/26/2017</a:t>
+              <a:t>5/9/2017</a:t>
             </a:fld>
             <a:endParaRPr lang="en-US"/>
           </a:p>
@@ -1726,7 +1726,7 @@
           <a:p>
             <a:fld id="{ED5A1FB5-2C55-4264-B0FC-EFF1E2D7FFBF}" type="datetimeFigureOut">
               <a:rPr lang="en-US" smtClean="0"/>
-              <a:t>4/26/2017</a:t>
+              <a:t>5/9/2017</a:t>
             </a:fld>
             <a:endParaRPr lang="en-US"/>
           </a:p>
@@ -1821,7 +1821,7 @@
           <a:p>
             <a:fld id="{ED5A1FB5-2C55-4264-B0FC-EFF1E2D7FFBF}" type="datetimeFigureOut">
               <a:rPr lang="en-US" smtClean="0"/>
-              <a:t>4/26/2017</a:t>
+              <a:t>5/9/2017</a:t>
             </a:fld>
             <a:endParaRPr lang="en-US"/>
           </a:p>
@@ -2098,7 +2098,7 @@
           <a:p>
             <a:fld id="{ED5A1FB5-2C55-4264-B0FC-EFF1E2D7FFBF}" type="datetimeFigureOut">
               <a:rPr lang="en-US" smtClean="0"/>
-              <a:t>4/26/2017</a:t>
+              <a:t>5/9/2017</a:t>
             </a:fld>
             <a:endParaRPr lang="en-US"/>
           </a:p>
@@ -2351,7 +2351,7 @@
           <a:p>
             <a:fld id="{ED5A1FB5-2C55-4264-B0FC-EFF1E2D7FFBF}" type="datetimeFigureOut">
               <a:rPr lang="en-US" smtClean="0"/>
-              <a:t>4/26/2017</a:t>
+              <a:t>5/9/2017</a:t>
             </a:fld>
             <a:endParaRPr lang="en-US"/>
           </a:p>
@@ -2564,7 +2564,7 @@
           <a:p>
             <a:fld id="{ED5A1FB5-2C55-4264-B0FC-EFF1E2D7FFBF}" type="datetimeFigureOut">
               <a:rPr lang="en-US" smtClean="0"/>
-              <a:t>4/26/2017</a:t>
+              <a:t>5/9/2017</a:t>
             </a:fld>
             <a:endParaRPr lang="en-US"/>
           </a:p>
@@ -7774,1597 +7774,6 @@
       </p:sp>
       <p:sp>
         <p:nvSpPr>
-          <p:cNvPr id="107" name="Rectangle 106"/>
-          <p:cNvSpPr/>
-          <p:nvPr/>
-        </p:nvSpPr>
-        <p:spPr>
-          <a:xfrm>
-            <a:off x="8394697" y="950686"/>
-            <a:ext cx="1914071" cy="2287814"/>
-          </a:xfrm>
-          <a:prstGeom prst="rect">
-            <a:avLst/>
-          </a:prstGeom>
-          <a:noFill/>
-          <a:ln>
-            <a:solidFill>
-              <a:schemeClr val="tx1"/>
-            </a:solidFill>
-          </a:ln>
-        </p:spPr>
-        <p:style>
-          <a:lnRef idx="2">
-            <a:schemeClr val="accent1">
-              <a:shade val="50000"/>
-            </a:schemeClr>
-          </a:lnRef>
-          <a:fillRef idx="1">
-            <a:schemeClr val="accent1"/>
-          </a:fillRef>
-          <a:effectRef idx="0">
-            <a:schemeClr val="accent1"/>
-          </a:effectRef>
-          <a:fontRef idx="minor">
-            <a:schemeClr val="lt1"/>
-          </a:fontRef>
-        </p:style>
-        <p:txBody>
-          <a:bodyPr rtlCol="0" anchor="ctr"/>
-          <a:lstStyle/>
-          <a:p>
-            <a:pPr algn="ctr"/>
-            <a:endParaRPr lang="en-US"/>
-          </a:p>
-        </p:txBody>
-      </p:sp>
-      <p:cxnSp>
-        <p:nvCxnSpPr>
-          <p:cNvPr id="108" name="Straight Connector 107"/>
-          <p:cNvCxnSpPr/>
-          <p:nvPr/>
-        </p:nvCxnSpPr>
-        <p:spPr>
-          <a:xfrm>
-            <a:off x="8394697" y="2779486"/>
-            <a:ext cx="1914071" cy="0"/>
-          </a:xfrm>
-          <a:prstGeom prst="line">
-            <a:avLst/>
-          </a:prstGeom>
-          <a:ln w="12700">
-            <a:solidFill>
-              <a:schemeClr val="tx1"/>
-            </a:solidFill>
-          </a:ln>
-        </p:spPr>
-        <p:style>
-          <a:lnRef idx="1">
-            <a:schemeClr val="accent1"/>
-          </a:lnRef>
-          <a:fillRef idx="0">
-            <a:schemeClr val="accent1"/>
-          </a:fillRef>
-          <a:effectRef idx="0">
-            <a:schemeClr val="accent1"/>
-          </a:effectRef>
-          <a:fontRef idx="minor">
-            <a:schemeClr val="tx1"/>
-          </a:fontRef>
-        </p:style>
-      </p:cxnSp>
-      <p:cxnSp>
-        <p:nvCxnSpPr>
-          <p:cNvPr id="109" name="Straight Connector 108"/>
-          <p:cNvCxnSpPr/>
-          <p:nvPr/>
-        </p:nvCxnSpPr>
-        <p:spPr>
-          <a:xfrm>
-            <a:off x="8394697" y="2322286"/>
-            <a:ext cx="1914071" cy="0"/>
-          </a:xfrm>
-          <a:prstGeom prst="line">
-            <a:avLst/>
-          </a:prstGeom>
-          <a:ln w="12700">
-            <a:solidFill>
-              <a:schemeClr val="tx1"/>
-            </a:solidFill>
-          </a:ln>
-        </p:spPr>
-        <p:style>
-          <a:lnRef idx="1">
-            <a:schemeClr val="accent1"/>
-          </a:lnRef>
-          <a:fillRef idx="0">
-            <a:schemeClr val="accent1"/>
-          </a:fillRef>
-          <a:effectRef idx="0">
-            <a:schemeClr val="accent1"/>
-          </a:effectRef>
-          <a:fontRef idx="minor">
-            <a:schemeClr val="tx1"/>
-          </a:fontRef>
-        </p:style>
-      </p:cxnSp>
-      <p:cxnSp>
-        <p:nvCxnSpPr>
-          <p:cNvPr id="110" name="Straight Connector 109"/>
-          <p:cNvCxnSpPr/>
-          <p:nvPr/>
-        </p:nvCxnSpPr>
-        <p:spPr>
-          <a:xfrm>
-            <a:off x="8394697" y="1865086"/>
-            <a:ext cx="1914071" cy="0"/>
-          </a:xfrm>
-          <a:prstGeom prst="line">
-            <a:avLst/>
-          </a:prstGeom>
-          <a:ln w="12700">
-            <a:solidFill>
-              <a:schemeClr val="tx1"/>
-            </a:solidFill>
-          </a:ln>
-        </p:spPr>
-        <p:style>
-          <a:lnRef idx="1">
-            <a:schemeClr val="accent1"/>
-          </a:lnRef>
-          <a:fillRef idx="0">
-            <a:schemeClr val="accent1"/>
-          </a:fillRef>
-          <a:effectRef idx="0">
-            <a:schemeClr val="accent1"/>
-          </a:effectRef>
-          <a:fontRef idx="minor">
-            <a:schemeClr val="tx1"/>
-          </a:fontRef>
-        </p:style>
-      </p:cxnSp>
-      <p:cxnSp>
-        <p:nvCxnSpPr>
-          <p:cNvPr id="111" name="Straight Connector 110"/>
-          <p:cNvCxnSpPr/>
-          <p:nvPr/>
-        </p:nvCxnSpPr>
-        <p:spPr>
-          <a:xfrm>
-            <a:off x="8394697" y="1407886"/>
-            <a:ext cx="1914071" cy="0"/>
-          </a:xfrm>
-          <a:prstGeom prst="line">
-            <a:avLst/>
-          </a:prstGeom>
-          <a:ln w="12700">
-            <a:solidFill>
-              <a:schemeClr val="tx1"/>
-            </a:solidFill>
-          </a:ln>
-        </p:spPr>
-        <p:style>
-          <a:lnRef idx="1">
-            <a:schemeClr val="accent1"/>
-          </a:lnRef>
-          <a:fillRef idx="0">
-            <a:schemeClr val="accent1"/>
-          </a:fillRef>
-          <a:effectRef idx="0">
-            <a:schemeClr val="accent1"/>
-          </a:effectRef>
-          <a:fontRef idx="minor">
-            <a:schemeClr val="tx1"/>
-          </a:fontRef>
-        </p:style>
-      </p:cxnSp>
-      <p:cxnSp>
-        <p:nvCxnSpPr>
-          <p:cNvPr id="112" name="Straight Connector 111"/>
-          <p:cNvCxnSpPr/>
-          <p:nvPr/>
-        </p:nvCxnSpPr>
-        <p:spPr>
-          <a:xfrm>
-            <a:off x="8784768" y="950686"/>
-            <a:ext cx="0" cy="2287814"/>
-          </a:xfrm>
-          <a:prstGeom prst="line">
-            <a:avLst/>
-          </a:prstGeom>
-          <a:ln w="12700">
-            <a:solidFill>
-              <a:schemeClr val="tx1"/>
-            </a:solidFill>
-          </a:ln>
-        </p:spPr>
-        <p:style>
-          <a:lnRef idx="1">
-            <a:schemeClr val="accent1"/>
-          </a:lnRef>
-          <a:fillRef idx="0">
-            <a:schemeClr val="accent1"/>
-          </a:fillRef>
-          <a:effectRef idx="0">
-            <a:schemeClr val="accent1"/>
-          </a:effectRef>
-          <a:fontRef idx="minor">
-            <a:schemeClr val="tx1"/>
-          </a:fontRef>
-        </p:style>
-      </p:cxnSp>
-      <p:cxnSp>
-        <p:nvCxnSpPr>
-          <p:cNvPr id="113" name="Straight Connector 112"/>
-          <p:cNvCxnSpPr/>
-          <p:nvPr/>
-        </p:nvCxnSpPr>
-        <p:spPr>
-          <a:xfrm>
-            <a:off x="9165768" y="950686"/>
-            <a:ext cx="0" cy="2287814"/>
-          </a:xfrm>
-          <a:prstGeom prst="line">
-            <a:avLst/>
-          </a:prstGeom>
-          <a:ln w="12700">
-            <a:solidFill>
-              <a:schemeClr val="tx1"/>
-            </a:solidFill>
-          </a:ln>
-        </p:spPr>
-        <p:style>
-          <a:lnRef idx="1">
-            <a:schemeClr val="accent1"/>
-          </a:lnRef>
-          <a:fillRef idx="0">
-            <a:schemeClr val="accent1"/>
-          </a:fillRef>
-          <a:effectRef idx="0">
-            <a:schemeClr val="accent1"/>
-          </a:effectRef>
-          <a:fontRef idx="minor">
-            <a:schemeClr val="tx1"/>
-          </a:fontRef>
-        </p:style>
-      </p:cxnSp>
-      <p:cxnSp>
-        <p:nvCxnSpPr>
-          <p:cNvPr id="114" name="Straight Connector 113"/>
-          <p:cNvCxnSpPr/>
-          <p:nvPr/>
-        </p:nvCxnSpPr>
-        <p:spPr>
-          <a:xfrm>
-            <a:off x="9546768" y="950686"/>
-            <a:ext cx="0" cy="2287814"/>
-          </a:xfrm>
-          <a:prstGeom prst="line">
-            <a:avLst/>
-          </a:prstGeom>
-          <a:ln w="12700">
-            <a:solidFill>
-              <a:schemeClr val="tx1"/>
-            </a:solidFill>
-          </a:ln>
-        </p:spPr>
-        <p:style>
-          <a:lnRef idx="1">
-            <a:schemeClr val="accent1"/>
-          </a:lnRef>
-          <a:fillRef idx="0">
-            <a:schemeClr val="accent1"/>
-          </a:fillRef>
-          <a:effectRef idx="0">
-            <a:schemeClr val="accent1"/>
-          </a:effectRef>
-          <a:fontRef idx="minor">
-            <a:schemeClr val="tx1"/>
-          </a:fontRef>
-        </p:style>
-      </p:cxnSp>
-      <p:cxnSp>
-        <p:nvCxnSpPr>
-          <p:cNvPr id="115" name="Straight Connector 114"/>
-          <p:cNvCxnSpPr/>
-          <p:nvPr/>
-        </p:nvCxnSpPr>
-        <p:spPr>
-          <a:xfrm>
-            <a:off x="9927768" y="950686"/>
-            <a:ext cx="0" cy="2287814"/>
-          </a:xfrm>
-          <a:prstGeom prst="line">
-            <a:avLst/>
-          </a:prstGeom>
-          <a:ln w="12700">
-            <a:solidFill>
-              <a:schemeClr val="tx1"/>
-            </a:solidFill>
-          </a:ln>
-        </p:spPr>
-        <p:style>
-          <a:lnRef idx="1">
-            <a:schemeClr val="accent1"/>
-          </a:lnRef>
-          <a:fillRef idx="0">
-            <a:schemeClr val="accent1"/>
-          </a:fillRef>
-          <a:effectRef idx="0">
-            <a:schemeClr val="accent1"/>
-          </a:effectRef>
-          <a:fontRef idx="minor">
-            <a:schemeClr val="tx1"/>
-          </a:fontRef>
-        </p:style>
-      </p:cxnSp>
-      <p:cxnSp>
-        <p:nvCxnSpPr>
-          <p:cNvPr id="116" name="Straight Connector 115"/>
-          <p:cNvCxnSpPr/>
-          <p:nvPr/>
-        </p:nvCxnSpPr>
-        <p:spPr>
-          <a:xfrm>
-            <a:off x="9927768" y="950686"/>
-            <a:ext cx="0" cy="2287814"/>
-          </a:xfrm>
-          <a:prstGeom prst="line">
-            <a:avLst/>
-          </a:prstGeom>
-          <a:ln w="12700">
-            <a:solidFill>
-              <a:schemeClr val="tx1"/>
-            </a:solidFill>
-          </a:ln>
-        </p:spPr>
-        <p:style>
-          <a:lnRef idx="1">
-            <a:schemeClr val="accent1"/>
-          </a:lnRef>
-          <a:fillRef idx="0">
-            <a:schemeClr val="accent1"/>
-          </a:fillRef>
-          <a:effectRef idx="0">
-            <a:schemeClr val="accent1"/>
-          </a:effectRef>
-          <a:fontRef idx="minor">
-            <a:schemeClr val="tx1"/>
-          </a:fontRef>
-        </p:style>
-      </p:cxnSp>
-      <p:sp>
-        <p:nvSpPr>
-          <p:cNvPr id="117" name="Rectangle 116"/>
-          <p:cNvSpPr/>
-          <p:nvPr/>
-        </p:nvSpPr>
-        <p:spPr>
-          <a:xfrm>
-            <a:off x="8499751" y="1049111"/>
-            <a:ext cx="180975" cy="209550"/>
-          </a:xfrm>
-          <a:prstGeom prst="rect">
-            <a:avLst/>
-          </a:prstGeom>
-          <a:solidFill>
-            <a:schemeClr val="bg1">
-              <a:lumMod val="50000"/>
-            </a:schemeClr>
-          </a:solidFill>
-          <a:ln>
-            <a:solidFill>
-              <a:schemeClr val="tx1"/>
-            </a:solidFill>
-          </a:ln>
-        </p:spPr>
-        <p:style>
-          <a:lnRef idx="2">
-            <a:schemeClr val="accent1">
-              <a:shade val="50000"/>
-            </a:schemeClr>
-          </a:lnRef>
-          <a:fillRef idx="1">
-            <a:schemeClr val="accent1"/>
-          </a:fillRef>
-          <a:effectRef idx="0">
-            <a:schemeClr val="accent1"/>
-          </a:effectRef>
-          <a:fontRef idx="minor">
-            <a:schemeClr val="lt1"/>
-          </a:fontRef>
-        </p:style>
-        <p:txBody>
-          <a:bodyPr rtlCol="0" anchor="ctr"/>
-          <a:lstStyle/>
-          <a:p>
-            <a:pPr algn="ctr"/>
-            <a:endParaRPr lang="en-US"/>
-          </a:p>
-        </p:txBody>
-      </p:sp>
-      <p:sp>
-        <p:nvSpPr>
-          <p:cNvPr id="118" name="Rectangle 117"/>
-          <p:cNvSpPr/>
-          <p:nvPr/>
-        </p:nvSpPr>
-        <p:spPr>
-          <a:xfrm>
-            <a:off x="8499751" y="1506310"/>
-            <a:ext cx="180975" cy="209550"/>
-          </a:xfrm>
-          <a:prstGeom prst="rect">
-            <a:avLst/>
-          </a:prstGeom>
-          <a:solidFill>
-            <a:schemeClr val="bg1">
-              <a:lumMod val="50000"/>
-            </a:schemeClr>
-          </a:solidFill>
-          <a:ln>
-            <a:solidFill>
-              <a:schemeClr val="tx1"/>
-            </a:solidFill>
-          </a:ln>
-        </p:spPr>
-        <p:style>
-          <a:lnRef idx="2">
-            <a:schemeClr val="accent1">
-              <a:shade val="50000"/>
-            </a:schemeClr>
-          </a:lnRef>
-          <a:fillRef idx="1">
-            <a:schemeClr val="accent1"/>
-          </a:fillRef>
-          <a:effectRef idx="0">
-            <a:schemeClr val="accent1"/>
-          </a:effectRef>
-          <a:fontRef idx="minor">
-            <a:schemeClr val="lt1"/>
-          </a:fontRef>
-        </p:style>
-        <p:txBody>
-          <a:bodyPr rtlCol="0" anchor="ctr"/>
-          <a:lstStyle/>
-          <a:p>
-            <a:pPr algn="ctr"/>
-            <a:endParaRPr lang="en-US"/>
-          </a:p>
-        </p:txBody>
-      </p:sp>
-      <p:sp>
-        <p:nvSpPr>
-          <p:cNvPr id="119" name="Rectangle 118"/>
-          <p:cNvSpPr/>
-          <p:nvPr/>
-        </p:nvSpPr>
-        <p:spPr>
-          <a:xfrm>
-            <a:off x="8499865" y="1963506"/>
-            <a:ext cx="180975" cy="209550"/>
-          </a:xfrm>
-          <a:prstGeom prst="rect">
-            <a:avLst/>
-          </a:prstGeom>
-          <a:solidFill>
-            <a:schemeClr val="bg1">
-              <a:lumMod val="50000"/>
-            </a:schemeClr>
-          </a:solidFill>
-          <a:ln>
-            <a:solidFill>
-              <a:schemeClr val="tx1"/>
-            </a:solidFill>
-          </a:ln>
-        </p:spPr>
-        <p:style>
-          <a:lnRef idx="2">
-            <a:schemeClr val="accent1">
-              <a:shade val="50000"/>
-            </a:schemeClr>
-          </a:lnRef>
-          <a:fillRef idx="1">
-            <a:schemeClr val="accent1"/>
-          </a:fillRef>
-          <a:effectRef idx="0">
-            <a:schemeClr val="accent1"/>
-          </a:effectRef>
-          <a:fontRef idx="minor">
-            <a:schemeClr val="lt1"/>
-          </a:fontRef>
-        </p:style>
-        <p:txBody>
-          <a:bodyPr rtlCol="0" anchor="ctr"/>
-          <a:lstStyle/>
-          <a:p>
-            <a:pPr algn="ctr"/>
-            <a:endParaRPr lang="en-US"/>
-          </a:p>
-        </p:txBody>
-      </p:sp>
-      <p:sp>
-        <p:nvSpPr>
-          <p:cNvPr id="120" name="Rectangle 119"/>
-          <p:cNvSpPr/>
-          <p:nvPr/>
-        </p:nvSpPr>
-        <p:spPr>
-          <a:xfrm>
-            <a:off x="8478840" y="2471517"/>
-            <a:ext cx="225701" cy="158738"/>
-          </a:xfrm>
-          <a:prstGeom prst="rect">
-            <a:avLst/>
-          </a:prstGeom>
-          <a:solidFill>
-            <a:srgbClr val="00B050"/>
-          </a:solidFill>
-          <a:ln>
-            <a:solidFill>
-              <a:schemeClr val="tx1"/>
-            </a:solidFill>
-          </a:ln>
-        </p:spPr>
-        <p:style>
-          <a:lnRef idx="2">
-            <a:schemeClr val="accent1">
-              <a:shade val="50000"/>
-            </a:schemeClr>
-          </a:lnRef>
-          <a:fillRef idx="1">
-            <a:schemeClr val="accent1"/>
-          </a:fillRef>
-          <a:effectRef idx="0">
-            <a:schemeClr val="accent1"/>
-          </a:effectRef>
-          <a:fontRef idx="minor">
-            <a:schemeClr val="lt1"/>
-          </a:fontRef>
-        </p:style>
-        <p:txBody>
-          <a:bodyPr rtlCol="0" anchor="ctr"/>
-          <a:lstStyle/>
-          <a:p>
-            <a:pPr algn="ctr"/>
-            <a:endParaRPr lang="en-US"/>
-          </a:p>
-        </p:txBody>
-      </p:sp>
-      <p:sp>
-        <p:nvSpPr>
-          <p:cNvPr id="121" name="Rectangle 120"/>
-          <p:cNvSpPr/>
-          <p:nvPr/>
-        </p:nvSpPr>
-        <p:spPr>
-          <a:xfrm>
-            <a:off x="8888063" y="1049111"/>
-            <a:ext cx="180975" cy="209550"/>
-          </a:xfrm>
-          <a:prstGeom prst="rect">
-            <a:avLst/>
-          </a:prstGeom>
-          <a:solidFill>
-            <a:schemeClr val="bg1">
-              <a:lumMod val="50000"/>
-            </a:schemeClr>
-          </a:solidFill>
-          <a:ln>
-            <a:solidFill>
-              <a:schemeClr val="tx1"/>
-            </a:solidFill>
-          </a:ln>
-        </p:spPr>
-        <p:style>
-          <a:lnRef idx="2">
-            <a:schemeClr val="accent1">
-              <a:shade val="50000"/>
-            </a:schemeClr>
-          </a:lnRef>
-          <a:fillRef idx="1">
-            <a:schemeClr val="accent1"/>
-          </a:fillRef>
-          <a:effectRef idx="0">
-            <a:schemeClr val="accent1"/>
-          </a:effectRef>
-          <a:fontRef idx="minor">
-            <a:schemeClr val="lt1"/>
-          </a:fontRef>
-        </p:style>
-        <p:txBody>
-          <a:bodyPr rtlCol="0" anchor="ctr"/>
-          <a:lstStyle/>
-          <a:p>
-            <a:pPr algn="ctr"/>
-            <a:endParaRPr lang="en-US"/>
-          </a:p>
-        </p:txBody>
-      </p:sp>
-      <p:sp>
-        <p:nvSpPr>
-          <p:cNvPr id="122" name="Rectangle 121"/>
-          <p:cNvSpPr/>
-          <p:nvPr/>
-        </p:nvSpPr>
-        <p:spPr>
-          <a:xfrm>
-            <a:off x="8888063" y="1506310"/>
-            <a:ext cx="180975" cy="209550"/>
-          </a:xfrm>
-          <a:prstGeom prst="rect">
-            <a:avLst/>
-          </a:prstGeom>
-          <a:solidFill>
-            <a:schemeClr val="bg1">
-              <a:lumMod val="50000"/>
-            </a:schemeClr>
-          </a:solidFill>
-          <a:ln>
-            <a:solidFill>
-              <a:schemeClr val="tx1"/>
-            </a:solidFill>
-          </a:ln>
-        </p:spPr>
-        <p:style>
-          <a:lnRef idx="2">
-            <a:schemeClr val="accent1">
-              <a:shade val="50000"/>
-            </a:schemeClr>
-          </a:lnRef>
-          <a:fillRef idx="1">
-            <a:schemeClr val="accent1"/>
-          </a:fillRef>
-          <a:effectRef idx="0">
-            <a:schemeClr val="accent1"/>
-          </a:effectRef>
-          <a:fontRef idx="minor">
-            <a:schemeClr val="lt1"/>
-          </a:fontRef>
-        </p:style>
-        <p:txBody>
-          <a:bodyPr rtlCol="0" anchor="ctr"/>
-          <a:lstStyle/>
-          <a:p>
-            <a:pPr algn="ctr"/>
-            <a:endParaRPr lang="en-US"/>
-          </a:p>
-        </p:txBody>
-      </p:sp>
-      <p:sp>
-        <p:nvSpPr>
-          <p:cNvPr id="123" name="Rectangle 122"/>
-          <p:cNvSpPr/>
-          <p:nvPr/>
-        </p:nvSpPr>
-        <p:spPr>
-          <a:xfrm>
-            <a:off x="8888177" y="1963506"/>
-            <a:ext cx="180975" cy="209550"/>
-          </a:xfrm>
-          <a:prstGeom prst="rect">
-            <a:avLst/>
-          </a:prstGeom>
-          <a:solidFill>
-            <a:schemeClr val="bg1">
-              <a:lumMod val="50000"/>
-            </a:schemeClr>
-          </a:solidFill>
-          <a:ln>
-            <a:solidFill>
-              <a:schemeClr val="tx1"/>
-            </a:solidFill>
-          </a:ln>
-        </p:spPr>
-        <p:style>
-          <a:lnRef idx="2">
-            <a:schemeClr val="accent1">
-              <a:shade val="50000"/>
-            </a:schemeClr>
-          </a:lnRef>
-          <a:fillRef idx="1">
-            <a:schemeClr val="accent1"/>
-          </a:fillRef>
-          <a:effectRef idx="0">
-            <a:schemeClr val="accent1"/>
-          </a:effectRef>
-          <a:fontRef idx="minor">
-            <a:schemeClr val="lt1"/>
-          </a:fontRef>
-        </p:style>
-        <p:txBody>
-          <a:bodyPr rtlCol="0" anchor="ctr"/>
-          <a:lstStyle/>
-          <a:p>
-            <a:pPr algn="ctr"/>
-            <a:endParaRPr lang="en-US"/>
-          </a:p>
-        </p:txBody>
-      </p:sp>
-      <p:sp>
-        <p:nvSpPr>
-          <p:cNvPr id="124" name="Rectangle 123"/>
-          <p:cNvSpPr/>
-          <p:nvPr/>
-        </p:nvSpPr>
-        <p:spPr>
-          <a:xfrm>
-            <a:off x="8867152" y="2471517"/>
-            <a:ext cx="225701" cy="158738"/>
-          </a:xfrm>
-          <a:prstGeom prst="rect">
-            <a:avLst/>
-          </a:prstGeom>
-          <a:solidFill>
-            <a:srgbClr val="00B050"/>
-          </a:solidFill>
-          <a:ln>
-            <a:solidFill>
-              <a:schemeClr val="tx1"/>
-            </a:solidFill>
-          </a:ln>
-        </p:spPr>
-        <p:style>
-          <a:lnRef idx="2">
-            <a:schemeClr val="accent1">
-              <a:shade val="50000"/>
-            </a:schemeClr>
-          </a:lnRef>
-          <a:fillRef idx="1">
-            <a:schemeClr val="accent1"/>
-          </a:fillRef>
-          <a:effectRef idx="0">
-            <a:schemeClr val="accent1"/>
-          </a:effectRef>
-          <a:fontRef idx="minor">
-            <a:schemeClr val="lt1"/>
-          </a:fontRef>
-        </p:style>
-        <p:txBody>
-          <a:bodyPr rtlCol="0" anchor="ctr"/>
-          <a:lstStyle/>
-          <a:p>
-            <a:pPr algn="ctr"/>
-            <a:endParaRPr lang="en-US"/>
-          </a:p>
-        </p:txBody>
-      </p:sp>
-      <p:sp>
-        <p:nvSpPr>
-          <p:cNvPr id="125" name="Rectangle 124"/>
-          <p:cNvSpPr/>
-          <p:nvPr/>
-        </p:nvSpPr>
-        <p:spPr>
-          <a:xfrm>
-            <a:off x="9269062" y="1049111"/>
-            <a:ext cx="180975" cy="209550"/>
-          </a:xfrm>
-          <a:prstGeom prst="rect">
-            <a:avLst/>
-          </a:prstGeom>
-          <a:solidFill>
-            <a:schemeClr val="bg1">
-              <a:lumMod val="50000"/>
-            </a:schemeClr>
-          </a:solidFill>
-          <a:ln>
-            <a:solidFill>
-              <a:schemeClr val="tx1"/>
-            </a:solidFill>
-          </a:ln>
-        </p:spPr>
-        <p:style>
-          <a:lnRef idx="2">
-            <a:schemeClr val="accent1">
-              <a:shade val="50000"/>
-            </a:schemeClr>
-          </a:lnRef>
-          <a:fillRef idx="1">
-            <a:schemeClr val="accent1"/>
-          </a:fillRef>
-          <a:effectRef idx="0">
-            <a:schemeClr val="accent1"/>
-          </a:effectRef>
-          <a:fontRef idx="minor">
-            <a:schemeClr val="lt1"/>
-          </a:fontRef>
-        </p:style>
-        <p:txBody>
-          <a:bodyPr rtlCol="0" anchor="ctr"/>
-          <a:lstStyle/>
-          <a:p>
-            <a:pPr algn="ctr"/>
-            <a:endParaRPr lang="en-US"/>
-          </a:p>
-        </p:txBody>
-      </p:sp>
-      <p:sp>
-        <p:nvSpPr>
-          <p:cNvPr id="126" name="Rectangle 125"/>
-          <p:cNvSpPr/>
-          <p:nvPr/>
-        </p:nvSpPr>
-        <p:spPr>
-          <a:xfrm>
-            <a:off x="9269062" y="1506310"/>
-            <a:ext cx="180975" cy="209550"/>
-          </a:xfrm>
-          <a:prstGeom prst="rect">
-            <a:avLst/>
-          </a:prstGeom>
-          <a:solidFill>
-            <a:schemeClr val="bg1">
-              <a:lumMod val="50000"/>
-            </a:schemeClr>
-          </a:solidFill>
-          <a:ln>
-            <a:solidFill>
-              <a:schemeClr val="tx1"/>
-            </a:solidFill>
-          </a:ln>
-        </p:spPr>
-        <p:style>
-          <a:lnRef idx="2">
-            <a:schemeClr val="accent1">
-              <a:shade val="50000"/>
-            </a:schemeClr>
-          </a:lnRef>
-          <a:fillRef idx="1">
-            <a:schemeClr val="accent1"/>
-          </a:fillRef>
-          <a:effectRef idx="0">
-            <a:schemeClr val="accent1"/>
-          </a:effectRef>
-          <a:fontRef idx="minor">
-            <a:schemeClr val="lt1"/>
-          </a:fontRef>
-        </p:style>
-        <p:txBody>
-          <a:bodyPr rtlCol="0" anchor="ctr"/>
-          <a:lstStyle/>
-          <a:p>
-            <a:pPr algn="ctr"/>
-            <a:endParaRPr lang="en-US"/>
-          </a:p>
-        </p:txBody>
-      </p:sp>
-      <p:sp>
-        <p:nvSpPr>
-          <p:cNvPr id="127" name="Rectangle 126"/>
-          <p:cNvSpPr/>
-          <p:nvPr/>
-        </p:nvSpPr>
-        <p:spPr>
-          <a:xfrm>
-            <a:off x="9269176" y="1963506"/>
-            <a:ext cx="180975" cy="209550"/>
-          </a:xfrm>
-          <a:prstGeom prst="rect">
-            <a:avLst/>
-          </a:prstGeom>
-          <a:solidFill>
-            <a:schemeClr val="bg1">
-              <a:lumMod val="50000"/>
-            </a:schemeClr>
-          </a:solidFill>
-          <a:ln>
-            <a:solidFill>
-              <a:schemeClr val="tx1"/>
-            </a:solidFill>
-          </a:ln>
-        </p:spPr>
-        <p:style>
-          <a:lnRef idx="2">
-            <a:schemeClr val="accent1">
-              <a:shade val="50000"/>
-            </a:schemeClr>
-          </a:lnRef>
-          <a:fillRef idx="1">
-            <a:schemeClr val="accent1"/>
-          </a:fillRef>
-          <a:effectRef idx="0">
-            <a:schemeClr val="accent1"/>
-          </a:effectRef>
-          <a:fontRef idx="minor">
-            <a:schemeClr val="lt1"/>
-          </a:fontRef>
-        </p:style>
-        <p:txBody>
-          <a:bodyPr rtlCol="0" anchor="ctr"/>
-          <a:lstStyle/>
-          <a:p>
-            <a:pPr algn="ctr"/>
-            <a:endParaRPr lang="en-US"/>
-          </a:p>
-        </p:txBody>
-      </p:sp>
-      <p:sp>
-        <p:nvSpPr>
-          <p:cNvPr id="128" name="Rectangle 127"/>
-          <p:cNvSpPr/>
-          <p:nvPr/>
-        </p:nvSpPr>
-        <p:spPr>
-          <a:xfrm>
-            <a:off x="9248151" y="2471517"/>
-            <a:ext cx="225701" cy="158738"/>
-          </a:xfrm>
-          <a:prstGeom prst="rect">
-            <a:avLst/>
-          </a:prstGeom>
-          <a:solidFill>
-            <a:srgbClr val="00B050"/>
-          </a:solidFill>
-          <a:ln>
-            <a:solidFill>
-              <a:schemeClr val="tx1"/>
-            </a:solidFill>
-          </a:ln>
-        </p:spPr>
-        <p:style>
-          <a:lnRef idx="2">
-            <a:schemeClr val="accent1">
-              <a:shade val="50000"/>
-            </a:schemeClr>
-          </a:lnRef>
-          <a:fillRef idx="1">
-            <a:schemeClr val="accent1"/>
-          </a:fillRef>
-          <a:effectRef idx="0">
-            <a:schemeClr val="accent1"/>
-          </a:effectRef>
-          <a:fontRef idx="minor">
-            <a:schemeClr val="lt1"/>
-          </a:fontRef>
-        </p:style>
-        <p:txBody>
-          <a:bodyPr rtlCol="0" anchor="ctr"/>
-          <a:lstStyle/>
-          <a:p>
-            <a:pPr algn="ctr"/>
-            <a:endParaRPr lang="en-US"/>
-          </a:p>
-        </p:txBody>
-      </p:sp>
-      <p:sp>
-        <p:nvSpPr>
-          <p:cNvPr id="129" name="Rectangle 128"/>
-          <p:cNvSpPr/>
-          <p:nvPr/>
-        </p:nvSpPr>
-        <p:spPr>
-          <a:xfrm>
-            <a:off x="9650061" y="1049111"/>
-            <a:ext cx="180975" cy="209550"/>
-          </a:xfrm>
-          <a:prstGeom prst="rect">
-            <a:avLst/>
-          </a:prstGeom>
-          <a:solidFill>
-            <a:schemeClr val="bg1">
-              <a:lumMod val="50000"/>
-            </a:schemeClr>
-          </a:solidFill>
-          <a:ln>
-            <a:solidFill>
-              <a:schemeClr val="tx1"/>
-            </a:solidFill>
-          </a:ln>
-        </p:spPr>
-        <p:style>
-          <a:lnRef idx="2">
-            <a:schemeClr val="accent1">
-              <a:shade val="50000"/>
-            </a:schemeClr>
-          </a:lnRef>
-          <a:fillRef idx="1">
-            <a:schemeClr val="accent1"/>
-          </a:fillRef>
-          <a:effectRef idx="0">
-            <a:schemeClr val="accent1"/>
-          </a:effectRef>
-          <a:fontRef idx="minor">
-            <a:schemeClr val="lt1"/>
-          </a:fontRef>
-        </p:style>
-        <p:txBody>
-          <a:bodyPr rtlCol="0" anchor="ctr"/>
-          <a:lstStyle/>
-          <a:p>
-            <a:pPr algn="ctr"/>
-            <a:endParaRPr lang="en-US"/>
-          </a:p>
-        </p:txBody>
-      </p:sp>
-      <p:sp>
-        <p:nvSpPr>
-          <p:cNvPr id="130" name="Rectangle 129"/>
-          <p:cNvSpPr/>
-          <p:nvPr/>
-        </p:nvSpPr>
-        <p:spPr>
-          <a:xfrm>
-            <a:off x="9650061" y="1506310"/>
-            <a:ext cx="180975" cy="209550"/>
-          </a:xfrm>
-          <a:prstGeom prst="rect">
-            <a:avLst/>
-          </a:prstGeom>
-          <a:solidFill>
-            <a:schemeClr val="bg1">
-              <a:lumMod val="50000"/>
-            </a:schemeClr>
-          </a:solidFill>
-          <a:ln>
-            <a:solidFill>
-              <a:schemeClr val="tx1"/>
-            </a:solidFill>
-          </a:ln>
-        </p:spPr>
-        <p:style>
-          <a:lnRef idx="2">
-            <a:schemeClr val="accent1">
-              <a:shade val="50000"/>
-            </a:schemeClr>
-          </a:lnRef>
-          <a:fillRef idx="1">
-            <a:schemeClr val="accent1"/>
-          </a:fillRef>
-          <a:effectRef idx="0">
-            <a:schemeClr val="accent1"/>
-          </a:effectRef>
-          <a:fontRef idx="minor">
-            <a:schemeClr val="lt1"/>
-          </a:fontRef>
-        </p:style>
-        <p:txBody>
-          <a:bodyPr rtlCol="0" anchor="ctr"/>
-          <a:lstStyle/>
-          <a:p>
-            <a:pPr algn="ctr"/>
-            <a:endParaRPr lang="en-US"/>
-          </a:p>
-        </p:txBody>
-      </p:sp>
-      <p:sp>
-        <p:nvSpPr>
-          <p:cNvPr id="131" name="Rectangle 130"/>
-          <p:cNvSpPr/>
-          <p:nvPr/>
-        </p:nvSpPr>
-        <p:spPr>
-          <a:xfrm>
-            <a:off x="9650175" y="1963506"/>
-            <a:ext cx="180975" cy="209550"/>
-          </a:xfrm>
-          <a:prstGeom prst="rect">
-            <a:avLst/>
-          </a:prstGeom>
-          <a:solidFill>
-            <a:schemeClr val="bg1">
-              <a:lumMod val="50000"/>
-            </a:schemeClr>
-          </a:solidFill>
-          <a:ln>
-            <a:solidFill>
-              <a:schemeClr val="tx1"/>
-            </a:solidFill>
-          </a:ln>
-        </p:spPr>
-        <p:style>
-          <a:lnRef idx="2">
-            <a:schemeClr val="accent1">
-              <a:shade val="50000"/>
-            </a:schemeClr>
-          </a:lnRef>
-          <a:fillRef idx="1">
-            <a:schemeClr val="accent1"/>
-          </a:fillRef>
-          <a:effectRef idx="0">
-            <a:schemeClr val="accent1"/>
-          </a:effectRef>
-          <a:fontRef idx="minor">
-            <a:schemeClr val="lt1"/>
-          </a:fontRef>
-        </p:style>
-        <p:txBody>
-          <a:bodyPr rtlCol="0" anchor="ctr"/>
-          <a:lstStyle/>
-          <a:p>
-            <a:pPr algn="ctr"/>
-            <a:endParaRPr lang="en-US"/>
-          </a:p>
-        </p:txBody>
-      </p:sp>
-      <p:sp>
-        <p:nvSpPr>
-          <p:cNvPr id="132" name="Rectangle 131"/>
-          <p:cNvSpPr/>
-          <p:nvPr/>
-        </p:nvSpPr>
-        <p:spPr>
-          <a:xfrm>
-            <a:off x="9629150" y="2471517"/>
-            <a:ext cx="225701" cy="158738"/>
-          </a:xfrm>
-          <a:prstGeom prst="rect">
-            <a:avLst/>
-          </a:prstGeom>
-          <a:solidFill>
-            <a:srgbClr val="00B050"/>
-          </a:solidFill>
-          <a:ln>
-            <a:solidFill>
-              <a:schemeClr val="tx1"/>
-            </a:solidFill>
-          </a:ln>
-        </p:spPr>
-        <p:style>
-          <a:lnRef idx="2">
-            <a:schemeClr val="accent1">
-              <a:shade val="50000"/>
-            </a:schemeClr>
-          </a:lnRef>
-          <a:fillRef idx="1">
-            <a:schemeClr val="accent1"/>
-          </a:fillRef>
-          <a:effectRef idx="0">
-            <a:schemeClr val="accent1"/>
-          </a:effectRef>
-          <a:fontRef idx="minor">
-            <a:schemeClr val="lt1"/>
-          </a:fontRef>
-        </p:style>
-        <p:txBody>
-          <a:bodyPr rtlCol="0" anchor="ctr"/>
-          <a:lstStyle/>
-          <a:p>
-            <a:pPr algn="ctr"/>
-            <a:endParaRPr lang="en-US"/>
-          </a:p>
-        </p:txBody>
-      </p:sp>
-      <p:sp>
-        <p:nvSpPr>
-          <p:cNvPr id="133" name="Rectangle 132"/>
-          <p:cNvSpPr/>
-          <p:nvPr/>
-        </p:nvSpPr>
-        <p:spPr>
-          <a:xfrm>
-            <a:off x="10031060" y="1049111"/>
-            <a:ext cx="180975" cy="209550"/>
-          </a:xfrm>
-          <a:prstGeom prst="rect">
-            <a:avLst/>
-          </a:prstGeom>
-          <a:solidFill>
-            <a:schemeClr val="bg1">
-              <a:lumMod val="50000"/>
-            </a:schemeClr>
-          </a:solidFill>
-          <a:ln>
-            <a:solidFill>
-              <a:schemeClr val="tx1"/>
-            </a:solidFill>
-          </a:ln>
-        </p:spPr>
-        <p:style>
-          <a:lnRef idx="2">
-            <a:schemeClr val="accent1">
-              <a:shade val="50000"/>
-            </a:schemeClr>
-          </a:lnRef>
-          <a:fillRef idx="1">
-            <a:schemeClr val="accent1"/>
-          </a:fillRef>
-          <a:effectRef idx="0">
-            <a:schemeClr val="accent1"/>
-          </a:effectRef>
-          <a:fontRef idx="minor">
-            <a:schemeClr val="lt1"/>
-          </a:fontRef>
-        </p:style>
-        <p:txBody>
-          <a:bodyPr rtlCol="0" anchor="ctr"/>
-          <a:lstStyle/>
-          <a:p>
-            <a:pPr algn="ctr"/>
-            <a:endParaRPr lang="en-US"/>
-          </a:p>
-        </p:txBody>
-      </p:sp>
-      <p:sp>
-        <p:nvSpPr>
-          <p:cNvPr id="134" name="Rectangle 133"/>
-          <p:cNvSpPr/>
-          <p:nvPr/>
-        </p:nvSpPr>
-        <p:spPr>
-          <a:xfrm>
-            <a:off x="10031060" y="1506310"/>
-            <a:ext cx="180975" cy="209550"/>
-          </a:xfrm>
-          <a:prstGeom prst="rect">
-            <a:avLst/>
-          </a:prstGeom>
-          <a:solidFill>
-            <a:schemeClr val="bg1">
-              <a:lumMod val="50000"/>
-            </a:schemeClr>
-          </a:solidFill>
-          <a:ln>
-            <a:solidFill>
-              <a:schemeClr val="tx1"/>
-            </a:solidFill>
-          </a:ln>
-        </p:spPr>
-        <p:style>
-          <a:lnRef idx="2">
-            <a:schemeClr val="accent1">
-              <a:shade val="50000"/>
-            </a:schemeClr>
-          </a:lnRef>
-          <a:fillRef idx="1">
-            <a:schemeClr val="accent1"/>
-          </a:fillRef>
-          <a:effectRef idx="0">
-            <a:schemeClr val="accent1"/>
-          </a:effectRef>
-          <a:fontRef idx="minor">
-            <a:schemeClr val="lt1"/>
-          </a:fontRef>
-        </p:style>
-        <p:txBody>
-          <a:bodyPr rtlCol="0" anchor="ctr"/>
-          <a:lstStyle/>
-          <a:p>
-            <a:pPr algn="ctr"/>
-            <a:endParaRPr lang="en-US"/>
-          </a:p>
-        </p:txBody>
-      </p:sp>
-      <p:sp>
-        <p:nvSpPr>
-          <p:cNvPr id="135" name="Rectangle 134"/>
-          <p:cNvSpPr/>
-          <p:nvPr/>
-        </p:nvSpPr>
-        <p:spPr>
-          <a:xfrm>
-            <a:off x="10031174" y="1963506"/>
-            <a:ext cx="180975" cy="209550"/>
-          </a:xfrm>
-          <a:prstGeom prst="rect">
-            <a:avLst/>
-          </a:prstGeom>
-          <a:solidFill>
-            <a:schemeClr val="bg1">
-              <a:lumMod val="50000"/>
-            </a:schemeClr>
-          </a:solidFill>
-          <a:ln>
-            <a:solidFill>
-              <a:schemeClr val="tx1"/>
-            </a:solidFill>
-          </a:ln>
-        </p:spPr>
-        <p:style>
-          <a:lnRef idx="2">
-            <a:schemeClr val="accent1">
-              <a:shade val="50000"/>
-            </a:schemeClr>
-          </a:lnRef>
-          <a:fillRef idx="1">
-            <a:schemeClr val="accent1"/>
-          </a:fillRef>
-          <a:effectRef idx="0">
-            <a:schemeClr val="accent1"/>
-          </a:effectRef>
-          <a:fontRef idx="minor">
-            <a:schemeClr val="lt1"/>
-          </a:fontRef>
-        </p:style>
-        <p:txBody>
-          <a:bodyPr rtlCol="0" anchor="ctr"/>
-          <a:lstStyle/>
-          <a:p>
-            <a:pPr algn="ctr"/>
-            <a:endParaRPr lang="en-US"/>
-          </a:p>
-        </p:txBody>
-      </p:sp>
-      <p:sp>
-        <p:nvSpPr>
-          <p:cNvPr id="136" name="Rectangle 135"/>
-          <p:cNvSpPr/>
-          <p:nvPr/>
-        </p:nvSpPr>
-        <p:spPr>
-          <a:xfrm>
-            <a:off x="10010149" y="2471517"/>
-            <a:ext cx="225701" cy="158738"/>
-          </a:xfrm>
-          <a:prstGeom prst="rect">
-            <a:avLst/>
-          </a:prstGeom>
-          <a:solidFill>
-            <a:srgbClr val="00B050"/>
-          </a:solidFill>
-          <a:ln>
-            <a:solidFill>
-              <a:schemeClr val="tx1"/>
-            </a:solidFill>
-          </a:ln>
-        </p:spPr>
-        <p:style>
-          <a:lnRef idx="2">
-            <a:schemeClr val="accent1">
-              <a:shade val="50000"/>
-            </a:schemeClr>
-          </a:lnRef>
-          <a:fillRef idx="1">
-            <a:schemeClr val="accent1"/>
-          </a:fillRef>
-          <a:effectRef idx="0">
-            <a:schemeClr val="accent1"/>
-          </a:effectRef>
-          <a:fontRef idx="minor">
-            <a:schemeClr val="lt1"/>
-          </a:fontRef>
-        </p:style>
-        <p:txBody>
-          <a:bodyPr rtlCol="0" anchor="ctr"/>
-          <a:lstStyle/>
-          <a:p>
-            <a:pPr algn="ctr"/>
-            <a:endParaRPr lang="en-US"/>
-          </a:p>
-        </p:txBody>
-      </p:sp>
-      <p:sp>
-        <p:nvSpPr>
-          <p:cNvPr id="137" name="Rectangle 136"/>
-          <p:cNvSpPr/>
-          <p:nvPr/>
-        </p:nvSpPr>
-        <p:spPr>
-          <a:xfrm>
-            <a:off x="8499751" y="2928718"/>
-            <a:ext cx="180975" cy="307968"/>
-          </a:xfrm>
-          <a:prstGeom prst="rect">
-            <a:avLst/>
-          </a:prstGeom>
-          <a:solidFill>
-            <a:srgbClr val="0000FF"/>
-          </a:solidFill>
-          <a:ln>
-            <a:solidFill>
-              <a:schemeClr val="tx1"/>
-            </a:solidFill>
-          </a:ln>
-        </p:spPr>
-        <p:style>
-          <a:lnRef idx="2">
-            <a:schemeClr val="accent1">
-              <a:shade val="50000"/>
-            </a:schemeClr>
-          </a:lnRef>
-          <a:fillRef idx="1">
-            <a:schemeClr val="accent1"/>
-          </a:fillRef>
-          <a:effectRef idx="0">
-            <a:schemeClr val="accent1"/>
-          </a:effectRef>
-          <a:fontRef idx="minor">
-            <a:schemeClr val="lt1"/>
-          </a:fontRef>
-        </p:style>
-        <p:txBody>
-          <a:bodyPr rtlCol="0" anchor="ctr"/>
-          <a:lstStyle/>
-          <a:p>
-            <a:pPr algn="ctr"/>
-            <a:endParaRPr lang="en-US"/>
-          </a:p>
-        </p:txBody>
-      </p:sp>
-      <p:sp>
-        <p:nvSpPr>
-          <p:cNvPr id="138" name="Rectangle 137"/>
-          <p:cNvSpPr/>
-          <p:nvPr/>
-        </p:nvSpPr>
-        <p:spPr>
-          <a:xfrm>
-            <a:off x="8888063" y="2928718"/>
-            <a:ext cx="180975" cy="307968"/>
-          </a:xfrm>
-          <a:prstGeom prst="rect">
-            <a:avLst/>
-          </a:prstGeom>
-          <a:solidFill>
-            <a:srgbClr val="0000FF"/>
-          </a:solidFill>
-          <a:ln>
-            <a:solidFill>
-              <a:schemeClr val="tx1"/>
-            </a:solidFill>
-          </a:ln>
-        </p:spPr>
-        <p:style>
-          <a:lnRef idx="2">
-            <a:schemeClr val="accent1">
-              <a:shade val="50000"/>
-            </a:schemeClr>
-          </a:lnRef>
-          <a:fillRef idx="1">
-            <a:schemeClr val="accent1"/>
-          </a:fillRef>
-          <a:effectRef idx="0">
-            <a:schemeClr val="accent1"/>
-          </a:effectRef>
-          <a:fontRef idx="minor">
-            <a:schemeClr val="lt1"/>
-          </a:fontRef>
-        </p:style>
-        <p:txBody>
-          <a:bodyPr rtlCol="0" anchor="ctr"/>
-          <a:lstStyle/>
-          <a:p>
-            <a:pPr algn="ctr"/>
-            <a:endParaRPr lang="en-US"/>
-          </a:p>
-        </p:txBody>
-      </p:sp>
-      <p:sp>
-        <p:nvSpPr>
-          <p:cNvPr id="139" name="Rectangle 138"/>
-          <p:cNvSpPr/>
-          <p:nvPr/>
-        </p:nvSpPr>
-        <p:spPr>
-          <a:xfrm>
-            <a:off x="9269062" y="2928718"/>
-            <a:ext cx="180975" cy="307968"/>
-          </a:xfrm>
-          <a:prstGeom prst="rect">
-            <a:avLst/>
-          </a:prstGeom>
-          <a:solidFill>
-            <a:srgbClr val="0000FF"/>
-          </a:solidFill>
-          <a:ln>
-            <a:solidFill>
-              <a:schemeClr val="tx1"/>
-            </a:solidFill>
-          </a:ln>
-        </p:spPr>
-        <p:style>
-          <a:lnRef idx="2">
-            <a:schemeClr val="accent1">
-              <a:shade val="50000"/>
-            </a:schemeClr>
-          </a:lnRef>
-          <a:fillRef idx="1">
-            <a:schemeClr val="accent1"/>
-          </a:fillRef>
-          <a:effectRef idx="0">
-            <a:schemeClr val="accent1"/>
-          </a:effectRef>
-          <a:fontRef idx="minor">
-            <a:schemeClr val="lt1"/>
-          </a:fontRef>
-        </p:style>
-        <p:txBody>
-          <a:bodyPr rtlCol="0" anchor="ctr"/>
-          <a:lstStyle/>
-          <a:p>
-            <a:pPr algn="ctr"/>
-            <a:endParaRPr lang="en-US"/>
-          </a:p>
-        </p:txBody>
-      </p:sp>
-      <p:sp>
-        <p:nvSpPr>
-          <p:cNvPr id="140" name="Rectangle 139"/>
-          <p:cNvSpPr/>
-          <p:nvPr/>
-        </p:nvSpPr>
-        <p:spPr>
-          <a:xfrm>
-            <a:off x="9650061" y="2928718"/>
-            <a:ext cx="180975" cy="307968"/>
-          </a:xfrm>
-          <a:prstGeom prst="rect">
-            <a:avLst/>
-          </a:prstGeom>
-          <a:solidFill>
-            <a:srgbClr val="0000FF"/>
-          </a:solidFill>
-          <a:ln>
-            <a:solidFill>
-              <a:schemeClr val="tx1"/>
-            </a:solidFill>
-          </a:ln>
-        </p:spPr>
-        <p:style>
-          <a:lnRef idx="2">
-            <a:schemeClr val="accent1">
-              <a:shade val="50000"/>
-            </a:schemeClr>
-          </a:lnRef>
-          <a:fillRef idx="1">
-            <a:schemeClr val="accent1"/>
-          </a:fillRef>
-          <a:effectRef idx="0">
-            <a:schemeClr val="accent1"/>
-          </a:effectRef>
-          <a:fontRef idx="minor">
-            <a:schemeClr val="lt1"/>
-          </a:fontRef>
-        </p:style>
-        <p:txBody>
-          <a:bodyPr rtlCol="0" anchor="ctr"/>
-          <a:lstStyle/>
-          <a:p>
-            <a:pPr algn="ctr"/>
-            <a:endParaRPr lang="en-US"/>
-          </a:p>
-        </p:txBody>
-      </p:sp>
-      <p:sp>
-        <p:nvSpPr>
-          <p:cNvPr id="141" name="Rectangle 140"/>
-          <p:cNvSpPr/>
-          <p:nvPr/>
-        </p:nvSpPr>
-        <p:spPr>
-          <a:xfrm>
-            <a:off x="10031060" y="2928718"/>
-            <a:ext cx="180975" cy="307968"/>
-          </a:xfrm>
-          <a:prstGeom prst="rect">
-            <a:avLst/>
-          </a:prstGeom>
-          <a:solidFill>
-            <a:srgbClr val="0000FF"/>
-          </a:solidFill>
-          <a:ln>
-            <a:solidFill>
-              <a:schemeClr val="tx1"/>
-            </a:solidFill>
-          </a:ln>
-        </p:spPr>
-        <p:style>
-          <a:lnRef idx="2">
-            <a:schemeClr val="accent1">
-              <a:shade val="50000"/>
-            </a:schemeClr>
-          </a:lnRef>
-          <a:fillRef idx="1">
-            <a:schemeClr val="accent1"/>
-          </a:fillRef>
-          <a:effectRef idx="0">
-            <a:schemeClr val="accent1"/>
-          </a:effectRef>
-          <a:fontRef idx="minor">
-            <a:schemeClr val="lt1"/>
-          </a:fontRef>
-        </p:style>
-        <p:txBody>
-          <a:bodyPr rtlCol="0" anchor="ctr"/>
-          <a:lstStyle/>
-          <a:p>
-            <a:pPr algn="ctr"/>
-            <a:endParaRPr lang="en-US"/>
-          </a:p>
-        </p:txBody>
-      </p:sp>
-      <p:sp>
-        <p:nvSpPr>
           <p:cNvPr id="142" name="Rectangle 141"/>
           <p:cNvSpPr/>
           <p:nvPr/>
@@ -11216,8 +9625,56 @@
         </p:nvSpPr>
         <p:spPr>
           <a:xfrm>
-            <a:off x="8530075" y="5737254"/>
+            <a:off x="8530075" y="5798214"/>
             <a:ext cx="141062" cy="209550"/>
+          </a:xfrm>
+          <a:prstGeom prst="rect">
+            <a:avLst/>
+          </a:prstGeom>
+          <a:solidFill>
+            <a:srgbClr val="0000FF"/>
+          </a:solidFill>
+          <a:ln>
+            <a:solidFill>
+              <a:schemeClr val="tx1"/>
+            </a:solidFill>
+          </a:ln>
+        </p:spPr>
+        <p:style>
+          <a:lnRef idx="2">
+            <a:schemeClr val="accent1">
+              <a:shade val="50000"/>
+            </a:schemeClr>
+          </a:lnRef>
+          <a:fillRef idx="1">
+            <a:schemeClr val="accent1"/>
+          </a:fillRef>
+          <a:effectRef idx="0">
+            <a:schemeClr val="accent1"/>
+          </a:effectRef>
+          <a:fontRef idx="minor">
+            <a:schemeClr val="lt1"/>
+          </a:fontRef>
+        </p:style>
+        <p:txBody>
+          <a:bodyPr rtlCol="0" anchor="ctr"/>
+          <a:lstStyle/>
+          <a:p>
+            <a:pPr algn="ctr"/>
+            <a:endParaRPr lang="en-US"/>
+          </a:p>
+        </p:txBody>
+      </p:sp>
+      <p:sp>
+        <p:nvSpPr>
+          <p:cNvPr id="185" name="Rectangle 184"/>
+          <p:cNvSpPr/>
+          <p:nvPr/>
+        </p:nvSpPr>
+        <p:spPr>
+          <a:xfrm>
+            <a:off x="8879610" y="3908461"/>
+            <a:ext cx="136462" cy="209550"/>
           </a:xfrm>
           <a:prstGeom prst="rect">
             <a:avLst/>
@@ -11260,13 +9717,13 @@
       </p:sp>
       <p:sp>
         <p:nvSpPr>
-          <p:cNvPr id="185" name="Rectangle 184"/>
-          <p:cNvSpPr/>
-          <p:nvPr/>
-        </p:nvSpPr>
-        <p:spPr>
-          <a:xfrm>
-            <a:off x="8879610" y="3908461"/>
+          <p:cNvPr id="186" name="Rectangle 185"/>
+          <p:cNvSpPr/>
+          <p:nvPr/>
+        </p:nvSpPr>
+        <p:spPr>
+          <a:xfrm>
+            <a:off x="8879610" y="4365660"/>
             <a:ext cx="136462" cy="209550"/>
           </a:xfrm>
           <a:prstGeom prst="rect">
@@ -11310,13 +9767,13 @@
       </p:sp>
       <p:sp>
         <p:nvSpPr>
-          <p:cNvPr id="186" name="Rectangle 185"/>
-          <p:cNvSpPr/>
-          <p:nvPr/>
-        </p:nvSpPr>
-        <p:spPr>
-          <a:xfrm>
-            <a:off x="8879610" y="4365660"/>
+          <p:cNvPr id="187" name="Rectangle 186"/>
+          <p:cNvSpPr/>
+          <p:nvPr/>
+        </p:nvSpPr>
+        <p:spPr>
+          <a:xfrm>
+            <a:off x="8879724" y="4822856"/>
             <a:ext cx="136462" cy="209550"/>
           </a:xfrm>
           <a:prstGeom prst="rect">
@@ -11360,13 +9817,13 @@
       </p:sp>
       <p:sp>
         <p:nvSpPr>
-          <p:cNvPr id="187" name="Rectangle 186"/>
-          <p:cNvSpPr/>
-          <p:nvPr/>
-        </p:nvSpPr>
-        <p:spPr>
-          <a:xfrm>
-            <a:off x="8879724" y="4822856"/>
+          <p:cNvPr id="188" name="Rectangle 187"/>
+          <p:cNvSpPr/>
+          <p:nvPr/>
+        </p:nvSpPr>
+        <p:spPr>
+          <a:xfrm>
+            <a:off x="8879610" y="5280055"/>
             <a:ext cx="136462" cy="209550"/>
           </a:xfrm>
           <a:prstGeom prst="rect">
@@ -11410,14 +9867,305 @@
       </p:sp>
       <p:sp>
         <p:nvSpPr>
-          <p:cNvPr id="188" name="Rectangle 187"/>
-          <p:cNvSpPr/>
-          <p:nvPr/>
-        </p:nvSpPr>
-        <p:spPr>
-          <a:xfrm>
-            <a:off x="8879610" y="5280055"/>
+          <p:cNvPr id="189" name="Rectangle 188"/>
+          <p:cNvSpPr/>
+          <p:nvPr/>
+        </p:nvSpPr>
+        <p:spPr>
+          <a:xfrm>
+            <a:off x="8879610" y="5798214"/>
             <a:ext cx="136462" cy="209550"/>
+          </a:xfrm>
+          <a:prstGeom prst="rect">
+            <a:avLst/>
+          </a:prstGeom>
+          <a:solidFill>
+            <a:srgbClr val="0000FF"/>
+          </a:solidFill>
+          <a:ln>
+            <a:solidFill>
+              <a:schemeClr val="tx1"/>
+            </a:solidFill>
+          </a:ln>
+        </p:spPr>
+        <p:style>
+          <a:lnRef idx="2">
+            <a:schemeClr val="accent1">
+              <a:shade val="50000"/>
+            </a:schemeClr>
+          </a:lnRef>
+          <a:fillRef idx="1">
+            <a:schemeClr val="accent1"/>
+          </a:fillRef>
+          <a:effectRef idx="0">
+            <a:schemeClr val="accent1"/>
+          </a:effectRef>
+          <a:fontRef idx="minor">
+            <a:schemeClr val="lt1"/>
+          </a:fontRef>
+        </p:style>
+        <p:txBody>
+          <a:bodyPr rtlCol="0" anchor="ctr"/>
+          <a:lstStyle/>
+          <a:p>
+            <a:pPr algn="ctr"/>
+            <a:endParaRPr lang="en-US"/>
+          </a:p>
+        </p:txBody>
+      </p:sp>
+      <p:sp>
+        <p:nvSpPr>
+          <p:cNvPr id="190" name="Rectangle 189"/>
+          <p:cNvSpPr/>
+          <p:nvPr/>
+        </p:nvSpPr>
+        <p:spPr>
+          <a:xfrm>
+            <a:off x="9247399" y="3908461"/>
+            <a:ext cx="266700" cy="209550"/>
+          </a:xfrm>
+          <a:prstGeom prst="rect">
+            <a:avLst/>
+          </a:prstGeom>
+          <a:solidFill>
+            <a:srgbClr val="FF0000"/>
+          </a:solidFill>
+          <a:ln>
+            <a:solidFill>
+              <a:schemeClr val="tx1"/>
+            </a:solidFill>
+          </a:ln>
+        </p:spPr>
+        <p:style>
+          <a:lnRef idx="2">
+            <a:schemeClr val="accent1">
+              <a:shade val="50000"/>
+            </a:schemeClr>
+          </a:lnRef>
+          <a:fillRef idx="1">
+            <a:schemeClr val="accent1"/>
+          </a:fillRef>
+          <a:effectRef idx="0">
+            <a:schemeClr val="accent1"/>
+          </a:effectRef>
+          <a:fontRef idx="minor">
+            <a:schemeClr val="lt1"/>
+          </a:fontRef>
+        </p:style>
+        <p:txBody>
+          <a:bodyPr rtlCol="0" anchor="ctr"/>
+          <a:lstStyle/>
+          <a:p>
+            <a:pPr algn="ctr"/>
+            <a:endParaRPr lang="en-US"/>
+          </a:p>
+        </p:txBody>
+      </p:sp>
+      <p:sp>
+        <p:nvSpPr>
+          <p:cNvPr id="191" name="Rectangle 190"/>
+          <p:cNvSpPr/>
+          <p:nvPr/>
+        </p:nvSpPr>
+        <p:spPr>
+          <a:xfrm>
+            <a:off x="9247399" y="4365660"/>
+            <a:ext cx="266700" cy="209550"/>
+          </a:xfrm>
+          <a:prstGeom prst="rect">
+            <a:avLst/>
+          </a:prstGeom>
+          <a:solidFill>
+            <a:srgbClr val="FF0000"/>
+          </a:solidFill>
+          <a:ln>
+            <a:solidFill>
+              <a:schemeClr val="tx1"/>
+            </a:solidFill>
+          </a:ln>
+        </p:spPr>
+        <p:style>
+          <a:lnRef idx="2">
+            <a:schemeClr val="accent1">
+              <a:shade val="50000"/>
+            </a:schemeClr>
+          </a:lnRef>
+          <a:fillRef idx="1">
+            <a:schemeClr val="accent1"/>
+          </a:fillRef>
+          <a:effectRef idx="0">
+            <a:schemeClr val="accent1"/>
+          </a:effectRef>
+          <a:fontRef idx="minor">
+            <a:schemeClr val="lt1"/>
+          </a:fontRef>
+        </p:style>
+        <p:txBody>
+          <a:bodyPr rtlCol="0" anchor="ctr"/>
+          <a:lstStyle/>
+          <a:p>
+            <a:pPr algn="ctr"/>
+            <a:endParaRPr lang="en-US"/>
+          </a:p>
+        </p:txBody>
+      </p:sp>
+      <p:sp>
+        <p:nvSpPr>
+          <p:cNvPr id="192" name="Rectangle 191"/>
+          <p:cNvSpPr/>
+          <p:nvPr/>
+        </p:nvSpPr>
+        <p:spPr>
+          <a:xfrm>
+            <a:off x="9247513" y="4822856"/>
+            <a:ext cx="266700" cy="209550"/>
+          </a:xfrm>
+          <a:prstGeom prst="rect">
+            <a:avLst/>
+          </a:prstGeom>
+          <a:solidFill>
+            <a:srgbClr val="FF0000"/>
+          </a:solidFill>
+          <a:ln>
+            <a:solidFill>
+              <a:schemeClr val="tx1"/>
+            </a:solidFill>
+          </a:ln>
+        </p:spPr>
+        <p:style>
+          <a:lnRef idx="2">
+            <a:schemeClr val="accent1">
+              <a:shade val="50000"/>
+            </a:schemeClr>
+          </a:lnRef>
+          <a:fillRef idx="1">
+            <a:schemeClr val="accent1"/>
+          </a:fillRef>
+          <a:effectRef idx="0">
+            <a:schemeClr val="accent1"/>
+          </a:effectRef>
+          <a:fontRef idx="minor">
+            <a:schemeClr val="lt1"/>
+          </a:fontRef>
+        </p:style>
+        <p:txBody>
+          <a:bodyPr rtlCol="0" anchor="ctr"/>
+          <a:lstStyle/>
+          <a:p>
+            <a:pPr algn="ctr"/>
+            <a:endParaRPr lang="en-US"/>
+          </a:p>
+        </p:txBody>
+      </p:sp>
+      <p:sp>
+        <p:nvSpPr>
+          <p:cNvPr id="193" name="Rectangle 192"/>
+          <p:cNvSpPr/>
+          <p:nvPr/>
+        </p:nvSpPr>
+        <p:spPr>
+          <a:xfrm>
+            <a:off x="9247399" y="5280055"/>
+            <a:ext cx="266700" cy="209550"/>
+          </a:xfrm>
+          <a:prstGeom prst="rect">
+            <a:avLst/>
+          </a:prstGeom>
+          <a:solidFill>
+            <a:srgbClr val="FF0000"/>
+          </a:solidFill>
+          <a:ln>
+            <a:solidFill>
+              <a:schemeClr val="tx1"/>
+            </a:solidFill>
+          </a:ln>
+        </p:spPr>
+        <p:style>
+          <a:lnRef idx="2">
+            <a:schemeClr val="accent1">
+              <a:shade val="50000"/>
+            </a:schemeClr>
+          </a:lnRef>
+          <a:fillRef idx="1">
+            <a:schemeClr val="accent1"/>
+          </a:fillRef>
+          <a:effectRef idx="0">
+            <a:schemeClr val="accent1"/>
+          </a:effectRef>
+          <a:fontRef idx="minor">
+            <a:schemeClr val="lt1"/>
+          </a:fontRef>
+        </p:style>
+        <p:txBody>
+          <a:bodyPr rtlCol="0" anchor="ctr"/>
+          <a:lstStyle/>
+          <a:p>
+            <a:pPr algn="ctr"/>
+            <a:endParaRPr lang="en-US"/>
+          </a:p>
+        </p:txBody>
+      </p:sp>
+      <p:sp>
+        <p:nvSpPr>
+          <p:cNvPr id="194" name="Rectangle 193"/>
+          <p:cNvSpPr/>
+          <p:nvPr/>
+        </p:nvSpPr>
+        <p:spPr>
+          <a:xfrm>
+            <a:off x="9247399" y="5798214"/>
+            <a:ext cx="266700" cy="209550"/>
+          </a:xfrm>
+          <a:prstGeom prst="rect">
+            <a:avLst/>
+          </a:prstGeom>
+          <a:solidFill>
+            <a:schemeClr val="accent2">
+              <a:lumMod val="60000"/>
+              <a:lumOff val="40000"/>
+            </a:schemeClr>
+          </a:solidFill>
+          <a:ln>
+            <a:solidFill>
+              <a:schemeClr val="tx1"/>
+            </a:solidFill>
+          </a:ln>
+        </p:spPr>
+        <p:style>
+          <a:lnRef idx="2">
+            <a:schemeClr val="accent1">
+              <a:shade val="50000"/>
+            </a:schemeClr>
+          </a:lnRef>
+          <a:fillRef idx="1">
+            <a:schemeClr val="accent1"/>
+          </a:fillRef>
+          <a:effectRef idx="0">
+            <a:schemeClr val="accent1"/>
+          </a:effectRef>
+          <a:fontRef idx="minor">
+            <a:schemeClr val="lt1"/>
+          </a:fontRef>
+        </p:style>
+        <p:txBody>
+          <a:bodyPr rtlCol="0" anchor="ctr"/>
+          <a:lstStyle/>
+          <a:p>
+            <a:pPr algn="ctr"/>
+            <a:endParaRPr lang="en-US"/>
+          </a:p>
+        </p:txBody>
+      </p:sp>
+      <p:sp>
+        <p:nvSpPr>
+          <p:cNvPr id="195" name="Rectangle 194"/>
+          <p:cNvSpPr/>
+          <p:nvPr/>
+        </p:nvSpPr>
+        <p:spPr>
+          <a:xfrm>
+            <a:off x="9749049" y="3908461"/>
+            <a:ext cx="140660" cy="209550"/>
           </a:xfrm>
           <a:prstGeom prst="rect">
             <a:avLst/>
@@ -11460,14 +10208,14 @@
       </p:sp>
       <p:sp>
         <p:nvSpPr>
-          <p:cNvPr id="189" name="Rectangle 188"/>
-          <p:cNvSpPr/>
-          <p:nvPr/>
-        </p:nvSpPr>
-        <p:spPr>
-          <a:xfrm>
-            <a:off x="8879610" y="5737254"/>
-            <a:ext cx="136462" cy="209550"/>
+          <p:cNvPr id="196" name="Rectangle 195"/>
+          <p:cNvSpPr/>
+          <p:nvPr/>
+        </p:nvSpPr>
+        <p:spPr>
+          <a:xfrm>
+            <a:off x="9749049" y="4365660"/>
+            <a:ext cx="140660" cy="209550"/>
           </a:xfrm>
           <a:prstGeom prst="rect">
             <a:avLst/>
@@ -11510,253 +10258,13 @@
       </p:sp>
       <p:sp>
         <p:nvSpPr>
-          <p:cNvPr id="190" name="Rectangle 189"/>
-          <p:cNvSpPr/>
-          <p:nvPr/>
-        </p:nvSpPr>
-        <p:spPr>
-          <a:xfrm>
-            <a:off x="9247399" y="3908461"/>
-            <a:ext cx="266700" cy="209550"/>
-          </a:xfrm>
-          <a:prstGeom prst="rect">
-            <a:avLst/>
-          </a:prstGeom>
-          <a:solidFill>
-            <a:srgbClr val="0000FF"/>
-          </a:solidFill>
-          <a:ln>
-            <a:solidFill>
-              <a:schemeClr val="tx1"/>
-            </a:solidFill>
-          </a:ln>
-        </p:spPr>
-        <p:style>
-          <a:lnRef idx="2">
-            <a:schemeClr val="accent1">
-              <a:shade val="50000"/>
-            </a:schemeClr>
-          </a:lnRef>
-          <a:fillRef idx="1">
-            <a:schemeClr val="accent1"/>
-          </a:fillRef>
-          <a:effectRef idx="0">
-            <a:schemeClr val="accent1"/>
-          </a:effectRef>
-          <a:fontRef idx="minor">
-            <a:schemeClr val="lt1"/>
-          </a:fontRef>
-        </p:style>
-        <p:txBody>
-          <a:bodyPr rtlCol="0" anchor="ctr"/>
-          <a:lstStyle/>
-          <a:p>
-            <a:pPr algn="ctr"/>
-            <a:endParaRPr lang="en-US"/>
-          </a:p>
-        </p:txBody>
-      </p:sp>
-      <p:sp>
-        <p:nvSpPr>
-          <p:cNvPr id="191" name="Rectangle 190"/>
-          <p:cNvSpPr/>
-          <p:nvPr/>
-        </p:nvSpPr>
-        <p:spPr>
-          <a:xfrm>
-            <a:off x="9247399" y="4365660"/>
-            <a:ext cx="266700" cy="209550"/>
-          </a:xfrm>
-          <a:prstGeom prst="rect">
-            <a:avLst/>
-          </a:prstGeom>
-          <a:solidFill>
-            <a:srgbClr val="0000FF"/>
-          </a:solidFill>
-          <a:ln>
-            <a:solidFill>
-              <a:schemeClr val="tx1"/>
-            </a:solidFill>
-          </a:ln>
-        </p:spPr>
-        <p:style>
-          <a:lnRef idx="2">
-            <a:schemeClr val="accent1">
-              <a:shade val="50000"/>
-            </a:schemeClr>
-          </a:lnRef>
-          <a:fillRef idx="1">
-            <a:schemeClr val="accent1"/>
-          </a:fillRef>
-          <a:effectRef idx="0">
-            <a:schemeClr val="accent1"/>
-          </a:effectRef>
-          <a:fontRef idx="minor">
-            <a:schemeClr val="lt1"/>
-          </a:fontRef>
-        </p:style>
-        <p:txBody>
-          <a:bodyPr rtlCol="0" anchor="ctr"/>
-          <a:lstStyle/>
-          <a:p>
-            <a:pPr algn="ctr"/>
-            <a:endParaRPr lang="en-US"/>
-          </a:p>
-        </p:txBody>
-      </p:sp>
-      <p:sp>
-        <p:nvSpPr>
-          <p:cNvPr id="192" name="Rectangle 191"/>
-          <p:cNvSpPr/>
-          <p:nvPr/>
-        </p:nvSpPr>
-        <p:spPr>
-          <a:xfrm>
-            <a:off x="9247513" y="4822856"/>
-            <a:ext cx="266700" cy="209550"/>
-          </a:xfrm>
-          <a:prstGeom prst="rect">
-            <a:avLst/>
-          </a:prstGeom>
-          <a:solidFill>
-            <a:srgbClr val="0000FF"/>
-          </a:solidFill>
-          <a:ln>
-            <a:solidFill>
-              <a:schemeClr val="tx1"/>
-            </a:solidFill>
-          </a:ln>
-        </p:spPr>
-        <p:style>
-          <a:lnRef idx="2">
-            <a:schemeClr val="accent1">
-              <a:shade val="50000"/>
-            </a:schemeClr>
-          </a:lnRef>
-          <a:fillRef idx="1">
-            <a:schemeClr val="accent1"/>
-          </a:fillRef>
-          <a:effectRef idx="0">
-            <a:schemeClr val="accent1"/>
-          </a:effectRef>
-          <a:fontRef idx="minor">
-            <a:schemeClr val="lt1"/>
-          </a:fontRef>
-        </p:style>
-        <p:txBody>
-          <a:bodyPr rtlCol="0" anchor="ctr"/>
-          <a:lstStyle/>
-          <a:p>
-            <a:pPr algn="ctr"/>
-            <a:endParaRPr lang="en-US"/>
-          </a:p>
-        </p:txBody>
-      </p:sp>
-      <p:sp>
-        <p:nvSpPr>
-          <p:cNvPr id="193" name="Rectangle 192"/>
-          <p:cNvSpPr/>
-          <p:nvPr/>
-        </p:nvSpPr>
-        <p:spPr>
-          <a:xfrm>
-            <a:off x="9247399" y="5280055"/>
-            <a:ext cx="266700" cy="209550"/>
-          </a:xfrm>
-          <a:prstGeom prst="rect">
-            <a:avLst/>
-          </a:prstGeom>
-          <a:solidFill>
-            <a:srgbClr val="0000FF"/>
-          </a:solidFill>
-          <a:ln>
-            <a:solidFill>
-              <a:schemeClr val="tx1"/>
-            </a:solidFill>
-          </a:ln>
-        </p:spPr>
-        <p:style>
-          <a:lnRef idx="2">
-            <a:schemeClr val="accent1">
-              <a:shade val="50000"/>
-            </a:schemeClr>
-          </a:lnRef>
-          <a:fillRef idx="1">
-            <a:schemeClr val="accent1"/>
-          </a:fillRef>
-          <a:effectRef idx="0">
-            <a:schemeClr val="accent1"/>
-          </a:effectRef>
-          <a:fontRef idx="minor">
-            <a:schemeClr val="lt1"/>
-          </a:fontRef>
-        </p:style>
-        <p:txBody>
-          <a:bodyPr rtlCol="0" anchor="ctr"/>
-          <a:lstStyle/>
-          <a:p>
-            <a:pPr algn="ctr"/>
-            <a:endParaRPr lang="en-US"/>
-          </a:p>
-        </p:txBody>
-      </p:sp>
-      <p:sp>
-        <p:nvSpPr>
-          <p:cNvPr id="194" name="Rectangle 193"/>
-          <p:cNvSpPr/>
-          <p:nvPr/>
-        </p:nvSpPr>
-        <p:spPr>
-          <a:xfrm>
-            <a:off x="9247399" y="5737254"/>
-            <a:ext cx="266700" cy="209550"/>
-          </a:xfrm>
-          <a:prstGeom prst="rect">
-            <a:avLst/>
-          </a:prstGeom>
-          <a:solidFill>
-            <a:srgbClr val="0000FF"/>
-          </a:solidFill>
-          <a:ln>
-            <a:solidFill>
-              <a:schemeClr val="tx1"/>
-            </a:solidFill>
-          </a:ln>
-        </p:spPr>
-        <p:style>
-          <a:lnRef idx="2">
-            <a:schemeClr val="accent1">
-              <a:shade val="50000"/>
-            </a:schemeClr>
-          </a:lnRef>
-          <a:fillRef idx="1">
-            <a:schemeClr val="accent1"/>
-          </a:fillRef>
-          <a:effectRef idx="0">
-            <a:schemeClr val="accent1"/>
-          </a:effectRef>
-          <a:fontRef idx="minor">
-            <a:schemeClr val="lt1"/>
-          </a:fontRef>
-        </p:style>
-        <p:txBody>
-          <a:bodyPr rtlCol="0" anchor="ctr"/>
-          <a:lstStyle/>
-          <a:p>
-            <a:pPr algn="ctr"/>
-            <a:endParaRPr lang="en-US"/>
-          </a:p>
-        </p:txBody>
-      </p:sp>
-      <p:sp>
-        <p:nvSpPr>
-          <p:cNvPr id="195" name="Rectangle 194"/>
-          <p:cNvSpPr/>
-          <p:nvPr/>
-        </p:nvSpPr>
-        <p:spPr>
-          <a:xfrm>
-            <a:off x="9749049" y="3908461"/>
+          <p:cNvPr id="197" name="Rectangle 196"/>
+          <p:cNvSpPr/>
+          <p:nvPr/>
+        </p:nvSpPr>
+        <p:spPr>
+          <a:xfrm>
+            <a:off x="9749163" y="4822856"/>
             <a:ext cx="140660" cy="209550"/>
           </a:xfrm>
           <a:prstGeom prst="rect">
@@ -11800,13 +10308,13 @@
       </p:sp>
       <p:sp>
         <p:nvSpPr>
-          <p:cNvPr id="196" name="Rectangle 195"/>
-          <p:cNvSpPr/>
-          <p:nvPr/>
-        </p:nvSpPr>
-        <p:spPr>
-          <a:xfrm>
-            <a:off x="9749049" y="4365660"/>
+          <p:cNvPr id="198" name="Rectangle 197"/>
+          <p:cNvSpPr/>
+          <p:nvPr/>
+        </p:nvSpPr>
+        <p:spPr>
+          <a:xfrm>
+            <a:off x="9749049" y="5280055"/>
             <a:ext cx="140660" cy="209550"/>
           </a:xfrm>
           <a:prstGeom prst="rect">
@@ -11850,14 +10358,62 @@
       </p:sp>
       <p:sp>
         <p:nvSpPr>
-          <p:cNvPr id="197" name="Rectangle 196"/>
-          <p:cNvSpPr/>
-          <p:nvPr/>
-        </p:nvSpPr>
-        <p:spPr>
-          <a:xfrm>
-            <a:off x="9749163" y="4822856"/>
+          <p:cNvPr id="199" name="Rectangle 198"/>
+          <p:cNvSpPr/>
+          <p:nvPr/>
+        </p:nvSpPr>
+        <p:spPr>
+          <a:xfrm>
+            <a:off x="9749049" y="5798214"/>
             <a:ext cx="140660" cy="209550"/>
+          </a:xfrm>
+          <a:prstGeom prst="rect">
+            <a:avLst/>
+          </a:prstGeom>
+          <a:solidFill>
+            <a:srgbClr val="0000FF"/>
+          </a:solidFill>
+          <a:ln>
+            <a:solidFill>
+              <a:schemeClr val="tx1"/>
+            </a:solidFill>
+          </a:ln>
+        </p:spPr>
+        <p:style>
+          <a:lnRef idx="2">
+            <a:schemeClr val="accent1">
+              <a:shade val="50000"/>
+            </a:schemeClr>
+          </a:lnRef>
+          <a:fillRef idx="1">
+            <a:schemeClr val="accent1"/>
+          </a:fillRef>
+          <a:effectRef idx="0">
+            <a:schemeClr val="accent1"/>
+          </a:effectRef>
+          <a:fontRef idx="minor">
+            <a:schemeClr val="lt1"/>
+          </a:fontRef>
+        </p:style>
+        <p:txBody>
+          <a:bodyPr rtlCol="0" anchor="ctr"/>
+          <a:lstStyle/>
+          <a:p>
+            <a:pPr algn="ctr"/>
+            <a:endParaRPr lang="en-US"/>
+          </a:p>
+        </p:txBody>
+      </p:sp>
+      <p:sp>
+        <p:nvSpPr>
+          <p:cNvPr id="200" name="Rectangle 199"/>
+          <p:cNvSpPr/>
+          <p:nvPr/>
+        </p:nvSpPr>
+        <p:spPr>
+          <a:xfrm>
+            <a:off x="10098299" y="3908461"/>
+            <a:ext cx="144059" cy="209550"/>
           </a:xfrm>
           <a:prstGeom prst="rect">
             <a:avLst/>
@@ -11900,14 +10456,14 @@
       </p:sp>
       <p:sp>
         <p:nvSpPr>
-          <p:cNvPr id="198" name="Rectangle 197"/>
-          <p:cNvSpPr/>
-          <p:nvPr/>
-        </p:nvSpPr>
-        <p:spPr>
-          <a:xfrm>
-            <a:off x="9749049" y="5280055"/>
-            <a:ext cx="140660" cy="209550"/>
+          <p:cNvPr id="201" name="Rectangle 200"/>
+          <p:cNvSpPr/>
+          <p:nvPr/>
+        </p:nvSpPr>
+        <p:spPr>
+          <a:xfrm>
+            <a:off x="10098299" y="4365660"/>
+            <a:ext cx="144059" cy="209550"/>
           </a:xfrm>
           <a:prstGeom prst="rect">
             <a:avLst/>
@@ -11950,14 +10506,14 @@
       </p:sp>
       <p:sp>
         <p:nvSpPr>
-          <p:cNvPr id="199" name="Rectangle 198"/>
-          <p:cNvSpPr/>
-          <p:nvPr/>
-        </p:nvSpPr>
-        <p:spPr>
-          <a:xfrm>
-            <a:off x="9749049" y="5737254"/>
-            <a:ext cx="140660" cy="209550"/>
+          <p:cNvPr id="202" name="Rectangle 201"/>
+          <p:cNvSpPr/>
+          <p:nvPr/>
+        </p:nvSpPr>
+        <p:spPr>
+          <a:xfrm>
+            <a:off x="10098413" y="4822856"/>
+            <a:ext cx="144059" cy="209550"/>
           </a:xfrm>
           <a:prstGeom prst="rect">
             <a:avLst/>
@@ -12000,13 +10556,13 @@
       </p:sp>
       <p:sp>
         <p:nvSpPr>
-          <p:cNvPr id="200" name="Rectangle 199"/>
-          <p:cNvSpPr/>
-          <p:nvPr/>
-        </p:nvSpPr>
-        <p:spPr>
-          <a:xfrm>
-            <a:off x="10098299" y="3908461"/>
+          <p:cNvPr id="203" name="Rectangle 202"/>
+          <p:cNvSpPr/>
+          <p:nvPr/>
+        </p:nvSpPr>
+        <p:spPr>
+          <a:xfrm>
+            <a:off x="10098299" y="5280055"/>
             <a:ext cx="144059" cy="209550"/>
           </a:xfrm>
           <a:prstGeom prst="rect">
@@ -12050,172 +10606,20 @@
       </p:sp>
       <p:sp>
         <p:nvSpPr>
-          <p:cNvPr id="201" name="Rectangle 200"/>
-          <p:cNvSpPr/>
-          <p:nvPr/>
-        </p:nvSpPr>
-        <p:spPr>
-          <a:xfrm>
-            <a:off x="10098299" y="4365660"/>
+          <p:cNvPr id="204" name="Rectangle 203"/>
+          <p:cNvSpPr/>
+          <p:nvPr/>
+        </p:nvSpPr>
+        <p:spPr>
+          <a:xfrm>
+            <a:off x="10098299" y="5798214"/>
             <a:ext cx="144059" cy="209550"/>
           </a:xfrm>
           <a:prstGeom prst="rect">
             <a:avLst/>
           </a:prstGeom>
           <a:solidFill>
-            <a:schemeClr val="bg1">
-              <a:lumMod val="50000"/>
-            </a:schemeClr>
-          </a:solidFill>
-          <a:ln>
-            <a:solidFill>
-              <a:schemeClr val="tx1"/>
-            </a:solidFill>
-          </a:ln>
-        </p:spPr>
-        <p:style>
-          <a:lnRef idx="2">
-            <a:schemeClr val="accent1">
-              <a:shade val="50000"/>
-            </a:schemeClr>
-          </a:lnRef>
-          <a:fillRef idx="1">
-            <a:schemeClr val="accent1"/>
-          </a:fillRef>
-          <a:effectRef idx="0">
-            <a:schemeClr val="accent1"/>
-          </a:effectRef>
-          <a:fontRef idx="minor">
-            <a:schemeClr val="lt1"/>
-          </a:fontRef>
-        </p:style>
-        <p:txBody>
-          <a:bodyPr rtlCol="0" anchor="ctr"/>
-          <a:lstStyle/>
-          <a:p>
-            <a:pPr algn="ctr"/>
-            <a:endParaRPr lang="en-US"/>
-          </a:p>
-        </p:txBody>
-      </p:sp>
-      <p:sp>
-        <p:nvSpPr>
-          <p:cNvPr id="202" name="Rectangle 201"/>
-          <p:cNvSpPr/>
-          <p:nvPr/>
-        </p:nvSpPr>
-        <p:spPr>
-          <a:xfrm>
-            <a:off x="10098413" y="4822856"/>
-            <a:ext cx="144059" cy="209550"/>
-          </a:xfrm>
-          <a:prstGeom prst="rect">
-            <a:avLst/>
-          </a:prstGeom>
-          <a:solidFill>
-            <a:schemeClr val="bg1">
-              <a:lumMod val="50000"/>
-            </a:schemeClr>
-          </a:solidFill>
-          <a:ln>
-            <a:solidFill>
-              <a:schemeClr val="tx1"/>
-            </a:solidFill>
-          </a:ln>
-        </p:spPr>
-        <p:style>
-          <a:lnRef idx="2">
-            <a:schemeClr val="accent1">
-              <a:shade val="50000"/>
-            </a:schemeClr>
-          </a:lnRef>
-          <a:fillRef idx="1">
-            <a:schemeClr val="accent1"/>
-          </a:fillRef>
-          <a:effectRef idx="0">
-            <a:schemeClr val="accent1"/>
-          </a:effectRef>
-          <a:fontRef idx="minor">
-            <a:schemeClr val="lt1"/>
-          </a:fontRef>
-        </p:style>
-        <p:txBody>
-          <a:bodyPr rtlCol="0" anchor="ctr"/>
-          <a:lstStyle/>
-          <a:p>
-            <a:pPr algn="ctr"/>
-            <a:endParaRPr lang="en-US"/>
-          </a:p>
-        </p:txBody>
-      </p:sp>
-      <p:sp>
-        <p:nvSpPr>
-          <p:cNvPr id="203" name="Rectangle 202"/>
-          <p:cNvSpPr/>
-          <p:nvPr/>
-        </p:nvSpPr>
-        <p:spPr>
-          <a:xfrm>
-            <a:off x="10098299" y="5280055"/>
-            <a:ext cx="144059" cy="209550"/>
-          </a:xfrm>
-          <a:prstGeom prst="rect">
-            <a:avLst/>
-          </a:prstGeom>
-          <a:solidFill>
-            <a:schemeClr val="bg1">
-              <a:lumMod val="50000"/>
-            </a:schemeClr>
-          </a:solidFill>
-          <a:ln>
-            <a:solidFill>
-              <a:schemeClr val="tx1"/>
-            </a:solidFill>
-          </a:ln>
-        </p:spPr>
-        <p:style>
-          <a:lnRef idx="2">
-            <a:schemeClr val="accent1">
-              <a:shade val="50000"/>
-            </a:schemeClr>
-          </a:lnRef>
-          <a:fillRef idx="1">
-            <a:schemeClr val="accent1"/>
-          </a:fillRef>
-          <a:effectRef idx="0">
-            <a:schemeClr val="accent1"/>
-          </a:effectRef>
-          <a:fontRef idx="minor">
-            <a:schemeClr val="lt1"/>
-          </a:fontRef>
-        </p:style>
-        <p:txBody>
-          <a:bodyPr rtlCol="0" anchor="ctr"/>
-          <a:lstStyle/>
-          <a:p>
-            <a:pPr algn="ctr"/>
-            <a:endParaRPr lang="en-US"/>
-          </a:p>
-        </p:txBody>
-      </p:sp>
-      <p:sp>
-        <p:nvSpPr>
-          <p:cNvPr id="204" name="Rectangle 203"/>
-          <p:cNvSpPr/>
-          <p:nvPr/>
-        </p:nvSpPr>
-        <p:spPr>
-          <a:xfrm>
-            <a:off x="10098299" y="5737254"/>
-            <a:ext cx="144059" cy="209550"/>
-          </a:xfrm>
-          <a:prstGeom prst="rect">
-            <a:avLst/>
-          </a:prstGeom>
-          <a:solidFill>
-            <a:schemeClr val="bg1">
-              <a:lumMod val="50000"/>
-            </a:schemeClr>
+            <a:srgbClr val="0000FF"/>
           </a:solidFill>
           <a:ln>
             <a:solidFill>
@@ -12353,76 +10757,6 @@
           </a:fontRef>
         </p:style>
       </p:cxnSp>
-      <p:cxnSp>
-        <p:nvCxnSpPr>
-          <p:cNvPr id="208" name="Straight Connector 207"/>
-          <p:cNvCxnSpPr/>
-          <p:nvPr/>
-        </p:nvCxnSpPr>
-        <p:spPr>
-          <a:xfrm>
-            <a:off x="8394697" y="2803299"/>
-            <a:ext cx="1914071" cy="0"/>
-          </a:xfrm>
-          <a:prstGeom prst="line">
-            <a:avLst/>
-          </a:prstGeom>
-          <a:ln w="12700">
-            <a:solidFill>
-              <a:schemeClr val="tx1"/>
-            </a:solidFill>
-          </a:ln>
-        </p:spPr>
-        <p:style>
-          <a:lnRef idx="1">
-            <a:schemeClr val="accent1"/>
-          </a:lnRef>
-          <a:fillRef idx="0">
-            <a:schemeClr val="accent1"/>
-          </a:fillRef>
-          <a:effectRef idx="0">
-            <a:schemeClr val="accent1"/>
-          </a:effectRef>
-          <a:fontRef idx="minor">
-            <a:schemeClr val="tx1"/>
-          </a:fontRef>
-        </p:style>
-      </p:cxnSp>
-      <p:cxnSp>
-        <p:nvCxnSpPr>
-          <p:cNvPr id="209" name="Straight Connector 208"/>
-          <p:cNvCxnSpPr/>
-          <p:nvPr/>
-        </p:nvCxnSpPr>
-        <p:spPr>
-          <a:xfrm>
-            <a:off x="8394697" y="2346097"/>
-            <a:ext cx="1914071" cy="0"/>
-          </a:xfrm>
-          <a:prstGeom prst="line">
-            <a:avLst/>
-          </a:prstGeom>
-          <a:ln w="12700">
-            <a:solidFill>
-              <a:schemeClr val="tx1"/>
-            </a:solidFill>
-          </a:ln>
-        </p:spPr>
-        <p:style>
-          <a:lnRef idx="1">
-            <a:schemeClr val="accent1"/>
-          </a:lnRef>
-          <a:fillRef idx="0">
-            <a:schemeClr val="accent1"/>
-          </a:fillRef>
-          <a:effectRef idx="0">
-            <a:schemeClr val="accent1"/>
-          </a:effectRef>
-          <a:fontRef idx="minor">
-            <a:schemeClr val="tx1"/>
-          </a:fontRef>
-        </p:style>
-      </p:cxnSp>
       <p:sp>
         <p:nvSpPr>
           <p:cNvPr id="210" name="Rectangle 209"/>
@@ -12431,7 +10765,7 @@
         </p:nvSpPr>
         <p:spPr>
           <a:xfrm>
-            <a:off x="1426029" y="3835400"/>
+            <a:off x="8440399" y="950686"/>
             <a:ext cx="1914071" cy="2287814"/>
           </a:xfrm>
           <a:prstGeom prst="rect">
@@ -12477,7 +10811,7 @@
         </p:nvCxnSpPr>
         <p:spPr>
           <a:xfrm>
-            <a:off x="1426029" y="5664200"/>
+            <a:off x="8440399" y="2779486"/>
             <a:ext cx="1914071" cy="0"/>
           </a:xfrm>
           <a:prstGeom prst="line">
@@ -12512,7 +10846,7 @@
         </p:nvCxnSpPr>
         <p:spPr>
           <a:xfrm>
-            <a:off x="1426029" y="5207000"/>
+            <a:off x="8440399" y="2322286"/>
             <a:ext cx="1914071" cy="0"/>
           </a:xfrm>
           <a:prstGeom prst="line">
@@ -12547,7 +10881,7 @@
         </p:nvCxnSpPr>
         <p:spPr>
           <a:xfrm>
-            <a:off x="1426029" y="4749800"/>
+            <a:off x="8440399" y="1865086"/>
             <a:ext cx="1914071" cy="0"/>
           </a:xfrm>
           <a:prstGeom prst="line">
@@ -12582,7 +10916,7 @@
         </p:nvCxnSpPr>
         <p:spPr>
           <a:xfrm>
-            <a:off x="1426029" y="4292600"/>
+            <a:off x="8440399" y="1407886"/>
             <a:ext cx="1914071" cy="0"/>
           </a:xfrm>
           <a:prstGeom prst="line">
@@ -12617,7 +10951,7 @@
         </p:nvCxnSpPr>
         <p:spPr>
           <a:xfrm>
-            <a:off x="1816100" y="3835400"/>
+            <a:off x="8830470" y="950686"/>
             <a:ext cx="0" cy="2287814"/>
           </a:xfrm>
           <a:prstGeom prst="line">
@@ -12652,7 +10986,7 @@
         </p:nvCxnSpPr>
         <p:spPr>
           <a:xfrm>
-            <a:off x="2197100" y="3835400"/>
+            <a:off x="9211470" y="950686"/>
             <a:ext cx="0" cy="2287814"/>
           </a:xfrm>
           <a:prstGeom prst="line">
@@ -12687,7 +11021,7 @@
         </p:nvCxnSpPr>
         <p:spPr>
           <a:xfrm>
-            <a:off x="2578100" y="3835400"/>
+            <a:off x="9592470" y="950686"/>
             <a:ext cx="0" cy="2287814"/>
           </a:xfrm>
           <a:prstGeom prst="line">
@@ -12722,7 +11056,7 @@
         </p:nvCxnSpPr>
         <p:spPr>
           <a:xfrm>
-            <a:off x="2959100" y="3835400"/>
+            <a:off x="9973470" y="950686"/>
             <a:ext cx="0" cy="2287814"/>
           </a:xfrm>
           <a:prstGeom prst="line">
@@ -12757,7 +11091,7 @@
         </p:nvCxnSpPr>
         <p:spPr>
           <a:xfrm>
-            <a:off x="2959100" y="3835400"/>
+            <a:off x="9973470" y="950686"/>
             <a:ext cx="0" cy="2287814"/>
           </a:xfrm>
           <a:prstGeom prst="line">
@@ -12792,7 +11126,7 @@
         </p:nvSpPr>
         <p:spPr>
           <a:xfrm>
-            <a:off x="1510173" y="3986211"/>
+            <a:off x="8524543" y="1101497"/>
             <a:ext cx="222470" cy="147637"/>
           </a:xfrm>
           <a:prstGeom prst="rect">
@@ -12840,7 +11174,7 @@
         </p:nvSpPr>
         <p:spPr>
           <a:xfrm>
-            <a:off x="1531083" y="4391024"/>
+            <a:off x="8545453" y="1506310"/>
             <a:ext cx="180975" cy="209550"/>
           </a:xfrm>
           <a:prstGeom prst="rect">
@@ -12890,7 +11224,7 @@
         </p:nvSpPr>
         <p:spPr>
           <a:xfrm>
-            <a:off x="1531197" y="4848220"/>
+            <a:off x="8545567" y="1963506"/>
             <a:ext cx="180975" cy="209550"/>
           </a:xfrm>
           <a:prstGeom prst="rect">
@@ -12940,7 +11274,7 @@
         </p:nvSpPr>
         <p:spPr>
           <a:xfrm>
-            <a:off x="1510172" y="5356231"/>
+            <a:off x="8524542" y="2471517"/>
             <a:ext cx="225701" cy="158738"/>
           </a:xfrm>
           <a:prstGeom prst="rect">
@@ -12988,7 +11322,7 @@
         </p:nvSpPr>
         <p:spPr>
           <a:xfrm>
-            <a:off x="1898485" y="3986211"/>
+            <a:off x="8912855" y="1101497"/>
             <a:ext cx="222470" cy="147637"/>
           </a:xfrm>
           <a:prstGeom prst="rect">
@@ -13036,7 +11370,7 @@
         </p:nvSpPr>
         <p:spPr>
           <a:xfrm>
-            <a:off x="1919395" y="4391024"/>
+            <a:off x="8933765" y="1506310"/>
             <a:ext cx="180975" cy="209550"/>
           </a:xfrm>
           <a:prstGeom prst="rect">
@@ -13086,7 +11420,7 @@
         </p:nvSpPr>
         <p:spPr>
           <a:xfrm>
-            <a:off x="1919509" y="4848220"/>
+            <a:off x="8933879" y="1963506"/>
             <a:ext cx="180975" cy="209550"/>
           </a:xfrm>
           <a:prstGeom prst="rect">
@@ -13136,7 +11470,7 @@
         </p:nvSpPr>
         <p:spPr>
           <a:xfrm>
-            <a:off x="1898484" y="5356231"/>
+            <a:off x="8912854" y="2471517"/>
             <a:ext cx="225701" cy="158738"/>
           </a:xfrm>
           <a:prstGeom prst="rect">
@@ -13184,7 +11518,7 @@
         </p:nvSpPr>
         <p:spPr>
           <a:xfrm>
-            <a:off x="2279484" y="3986211"/>
+            <a:off x="9293854" y="1101497"/>
             <a:ext cx="222470" cy="147637"/>
           </a:xfrm>
           <a:prstGeom prst="rect">
@@ -13232,7 +11566,7 @@
         </p:nvSpPr>
         <p:spPr>
           <a:xfrm>
-            <a:off x="2300394" y="4391024"/>
+            <a:off x="9314764" y="1506310"/>
             <a:ext cx="180975" cy="209550"/>
           </a:xfrm>
           <a:prstGeom prst="rect">
@@ -13282,7 +11616,7 @@
         </p:nvSpPr>
         <p:spPr>
           <a:xfrm>
-            <a:off x="2300508" y="4848220"/>
+            <a:off x="9314878" y="1963506"/>
             <a:ext cx="180975" cy="209550"/>
           </a:xfrm>
           <a:prstGeom prst="rect">
@@ -13332,7 +11666,7 @@
         </p:nvSpPr>
         <p:spPr>
           <a:xfrm>
-            <a:off x="2279483" y="5356231"/>
+            <a:off x="9293853" y="2471517"/>
             <a:ext cx="225701" cy="158738"/>
           </a:xfrm>
           <a:prstGeom prst="rect">
@@ -13380,7 +11714,7 @@
         </p:nvSpPr>
         <p:spPr>
           <a:xfrm>
-            <a:off x="2660483" y="3986211"/>
+            <a:off x="9674853" y="1101497"/>
             <a:ext cx="222470" cy="147637"/>
           </a:xfrm>
           <a:prstGeom prst="rect">
@@ -13428,7 +11762,7 @@
         </p:nvSpPr>
         <p:spPr>
           <a:xfrm>
-            <a:off x="2681393" y="4391024"/>
+            <a:off x="9695763" y="1506310"/>
             <a:ext cx="180975" cy="209550"/>
           </a:xfrm>
           <a:prstGeom prst="rect">
@@ -13478,7 +11812,7 @@
         </p:nvSpPr>
         <p:spPr>
           <a:xfrm>
-            <a:off x="2681507" y="4848220"/>
+            <a:off x="9695877" y="1963506"/>
             <a:ext cx="180975" cy="209550"/>
           </a:xfrm>
           <a:prstGeom prst="rect">
@@ -13528,7 +11862,7 @@
         </p:nvSpPr>
         <p:spPr>
           <a:xfrm>
-            <a:off x="2660482" y="5356231"/>
+            <a:off x="9674852" y="2471517"/>
             <a:ext cx="225701" cy="158738"/>
           </a:xfrm>
           <a:prstGeom prst="rect">
@@ -13576,7 +11910,7 @@
         </p:nvSpPr>
         <p:spPr>
           <a:xfrm>
-            <a:off x="3041482" y="3986211"/>
+            <a:off x="10055852" y="1101497"/>
             <a:ext cx="222470" cy="147637"/>
           </a:xfrm>
           <a:prstGeom prst="rect">
@@ -13624,7 +11958,7 @@
         </p:nvSpPr>
         <p:spPr>
           <a:xfrm>
-            <a:off x="3062392" y="4391024"/>
+            <a:off x="10076762" y="1506310"/>
             <a:ext cx="180975" cy="209550"/>
           </a:xfrm>
           <a:prstGeom prst="rect">
@@ -13674,7 +12008,7 @@
         </p:nvSpPr>
         <p:spPr>
           <a:xfrm>
-            <a:off x="3062506" y="4848220"/>
+            <a:off x="10076876" y="1963506"/>
             <a:ext cx="180975" cy="209550"/>
           </a:xfrm>
           <a:prstGeom prst="rect">
@@ -13724,7 +12058,7 @@
         </p:nvSpPr>
         <p:spPr>
           <a:xfrm>
-            <a:off x="3041481" y="5356231"/>
+            <a:off x="10055851" y="2471517"/>
             <a:ext cx="225701" cy="158738"/>
           </a:xfrm>
           <a:prstGeom prst="rect">
@@ -13772,7 +12106,7 @@
         </p:nvSpPr>
         <p:spPr>
           <a:xfrm>
-            <a:off x="1531083" y="5813432"/>
+            <a:off x="8545453" y="2928718"/>
             <a:ext cx="180975" cy="307968"/>
           </a:xfrm>
           <a:prstGeom prst="rect">
@@ -13820,7 +12154,7 @@
         </p:nvSpPr>
         <p:spPr>
           <a:xfrm>
-            <a:off x="1919395" y="5813432"/>
+            <a:off x="8933765" y="2928718"/>
             <a:ext cx="180975" cy="307968"/>
           </a:xfrm>
           <a:prstGeom prst="rect">
@@ -13868,7 +12202,7 @@
         </p:nvSpPr>
         <p:spPr>
           <a:xfrm>
-            <a:off x="2300394" y="5813432"/>
+            <a:off x="9314764" y="2928718"/>
             <a:ext cx="180975" cy="307968"/>
           </a:xfrm>
           <a:prstGeom prst="rect">
@@ -13916,7 +12250,7 @@
         </p:nvSpPr>
         <p:spPr>
           <a:xfrm>
-            <a:off x="2681393" y="5813432"/>
+            <a:off x="9695763" y="2928718"/>
             <a:ext cx="180975" cy="307968"/>
           </a:xfrm>
           <a:prstGeom prst="rect">
@@ -13964,7 +12298,7 @@
         </p:nvSpPr>
         <p:spPr>
           <a:xfrm>
-            <a:off x="3062392" y="5813432"/>
+            <a:off x="10076762" y="2928718"/>
             <a:ext cx="180975" cy="307968"/>
           </a:xfrm>
           <a:prstGeom prst="rect">
@@ -14012,7 +12346,7 @@
         </p:nvCxnSpPr>
         <p:spPr>
           <a:xfrm>
-            <a:off x="1426029" y="5688013"/>
+            <a:off x="8440399" y="2803299"/>
             <a:ext cx="1914071" cy="0"/>
           </a:xfrm>
           <a:prstGeom prst="line">
@@ -14047,7 +12381,7 @@
         </p:nvCxnSpPr>
         <p:spPr>
           <a:xfrm>
-            <a:off x="1426029" y="5230811"/>
+            <a:off x="8440399" y="2346097"/>
             <a:ext cx="1914071" cy="0"/>
           </a:xfrm>
           <a:prstGeom prst="line">
@@ -14082,7 +12416,7 @@
         </p:nvCxnSpPr>
         <p:spPr>
           <a:xfrm>
-            <a:off x="1426029" y="4268787"/>
+            <a:off x="8440399" y="1384073"/>
             <a:ext cx="1914071" cy="0"/>
           </a:xfrm>
           <a:prstGeom prst="line">
@@ -16236,6 +14570,2749 @@
           <a:p>
             <a:pPr algn="ctr"/>
             <a:endParaRPr lang="en-US"/>
+          </a:p>
+        </p:txBody>
+      </p:sp>
+      <p:sp>
+        <p:nvSpPr>
+          <p:cNvPr id="297" name="Rectangle 296"/>
+          <p:cNvSpPr/>
+          <p:nvPr/>
+        </p:nvSpPr>
+        <p:spPr>
+          <a:xfrm>
+            <a:off x="1421213" y="3835400"/>
+            <a:ext cx="1914071" cy="2287814"/>
+          </a:xfrm>
+          <a:prstGeom prst="rect">
+            <a:avLst/>
+          </a:prstGeom>
+          <a:noFill/>
+          <a:ln>
+            <a:solidFill>
+              <a:schemeClr val="tx1"/>
+            </a:solidFill>
+          </a:ln>
+        </p:spPr>
+        <p:style>
+          <a:lnRef idx="2">
+            <a:schemeClr val="accent1">
+              <a:shade val="50000"/>
+            </a:schemeClr>
+          </a:lnRef>
+          <a:fillRef idx="1">
+            <a:schemeClr val="accent1"/>
+          </a:fillRef>
+          <a:effectRef idx="0">
+            <a:schemeClr val="accent1"/>
+          </a:effectRef>
+          <a:fontRef idx="minor">
+            <a:schemeClr val="lt1"/>
+          </a:fontRef>
+        </p:style>
+        <p:txBody>
+          <a:bodyPr rtlCol="0" anchor="ctr"/>
+          <a:lstStyle/>
+          <a:p>
+            <a:pPr algn="ctr"/>
+            <a:endParaRPr lang="en-US"/>
+          </a:p>
+        </p:txBody>
+      </p:sp>
+      <p:cxnSp>
+        <p:nvCxnSpPr>
+          <p:cNvPr id="298" name="Straight Connector 297"/>
+          <p:cNvCxnSpPr/>
+          <p:nvPr/>
+        </p:nvCxnSpPr>
+        <p:spPr>
+          <a:xfrm>
+            <a:off x="1421213" y="5664200"/>
+            <a:ext cx="1914071" cy="0"/>
+          </a:xfrm>
+          <a:prstGeom prst="line">
+            <a:avLst/>
+          </a:prstGeom>
+          <a:ln w="12700">
+            <a:solidFill>
+              <a:schemeClr val="tx1"/>
+            </a:solidFill>
+          </a:ln>
+        </p:spPr>
+        <p:style>
+          <a:lnRef idx="1">
+            <a:schemeClr val="accent1"/>
+          </a:lnRef>
+          <a:fillRef idx="0">
+            <a:schemeClr val="accent1"/>
+          </a:fillRef>
+          <a:effectRef idx="0">
+            <a:schemeClr val="accent1"/>
+          </a:effectRef>
+          <a:fontRef idx="minor">
+            <a:schemeClr val="tx1"/>
+          </a:fontRef>
+        </p:style>
+      </p:cxnSp>
+      <p:cxnSp>
+        <p:nvCxnSpPr>
+          <p:cNvPr id="299" name="Straight Connector 298"/>
+          <p:cNvCxnSpPr/>
+          <p:nvPr/>
+        </p:nvCxnSpPr>
+        <p:spPr>
+          <a:xfrm>
+            <a:off x="1421213" y="5207000"/>
+            <a:ext cx="1914071" cy="0"/>
+          </a:xfrm>
+          <a:prstGeom prst="line">
+            <a:avLst/>
+          </a:prstGeom>
+          <a:ln w="12700">
+            <a:solidFill>
+              <a:schemeClr val="tx1"/>
+            </a:solidFill>
+          </a:ln>
+        </p:spPr>
+        <p:style>
+          <a:lnRef idx="1">
+            <a:schemeClr val="accent1"/>
+          </a:lnRef>
+          <a:fillRef idx="0">
+            <a:schemeClr val="accent1"/>
+          </a:fillRef>
+          <a:effectRef idx="0">
+            <a:schemeClr val="accent1"/>
+          </a:effectRef>
+          <a:fontRef idx="minor">
+            <a:schemeClr val="tx1"/>
+          </a:fontRef>
+        </p:style>
+      </p:cxnSp>
+      <p:cxnSp>
+        <p:nvCxnSpPr>
+          <p:cNvPr id="300" name="Straight Connector 299"/>
+          <p:cNvCxnSpPr/>
+          <p:nvPr/>
+        </p:nvCxnSpPr>
+        <p:spPr>
+          <a:xfrm>
+            <a:off x="1421213" y="4749800"/>
+            <a:ext cx="1914071" cy="0"/>
+          </a:xfrm>
+          <a:prstGeom prst="line">
+            <a:avLst/>
+          </a:prstGeom>
+          <a:ln w="12700">
+            <a:solidFill>
+              <a:schemeClr val="tx1"/>
+            </a:solidFill>
+          </a:ln>
+        </p:spPr>
+        <p:style>
+          <a:lnRef idx="1">
+            <a:schemeClr val="accent1"/>
+          </a:lnRef>
+          <a:fillRef idx="0">
+            <a:schemeClr val="accent1"/>
+          </a:fillRef>
+          <a:effectRef idx="0">
+            <a:schemeClr val="accent1"/>
+          </a:effectRef>
+          <a:fontRef idx="minor">
+            <a:schemeClr val="tx1"/>
+          </a:fontRef>
+        </p:style>
+      </p:cxnSp>
+      <p:cxnSp>
+        <p:nvCxnSpPr>
+          <p:cNvPr id="301" name="Straight Connector 300"/>
+          <p:cNvCxnSpPr/>
+          <p:nvPr/>
+        </p:nvCxnSpPr>
+        <p:spPr>
+          <a:xfrm>
+            <a:off x="1421213" y="4292600"/>
+            <a:ext cx="1914071" cy="0"/>
+          </a:xfrm>
+          <a:prstGeom prst="line">
+            <a:avLst/>
+          </a:prstGeom>
+          <a:ln w="12700">
+            <a:solidFill>
+              <a:schemeClr val="tx1"/>
+            </a:solidFill>
+          </a:ln>
+        </p:spPr>
+        <p:style>
+          <a:lnRef idx="1">
+            <a:schemeClr val="accent1"/>
+          </a:lnRef>
+          <a:fillRef idx="0">
+            <a:schemeClr val="accent1"/>
+          </a:fillRef>
+          <a:effectRef idx="0">
+            <a:schemeClr val="accent1"/>
+          </a:effectRef>
+          <a:fontRef idx="minor">
+            <a:schemeClr val="tx1"/>
+          </a:fontRef>
+        </p:style>
+      </p:cxnSp>
+      <p:cxnSp>
+        <p:nvCxnSpPr>
+          <p:cNvPr id="302" name="Straight Connector 301"/>
+          <p:cNvCxnSpPr/>
+          <p:nvPr/>
+        </p:nvCxnSpPr>
+        <p:spPr>
+          <a:xfrm>
+            <a:off x="1735084" y="3835400"/>
+            <a:ext cx="0" cy="2287814"/>
+          </a:xfrm>
+          <a:prstGeom prst="line">
+            <a:avLst/>
+          </a:prstGeom>
+          <a:ln w="12700">
+            <a:solidFill>
+              <a:schemeClr val="tx1"/>
+            </a:solidFill>
+          </a:ln>
+        </p:spPr>
+        <p:style>
+          <a:lnRef idx="1">
+            <a:schemeClr val="accent1"/>
+          </a:lnRef>
+          <a:fillRef idx="0">
+            <a:schemeClr val="accent1"/>
+          </a:fillRef>
+          <a:effectRef idx="0">
+            <a:schemeClr val="accent1"/>
+          </a:effectRef>
+          <a:fontRef idx="minor">
+            <a:schemeClr val="tx1"/>
+          </a:fontRef>
+        </p:style>
+      </p:cxnSp>
+      <p:cxnSp>
+        <p:nvCxnSpPr>
+          <p:cNvPr id="303" name="Straight Connector 302"/>
+          <p:cNvCxnSpPr/>
+          <p:nvPr/>
+        </p:nvCxnSpPr>
+        <p:spPr>
+          <a:xfrm>
+            <a:off x="2163709" y="3835400"/>
+            <a:ext cx="0" cy="2287814"/>
+          </a:xfrm>
+          <a:prstGeom prst="line">
+            <a:avLst/>
+          </a:prstGeom>
+          <a:ln w="12700">
+            <a:solidFill>
+              <a:schemeClr val="tx1"/>
+            </a:solidFill>
+          </a:ln>
+        </p:spPr>
+        <p:style>
+          <a:lnRef idx="1">
+            <a:schemeClr val="accent1"/>
+          </a:lnRef>
+          <a:fillRef idx="0">
+            <a:schemeClr val="accent1"/>
+          </a:fillRef>
+          <a:effectRef idx="0">
+            <a:schemeClr val="accent1"/>
+          </a:effectRef>
+          <a:fontRef idx="minor">
+            <a:schemeClr val="tx1"/>
+          </a:fontRef>
+        </p:style>
+      </p:cxnSp>
+      <p:cxnSp>
+        <p:nvCxnSpPr>
+          <p:cNvPr id="304" name="Straight Connector 303"/>
+          <p:cNvCxnSpPr/>
+          <p:nvPr/>
+        </p:nvCxnSpPr>
+        <p:spPr>
+          <a:xfrm>
+            <a:off x="2601859" y="3835400"/>
+            <a:ext cx="0" cy="2287814"/>
+          </a:xfrm>
+          <a:prstGeom prst="line">
+            <a:avLst/>
+          </a:prstGeom>
+          <a:ln w="12700">
+            <a:solidFill>
+              <a:schemeClr val="tx1"/>
+            </a:solidFill>
+          </a:ln>
+        </p:spPr>
+        <p:style>
+          <a:lnRef idx="1">
+            <a:schemeClr val="accent1"/>
+          </a:lnRef>
+          <a:fillRef idx="0">
+            <a:schemeClr val="accent1"/>
+          </a:fillRef>
+          <a:effectRef idx="0">
+            <a:schemeClr val="accent1"/>
+          </a:effectRef>
+          <a:fontRef idx="minor">
+            <a:schemeClr val="tx1"/>
+          </a:fontRef>
+        </p:style>
+      </p:cxnSp>
+      <p:cxnSp>
+        <p:nvCxnSpPr>
+          <p:cNvPr id="305" name="Straight Connector 304"/>
+          <p:cNvCxnSpPr/>
+          <p:nvPr/>
+        </p:nvCxnSpPr>
+        <p:spPr>
+          <a:xfrm>
+            <a:off x="3020959" y="3835400"/>
+            <a:ext cx="0" cy="2287814"/>
+          </a:xfrm>
+          <a:prstGeom prst="line">
+            <a:avLst/>
+          </a:prstGeom>
+          <a:ln w="12700">
+            <a:solidFill>
+              <a:schemeClr val="tx1"/>
+            </a:solidFill>
+          </a:ln>
+        </p:spPr>
+        <p:style>
+          <a:lnRef idx="1">
+            <a:schemeClr val="accent1"/>
+          </a:lnRef>
+          <a:fillRef idx="0">
+            <a:schemeClr val="accent1"/>
+          </a:fillRef>
+          <a:effectRef idx="0">
+            <a:schemeClr val="accent1"/>
+          </a:effectRef>
+          <a:fontRef idx="minor">
+            <a:schemeClr val="tx1"/>
+          </a:fontRef>
+        </p:style>
+      </p:cxnSp>
+      <p:sp>
+        <p:nvSpPr>
+          <p:cNvPr id="306" name="Rectangle 305"/>
+          <p:cNvSpPr/>
+          <p:nvPr/>
+        </p:nvSpPr>
+        <p:spPr>
+          <a:xfrm>
+            <a:off x="1525762" y="3933825"/>
+            <a:ext cx="112084" cy="209550"/>
+          </a:xfrm>
+          <a:prstGeom prst="rect">
+            <a:avLst/>
+          </a:prstGeom>
+          <a:solidFill>
+            <a:srgbClr val="0000FF"/>
+          </a:solidFill>
+          <a:ln>
+            <a:solidFill>
+              <a:schemeClr val="tx1"/>
+            </a:solidFill>
+          </a:ln>
+        </p:spPr>
+        <p:style>
+          <a:lnRef idx="2">
+            <a:schemeClr val="accent1">
+              <a:shade val="50000"/>
+            </a:schemeClr>
+          </a:lnRef>
+          <a:fillRef idx="1">
+            <a:schemeClr val="accent1"/>
+          </a:fillRef>
+          <a:effectRef idx="0">
+            <a:schemeClr val="accent1"/>
+          </a:effectRef>
+          <a:fontRef idx="minor">
+            <a:schemeClr val="lt1"/>
+          </a:fontRef>
+        </p:style>
+        <p:txBody>
+          <a:bodyPr rtlCol="0" anchor="ctr"/>
+          <a:lstStyle/>
+          <a:p>
+            <a:pPr algn="ctr"/>
+            <a:endParaRPr lang="en-US"/>
+          </a:p>
+        </p:txBody>
+      </p:sp>
+      <p:sp>
+        <p:nvSpPr>
+          <p:cNvPr id="307" name="Rectangle 306"/>
+          <p:cNvSpPr/>
+          <p:nvPr/>
+        </p:nvSpPr>
+        <p:spPr>
+          <a:xfrm>
+            <a:off x="1525762" y="4391024"/>
+            <a:ext cx="112084" cy="209550"/>
+          </a:xfrm>
+          <a:prstGeom prst="rect">
+            <a:avLst/>
+          </a:prstGeom>
+          <a:solidFill>
+            <a:srgbClr val="0000FF"/>
+          </a:solidFill>
+          <a:ln>
+            <a:solidFill>
+              <a:schemeClr val="tx1"/>
+            </a:solidFill>
+          </a:ln>
+        </p:spPr>
+        <p:style>
+          <a:lnRef idx="2">
+            <a:schemeClr val="accent1">
+              <a:shade val="50000"/>
+            </a:schemeClr>
+          </a:lnRef>
+          <a:fillRef idx="1">
+            <a:schemeClr val="accent1"/>
+          </a:fillRef>
+          <a:effectRef idx="0">
+            <a:schemeClr val="accent1"/>
+          </a:effectRef>
+          <a:fontRef idx="minor">
+            <a:schemeClr val="lt1"/>
+          </a:fontRef>
+        </p:style>
+        <p:txBody>
+          <a:bodyPr rtlCol="0" anchor="ctr"/>
+          <a:lstStyle/>
+          <a:p>
+            <a:pPr algn="ctr"/>
+            <a:endParaRPr lang="en-US"/>
+          </a:p>
+        </p:txBody>
+      </p:sp>
+      <p:sp>
+        <p:nvSpPr>
+          <p:cNvPr id="308" name="Rectangle 307"/>
+          <p:cNvSpPr/>
+          <p:nvPr/>
+        </p:nvSpPr>
+        <p:spPr>
+          <a:xfrm>
+            <a:off x="1525876" y="4848220"/>
+            <a:ext cx="112084" cy="209550"/>
+          </a:xfrm>
+          <a:prstGeom prst="rect">
+            <a:avLst/>
+          </a:prstGeom>
+          <a:solidFill>
+            <a:srgbClr val="0000FF"/>
+          </a:solidFill>
+          <a:ln>
+            <a:solidFill>
+              <a:schemeClr val="tx1"/>
+            </a:solidFill>
+          </a:ln>
+        </p:spPr>
+        <p:style>
+          <a:lnRef idx="2">
+            <a:schemeClr val="accent1">
+              <a:shade val="50000"/>
+            </a:schemeClr>
+          </a:lnRef>
+          <a:fillRef idx="1">
+            <a:schemeClr val="accent1"/>
+          </a:fillRef>
+          <a:effectRef idx="0">
+            <a:schemeClr val="accent1"/>
+          </a:effectRef>
+          <a:fontRef idx="minor">
+            <a:schemeClr val="lt1"/>
+          </a:fontRef>
+        </p:style>
+        <p:txBody>
+          <a:bodyPr rtlCol="0" anchor="ctr"/>
+          <a:lstStyle/>
+          <a:p>
+            <a:pPr algn="ctr"/>
+            <a:endParaRPr lang="en-US"/>
+          </a:p>
+        </p:txBody>
+      </p:sp>
+      <p:sp>
+        <p:nvSpPr>
+          <p:cNvPr id="309" name="Rectangle 308"/>
+          <p:cNvSpPr/>
+          <p:nvPr/>
+        </p:nvSpPr>
+        <p:spPr>
+          <a:xfrm>
+            <a:off x="1525762" y="5305419"/>
+            <a:ext cx="112084" cy="209550"/>
+          </a:xfrm>
+          <a:prstGeom prst="rect">
+            <a:avLst/>
+          </a:prstGeom>
+          <a:solidFill>
+            <a:srgbClr val="0000FF"/>
+          </a:solidFill>
+          <a:ln>
+            <a:solidFill>
+              <a:schemeClr val="tx1"/>
+            </a:solidFill>
+          </a:ln>
+        </p:spPr>
+        <p:style>
+          <a:lnRef idx="2">
+            <a:schemeClr val="accent1">
+              <a:shade val="50000"/>
+            </a:schemeClr>
+          </a:lnRef>
+          <a:fillRef idx="1">
+            <a:schemeClr val="accent1"/>
+          </a:fillRef>
+          <a:effectRef idx="0">
+            <a:schemeClr val="accent1"/>
+          </a:effectRef>
+          <a:fontRef idx="minor">
+            <a:schemeClr val="lt1"/>
+          </a:fontRef>
+        </p:style>
+        <p:txBody>
+          <a:bodyPr rtlCol="0" anchor="ctr"/>
+          <a:lstStyle/>
+          <a:p>
+            <a:pPr algn="ctr"/>
+            <a:endParaRPr lang="en-US"/>
+          </a:p>
+        </p:txBody>
+      </p:sp>
+      <p:sp>
+        <p:nvSpPr>
+          <p:cNvPr id="310" name="Rectangle 309"/>
+          <p:cNvSpPr/>
+          <p:nvPr/>
+        </p:nvSpPr>
+        <p:spPr>
+          <a:xfrm>
+            <a:off x="1525762" y="5762618"/>
+            <a:ext cx="112084" cy="209550"/>
+          </a:xfrm>
+          <a:prstGeom prst="rect">
+            <a:avLst/>
+          </a:prstGeom>
+          <a:solidFill>
+            <a:srgbClr val="0000FF"/>
+          </a:solidFill>
+          <a:ln>
+            <a:solidFill>
+              <a:schemeClr val="tx1"/>
+            </a:solidFill>
+          </a:ln>
+        </p:spPr>
+        <p:style>
+          <a:lnRef idx="2">
+            <a:schemeClr val="accent1">
+              <a:shade val="50000"/>
+            </a:schemeClr>
+          </a:lnRef>
+          <a:fillRef idx="1">
+            <a:schemeClr val="accent1"/>
+          </a:fillRef>
+          <a:effectRef idx="0">
+            <a:schemeClr val="accent1"/>
+          </a:effectRef>
+          <a:fontRef idx="minor">
+            <a:schemeClr val="lt1"/>
+          </a:fontRef>
+        </p:style>
+        <p:txBody>
+          <a:bodyPr rtlCol="0" anchor="ctr"/>
+          <a:lstStyle/>
+          <a:p>
+            <a:pPr algn="ctr"/>
+            <a:endParaRPr lang="en-US"/>
+          </a:p>
+        </p:txBody>
+      </p:sp>
+      <p:sp>
+        <p:nvSpPr>
+          <p:cNvPr id="311" name="Rectangle 310"/>
+          <p:cNvSpPr/>
+          <p:nvPr/>
+        </p:nvSpPr>
+        <p:spPr>
+          <a:xfrm>
+            <a:off x="1856923" y="3933825"/>
+            <a:ext cx="180975" cy="209550"/>
+          </a:xfrm>
+          <a:prstGeom prst="rect">
+            <a:avLst/>
+          </a:prstGeom>
+          <a:solidFill>
+            <a:schemeClr val="bg1">
+              <a:lumMod val="50000"/>
+            </a:schemeClr>
+          </a:solidFill>
+          <a:ln>
+            <a:solidFill>
+              <a:schemeClr val="tx1"/>
+            </a:solidFill>
+          </a:ln>
+        </p:spPr>
+        <p:style>
+          <a:lnRef idx="2">
+            <a:schemeClr val="accent1">
+              <a:shade val="50000"/>
+            </a:schemeClr>
+          </a:lnRef>
+          <a:fillRef idx="1">
+            <a:schemeClr val="accent1"/>
+          </a:fillRef>
+          <a:effectRef idx="0">
+            <a:schemeClr val="accent1"/>
+          </a:effectRef>
+          <a:fontRef idx="minor">
+            <a:schemeClr val="lt1"/>
+          </a:fontRef>
+        </p:style>
+        <p:txBody>
+          <a:bodyPr rtlCol="0" anchor="ctr"/>
+          <a:lstStyle/>
+          <a:p>
+            <a:pPr algn="ctr"/>
+            <a:endParaRPr lang="en-US"/>
+          </a:p>
+        </p:txBody>
+      </p:sp>
+      <p:sp>
+        <p:nvSpPr>
+          <p:cNvPr id="312" name="Rectangle 311"/>
+          <p:cNvSpPr/>
+          <p:nvPr/>
+        </p:nvSpPr>
+        <p:spPr>
+          <a:xfrm>
+            <a:off x="1856923" y="4391024"/>
+            <a:ext cx="180975" cy="209550"/>
+          </a:xfrm>
+          <a:prstGeom prst="rect">
+            <a:avLst/>
+          </a:prstGeom>
+          <a:solidFill>
+            <a:schemeClr val="bg1">
+              <a:lumMod val="50000"/>
+            </a:schemeClr>
+          </a:solidFill>
+          <a:ln>
+            <a:solidFill>
+              <a:schemeClr val="tx1"/>
+            </a:solidFill>
+          </a:ln>
+        </p:spPr>
+        <p:style>
+          <a:lnRef idx="2">
+            <a:schemeClr val="accent1">
+              <a:shade val="50000"/>
+            </a:schemeClr>
+          </a:lnRef>
+          <a:fillRef idx="1">
+            <a:schemeClr val="accent1"/>
+          </a:fillRef>
+          <a:effectRef idx="0">
+            <a:schemeClr val="accent1"/>
+          </a:effectRef>
+          <a:fontRef idx="minor">
+            <a:schemeClr val="lt1"/>
+          </a:fontRef>
+        </p:style>
+        <p:txBody>
+          <a:bodyPr rtlCol="0" anchor="ctr"/>
+          <a:lstStyle/>
+          <a:p>
+            <a:pPr algn="ctr"/>
+            <a:endParaRPr lang="en-US"/>
+          </a:p>
+        </p:txBody>
+      </p:sp>
+      <p:sp>
+        <p:nvSpPr>
+          <p:cNvPr id="313" name="Rectangle 312"/>
+          <p:cNvSpPr/>
+          <p:nvPr/>
+        </p:nvSpPr>
+        <p:spPr>
+          <a:xfrm>
+            <a:off x="1857037" y="4848220"/>
+            <a:ext cx="180975" cy="209550"/>
+          </a:xfrm>
+          <a:prstGeom prst="rect">
+            <a:avLst/>
+          </a:prstGeom>
+          <a:solidFill>
+            <a:schemeClr val="bg1">
+              <a:lumMod val="50000"/>
+            </a:schemeClr>
+          </a:solidFill>
+          <a:ln>
+            <a:solidFill>
+              <a:schemeClr val="tx1"/>
+            </a:solidFill>
+          </a:ln>
+        </p:spPr>
+        <p:style>
+          <a:lnRef idx="2">
+            <a:schemeClr val="accent1">
+              <a:shade val="50000"/>
+            </a:schemeClr>
+          </a:lnRef>
+          <a:fillRef idx="1">
+            <a:schemeClr val="accent1"/>
+          </a:fillRef>
+          <a:effectRef idx="0">
+            <a:schemeClr val="accent1"/>
+          </a:effectRef>
+          <a:fontRef idx="minor">
+            <a:schemeClr val="lt1"/>
+          </a:fontRef>
+        </p:style>
+        <p:txBody>
+          <a:bodyPr rtlCol="0" anchor="ctr"/>
+          <a:lstStyle/>
+          <a:p>
+            <a:pPr algn="ctr"/>
+            <a:endParaRPr lang="en-US"/>
+          </a:p>
+        </p:txBody>
+      </p:sp>
+      <p:sp>
+        <p:nvSpPr>
+          <p:cNvPr id="314" name="Rectangle 313"/>
+          <p:cNvSpPr/>
+          <p:nvPr/>
+        </p:nvSpPr>
+        <p:spPr>
+          <a:xfrm>
+            <a:off x="1856923" y="5305419"/>
+            <a:ext cx="180975" cy="209550"/>
+          </a:xfrm>
+          <a:prstGeom prst="rect">
+            <a:avLst/>
+          </a:prstGeom>
+          <a:solidFill>
+            <a:schemeClr val="bg1">
+              <a:lumMod val="50000"/>
+            </a:schemeClr>
+          </a:solidFill>
+          <a:ln>
+            <a:solidFill>
+              <a:schemeClr val="tx1"/>
+            </a:solidFill>
+          </a:ln>
+        </p:spPr>
+        <p:style>
+          <a:lnRef idx="2">
+            <a:schemeClr val="accent1">
+              <a:shade val="50000"/>
+            </a:schemeClr>
+          </a:lnRef>
+          <a:fillRef idx="1">
+            <a:schemeClr val="accent1"/>
+          </a:fillRef>
+          <a:effectRef idx="0">
+            <a:schemeClr val="accent1"/>
+          </a:effectRef>
+          <a:fontRef idx="minor">
+            <a:schemeClr val="lt1"/>
+          </a:fontRef>
+        </p:style>
+        <p:txBody>
+          <a:bodyPr rtlCol="0" anchor="ctr"/>
+          <a:lstStyle/>
+          <a:p>
+            <a:pPr algn="ctr"/>
+            <a:endParaRPr lang="en-US"/>
+          </a:p>
+        </p:txBody>
+      </p:sp>
+      <p:sp>
+        <p:nvSpPr>
+          <p:cNvPr id="315" name="Rectangle 314"/>
+          <p:cNvSpPr/>
+          <p:nvPr/>
+        </p:nvSpPr>
+        <p:spPr>
+          <a:xfrm>
+            <a:off x="1856923" y="5762618"/>
+            <a:ext cx="180975" cy="209550"/>
+          </a:xfrm>
+          <a:prstGeom prst="rect">
+            <a:avLst/>
+          </a:prstGeom>
+          <a:solidFill>
+            <a:schemeClr val="bg1">
+              <a:lumMod val="50000"/>
+            </a:schemeClr>
+          </a:solidFill>
+          <a:ln>
+            <a:solidFill>
+              <a:schemeClr val="tx1"/>
+            </a:solidFill>
+          </a:ln>
+        </p:spPr>
+        <p:style>
+          <a:lnRef idx="2">
+            <a:schemeClr val="accent1">
+              <a:shade val="50000"/>
+            </a:schemeClr>
+          </a:lnRef>
+          <a:fillRef idx="1">
+            <a:schemeClr val="accent1"/>
+          </a:fillRef>
+          <a:effectRef idx="0">
+            <a:schemeClr val="accent1"/>
+          </a:effectRef>
+          <a:fontRef idx="minor">
+            <a:schemeClr val="lt1"/>
+          </a:fontRef>
+        </p:style>
+        <p:txBody>
+          <a:bodyPr rtlCol="0" anchor="ctr"/>
+          <a:lstStyle/>
+          <a:p>
+            <a:pPr algn="ctr"/>
+            <a:endParaRPr lang="en-US"/>
+          </a:p>
+        </p:txBody>
+      </p:sp>
+      <p:sp>
+        <p:nvSpPr>
+          <p:cNvPr id="316" name="Rectangle 315"/>
+          <p:cNvSpPr/>
+          <p:nvPr/>
+        </p:nvSpPr>
+        <p:spPr>
+          <a:xfrm>
+            <a:off x="2295072" y="3933825"/>
+            <a:ext cx="180975" cy="209550"/>
+          </a:xfrm>
+          <a:prstGeom prst="rect">
+            <a:avLst/>
+          </a:prstGeom>
+          <a:solidFill>
+            <a:schemeClr val="bg1">
+              <a:lumMod val="50000"/>
+            </a:schemeClr>
+          </a:solidFill>
+          <a:ln>
+            <a:solidFill>
+              <a:schemeClr val="tx1"/>
+            </a:solidFill>
+          </a:ln>
+        </p:spPr>
+        <p:style>
+          <a:lnRef idx="2">
+            <a:schemeClr val="accent1">
+              <a:shade val="50000"/>
+            </a:schemeClr>
+          </a:lnRef>
+          <a:fillRef idx="1">
+            <a:schemeClr val="accent1"/>
+          </a:fillRef>
+          <a:effectRef idx="0">
+            <a:schemeClr val="accent1"/>
+          </a:effectRef>
+          <a:fontRef idx="minor">
+            <a:schemeClr val="lt1"/>
+          </a:fontRef>
+        </p:style>
+        <p:txBody>
+          <a:bodyPr rtlCol="0" anchor="ctr"/>
+          <a:lstStyle/>
+          <a:p>
+            <a:pPr algn="ctr"/>
+            <a:endParaRPr lang="en-US"/>
+          </a:p>
+        </p:txBody>
+      </p:sp>
+      <p:sp>
+        <p:nvSpPr>
+          <p:cNvPr id="317" name="Rectangle 316"/>
+          <p:cNvSpPr/>
+          <p:nvPr/>
+        </p:nvSpPr>
+        <p:spPr>
+          <a:xfrm>
+            <a:off x="2295072" y="4391024"/>
+            <a:ext cx="180975" cy="209550"/>
+          </a:xfrm>
+          <a:prstGeom prst="rect">
+            <a:avLst/>
+          </a:prstGeom>
+          <a:solidFill>
+            <a:schemeClr val="bg1">
+              <a:lumMod val="50000"/>
+            </a:schemeClr>
+          </a:solidFill>
+          <a:ln>
+            <a:solidFill>
+              <a:schemeClr val="tx1"/>
+            </a:solidFill>
+          </a:ln>
+        </p:spPr>
+        <p:style>
+          <a:lnRef idx="2">
+            <a:schemeClr val="accent1">
+              <a:shade val="50000"/>
+            </a:schemeClr>
+          </a:lnRef>
+          <a:fillRef idx="1">
+            <a:schemeClr val="accent1"/>
+          </a:fillRef>
+          <a:effectRef idx="0">
+            <a:schemeClr val="accent1"/>
+          </a:effectRef>
+          <a:fontRef idx="minor">
+            <a:schemeClr val="lt1"/>
+          </a:fontRef>
+        </p:style>
+        <p:txBody>
+          <a:bodyPr rtlCol="0" anchor="ctr"/>
+          <a:lstStyle/>
+          <a:p>
+            <a:pPr algn="ctr"/>
+            <a:endParaRPr lang="en-US"/>
+          </a:p>
+        </p:txBody>
+      </p:sp>
+      <p:sp>
+        <p:nvSpPr>
+          <p:cNvPr id="318" name="Rectangle 317"/>
+          <p:cNvSpPr/>
+          <p:nvPr/>
+        </p:nvSpPr>
+        <p:spPr>
+          <a:xfrm>
+            <a:off x="2295186" y="4848220"/>
+            <a:ext cx="180975" cy="209550"/>
+          </a:xfrm>
+          <a:prstGeom prst="rect">
+            <a:avLst/>
+          </a:prstGeom>
+          <a:solidFill>
+            <a:schemeClr val="bg1">
+              <a:lumMod val="50000"/>
+            </a:schemeClr>
+          </a:solidFill>
+          <a:ln>
+            <a:solidFill>
+              <a:schemeClr val="tx1"/>
+            </a:solidFill>
+          </a:ln>
+        </p:spPr>
+        <p:style>
+          <a:lnRef idx="2">
+            <a:schemeClr val="accent1">
+              <a:shade val="50000"/>
+            </a:schemeClr>
+          </a:lnRef>
+          <a:fillRef idx="1">
+            <a:schemeClr val="accent1"/>
+          </a:fillRef>
+          <a:effectRef idx="0">
+            <a:schemeClr val="accent1"/>
+          </a:effectRef>
+          <a:fontRef idx="minor">
+            <a:schemeClr val="lt1"/>
+          </a:fontRef>
+        </p:style>
+        <p:txBody>
+          <a:bodyPr rtlCol="0" anchor="ctr"/>
+          <a:lstStyle/>
+          <a:p>
+            <a:pPr algn="ctr"/>
+            <a:endParaRPr lang="en-US"/>
+          </a:p>
+        </p:txBody>
+      </p:sp>
+      <p:sp>
+        <p:nvSpPr>
+          <p:cNvPr id="319" name="Rectangle 318"/>
+          <p:cNvSpPr/>
+          <p:nvPr/>
+        </p:nvSpPr>
+        <p:spPr>
+          <a:xfrm>
+            <a:off x="2295072" y="5305419"/>
+            <a:ext cx="180975" cy="209550"/>
+          </a:xfrm>
+          <a:prstGeom prst="rect">
+            <a:avLst/>
+          </a:prstGeom>
+          <a:solidFill>
+            <a:schemeClr val="bg1">
+              <a:lumMod val="50000"/>
+            </a:schemeClr>
+          </a:solidFill>
+          <a:ln>
+            <a:solidFill>
+              <a:schemeClr val="tx1"/>
+            </a:solidFill>
+          </a:ln>
+        </p:spPr>
+        <p:style>
+          <a:lnRef idx="2">
+            <a:schemeClr val="accent1">
+              <a:shade val="50000"/>
+            </a:schemeClr>
+          </a:lnRef>
+          <a:fillRef idx="1">
+            <a:schemeClr val="accent1"/>
+          </a:fillRef>
+          <a:effectRef idx="0">
+            <a:schemeClr val="accent1"/>
+          </a:effectRef>
+          <a:fontRef idx="minor">
+            <a:schemeClr val="lt1"/>
+          </a:fontRef>
+        </p:style>
+        <p:txBody>
+          <a:bodyPr rtlCol="0" anchor="ctr"/>
+          <a:lstStyle/>
+          <a:p>
+            <a:pPr algn="ctr"/>
+            <a:endParaRPr lang="en-US"/>
+          </a:p>
+        </p:txBody>
+      </p:sp>
+      <p:sp>
+        <p:nvSpPr>
+          <p:cNvPr id="320" name="Rectangle 319"/>
+          <p:cNvSpPr/>
+          <p:nvPr/>
+        </p:nvSpPr>
+        <p:spPr>
+          <a:xfrm>
+            <a:off x="2295072" y="5762618"/>
+            <a:ext cx="180975" cy="209550"/>
+          </a:xfrm>
+          <a:prstGeom prst="rect">
+            <a:avLst/>
+          </a:prstGeom>
+          <a:solidFill>
+            <a:schemeClr val="bg1">
+              <a:lumMod val="50000"/>
+            </a:schemeClr>
+          </a:solidFill>
+          <a:ln>
+            <a:solidFill>
+              <a:schemeClr val="tx1"/>
+            </a:solidFill>
+          </a:ln>
+        </p:spPr>
+        <p:style>
+          <a:lnRef idx="2">
+            <a:schemeClr val="accent1">
+              <a:shade val="50000"/>
+            </a:schemeClr>
+          </a:lnRef>
+          <a:fillRef idx="1">
+            <a:schemeClr val="accent1"/>
+          </a:fillRef>
+          <a:effectRef idx="0">
+            <a:schemeClr val="accent1"/>
+          </a:effectRef>
+          <a:fontRef idx="minor">
+            <a:schemeClr val="lt1"/>
+          </a:fontRef>
+        </p:style>
+        <p:txBody>
+          <a:bodyPr rtlCol="0" anchor="ctr"/>
+          <a:lstStyle/>
+          <a:p>
+            <a:pPr algn="ctr"/>
+            <a:endParaRPr lang="en-US"/>
+          </a:p>
+        </p:txBody>
+      </p:sp>
+      <p:sp>
+        <p:nvSpPr>
+          <p:cNvPr id="321" name="Rectangle 320"/>
+          <p:cNvSpPr/>
+          <p:nvPr/>
+        </p:nvSpPr>
+        <p:spPr>
+          <a:xfrm>
+            <a:off x="2723696" y="3933825"/>
+            <a:ext cx="180975" cy="209550"/>
+          </a:xfrm>
+          <a:prstGeom prst="rect">
+            <a:avLst/>
+          </a:prstGeom>
+          <a:solidFill>
+            <a:schemeClr val="bg1">
+              <a:lumMod val="50000"/>
+            </a:schemeClr>
+          </a:solidFill>
+          <a:ln>
+            <a:solidFill>
+              <a:schemeClr val="tx1"/>
+            </a:solidFill>
+          </a:ln>
+        </p:spPr>
+        <p:style>
+          <a:lnRef idx="2">
+            <a:schemeClr val="accent1">
+              <a:shade val="50000"/>
+            </a:schemeClr>
+          </a:lnRef>
+          <a:fillRef idx="1">
+            <a:schemeClr val="accent1"/>
+          </a:fillRef>
+          <a:effectRef idx="0">
+            <a:schemeClr val="accent1"/>
+          </a:effectRef>
+          <a:fontRef idx="minor">
+            <a:schemeClr val="lt1"/>
+          </a:fontRef>
+        </p:style>
+        <p:txBody>
+          <a:bodyPr rtlCol="0" anchor="ctr"/>
+          <a:lstStyle/>
+          <a:p>
+            <a:pPr algn="ctr"/>
+            <a:endParaRPr lang="en-US"/>
+          </a:p>
+        </p:txBody>
+      </p:sp>
+      <p:sp>
+        <p:nvSpPr>
+          <p:cNvPr id="322" name="Rectangle 321"/>
+          <p:cNvSpPr/>
+          <p:nvPr/>
+        </p:nvSpPr>
+        <p:spPr>
+          <a:xfrm>
+            <a:off x="2723696" y="4391024"/>
+            <a:ext cx="180975" cy="209550"/>
+          </a:xfrm>
+          <a:prstGeom prst="rect">
+            <a:avLst/>
+          </a:prstGeom>
+          <a:solidFill>
+            <a:schemeClr val="bg1">
+              <a:lumMod val="50000"/>
+            </a:schemeClr>
+          </a:solidFill>
+          <a:ln>
+            <a:solidFill>
+              <a:schemeClr val="tx1"/>
+            </a:solidFill>
+          </a:ln>
+        </p:spPr>
+        <p:style>
+          <a:lnRef idx="2">
+            <a:schemeClr val="accent1">
+              <a:shade val="50000"/>
+            </a:schemeClr>
+          </a:lnRef>
+          <a:fillRef idx="1">
+            <a:schemeClr val="accent1"/>
+          </a:fillRef>
+          <a:effectRef idx="0">
+            <a:schemeClr val="accent1"/>
+          </a:effectRef>
+          <a:fontRef idx="minor">
+            <a:schemeClr val="lt1"/>
+          </a:fontRef>
+        </p:style>
+        <p:txBody>
+          <a:bodyPr rtlCol="0" anchor="ctr"/>
+          <a:lstStyle/>
+          <a:p>
+            <a:pPr algn="ctr"/>
+            <a:endParaRPr lang="en-US"/>
+          </a:p>
+        </p:txBody>
+      </p:sp>
+      <p:sp>
+        <p:nvSpPr>
+          <p:cNvPr id="323" name="Rectangle 322"/>
+          <p:cNvSpPr/>
+          <p:nvPr/>
+        </p:nvSpPr>
+        <p:spPr>
+          <a:xfrm>
+            <a:off x="2723810" y="4848220"/>
+            <a:ext cx="180975" cy="209550"/>
+          </a:xfrm>
+          <a:prstGeom prst="rect">
+            <a:avLst/>
+          </a:prstGeom>
+          <a:solidFill>
+            <a:schemeClr val="bg1">
+              <a:lumMod val="50000"/>
+            </a:schemeClr>
+          </a:solidFill>
+          <a:ln>
+            <a:solidFill>
+              <a:schemeClr val="tx1"/>
+            </a:solidFill>
+          </a:ln>
+        </p:spPr>
+        <p:style>
+          <a:lnRef idx="2">
+            <a:schemeClr val="accent1">
+              <a:shade val="50000"/>
+            </a:schemeClr>
+          </a:lnRef>
+          <a:fillRef idx="1">
+            <a:schemeClr val="accent1"/>
+          </a:fillRef>
+          <a:effectRef idx="0">
+            <a:schemeClr val="accent1"/>
+          </a:effectRef>
+          <a:fontRef idx="minor">
+            <a:schemeClr val="lt1"/>
+          </a:fontRef>
+        </p:style>
+        <p:txBody>
+          <a:bodyPr rtlCol="0" anchor="ctr"/>
+          <a:lstStyle/>
+          <a:p>
+            <a:pPr algn="ctr"/>
+            <a:endParaRPr lang="en-US"/>
+          </a:p>
+        </p:txBody>
+      </p:sp>
+      <p:sp>
+        <p:nvSpPr>
+          <p:cNvPr id="324" name="Rectangle 323"/>
+          <p:cNvSpPr/>
+          <p:nvPr/>
+        </p:nvSpPr>
+        <p:spPr>
+          <a:xfrm>
+            <a:off x="2723696" y="5305419"/>
+            <a:ext cx="180975" cy="209550"/>
+          </a:xfrm>
+          <a:prstGeom prst="rect">
+            <a:avLst/>
+          </a:prstGeom>
+          <a:solidFill>
+            <a:schemeClr val="bg1">
+              <a:lumMod val="50000"/>
+            </a:schemeClr>
+          </a:solidFill>
+          <a:ln>
+            <a:solidFill>
+              <a:schemeClr val="tx1"/>
+            </a:solidFill>
+          </a:ln>
+        </p:spPr>
+        <p:style>
+          <a:lnRef idx="2">
+            <a:schemeClr val="accent1">
+              <a:shade val="50000"/>
+            </a:schemeClr>
+          </a:lnRef>
+          <a:fillRef idx="1">
+            <a:schemeClr val="accent1"/>
+          </a:fillRef>
+          <a:effectRef idx="0">
+            <a:schemeClr val="accent1"/>
+          </a:effectRef>
+          <a:fontRef idx="minor">
+            <a:schemeClr val="lt1"/>
+          </a:fontRef>
+        </p:style>
+        <p:txBody>
+          <a:bodyPr rtlCol="0" anchor="ctr"/>
+          <a:lstStyle/>
+          <a:p>
+            <a:pPr algn="ctr"/>
+            <a:endParaRPr lang="en-US"/>
+          </a:p>
+        </p:txBody>
+      </p:sp>
+      <p:sp>
+        <p:nvSpPr>
+          <p:cNvPr id="325" name="Rectangle 324"/>
+          <p:cNvSpPr/>
+          <p:nvPr/>
+        </p:nvSpPr>
+        <p:spPr>
+          <a:xfrm>
+            <a:off x="2723696" y="5762618"/>
+            <a:ext cx="180975" cy="209550"/>
+          </a:xfrm>
+          <a:prstGeom prst="rect">
+            <a:avLst/>
+          </a:prstGeom>
+          <a:solidFill>
+            <a:schemeClr val="bg1">
+              <a:lumMod val="50000"/>
+            </a:schemeClr>
+          </a:solidFill>
+          <a:ln>
+            <a:solidFill>
+              <a:schemeClr val="tx1"/>
+            </a:solidFill>
+          </a:ln>
+        </p:spPr>
+        <p:style>
+          <a:lnRef idx="2">
+            <a:schemeClr val="accent1">
+              <a:shade val="50000"/>
+            </a:schemeClr>
+          </a:lnRef>
+          <a:fillRef idx="1">
+            <a:schemeClr val="accent1"/>
+          </a:fillRef>
+          <a:effectRef idx="0">
+            <a:schemeClr val="accent1"/>
+          </a:effectRef>
+          <a:fontRef idx="minor">
+            <a:schemeClr val="lt1"/>
+          </a:fontRef>
+        </p:style>
+        <p:txBody>
+          <a:bodyPr rtlCol="0" anchor="ctr"/>
+          <a:lstStyle/>
+          <a:p>
+            <a:pPr algn="ctr"/>
+            <a:endParaRPr lang="en-US"/>
+          </a:p>
+        </p:txBody>
+      </p:sp>
+      <p:sp>
+        <p:nvSpPr>
+          <p:cNvPr id="326" name="Rectangle 325"/>
+          <p:cNvSpPr/>
+          <p:nvPr/>
+        </p:nvSpPr>
+        <p:spPr>
+          <a:xfrm>
+            <a:off x="3118082" y="3933825"/>
+            <a:ext cx="119963" cy="200023"/>
+          </a:xfrm>
+          <a:prstGeom prst="rect">
+            <a:avLst/>
+          </a:prstGeom>
+          <a:solidFill>
+            <a:srgbClr val="0000FF"/>
+          </a:solidFill>
+          <a:ln>
+            <a:solidFill>
+              <a:schemeClr val="tx1"/>
+            </a:solidFill>
+          </a:ln>
+        </p:spPr>
+        <p:style>
+          <a:lnRef idx="2">
+            <a:schemeClr val="accent1">
+              <a:shade val="50000"/>
+            </a:schemeClr>
+          </a:lnRef>
+          <a:fillRef idx="1">
+            <a:schemeClr val="accent1"/>
+          </a:fillRef>
+          <a:effectRef idx="0">
+            <a:schemeClr val="accent1"/>
+          </a:effectRef>
+          <a:fontRef idx="minor">
+            <a:schemeClr val="lt1"/>
+          </a:fontRef>
+        </p:style>
+        <p:txBody>
+          <a:bodyPr rtlCol="0" anchor="ctr"/>
+          <a:lstStyle/>
+          <a:p>
+            <a:pPr algn="ctr"/>
+            <a:endParaRPr lang="en-US"/>
+          </a:p>
+        </p:txBody>
+      </p:sp>
+      <p:sp>
+        <p:nvSpPr>
+          <p:cNvPr id="327" name="Rectangle 326"/>
+          <p:cNvSpPr/>
+          <p:nvPr/>
+        </p:nvSpPr>
+        <p:spPr>
+          <a:xfrm>
+            <a:off x="3118082" y="4391024"/>
+            <a:ext cx="119963" cy="200023"/>
+          </a:xfrm>
+          <a:prstGeom prst="rect">
+            <a:avLst/>
+          </a:prstGeom>
+          <a:solidFill>
+            <a:srgbClr val="0000FF"/>
+          </a:solidFill>
+          <a:ln>
+            <a:solidFill>
+              <a:schemeClr val="tx1"/>
+            </a:solidFill>
+          </a:ln>
+        </p:spPr>
+        <p:style>
+          <a:lnRef idx="2">
+            <a:schemeClr val="accent1">
+              <a:shade val="50000"/>
+            </a:schemeClr>
+          </a:lnRef>
+          <a:fillRef idx="1">
+            <a:schemeClr val="accent1"/>
+          </a:fillRef>
+          <a:effectRef idx="0">
+            <a:schemeClr val="accent1"/>
+          </a:effectRef>
+          <a:fontRef idx="minor">
+            <a:schemeClr val="lt1"/>
+          </a:fontRef>
+        </p:style>
+        <p:txBody>
+          <a:bodyPr rtlCol="0" anchor="ctr"/>
+          <a:lstStyle/>
+          <a:p>
+            <a:pPr algn="ctr"/>
+            <a:endParaRPr lang="en-US"/>
+          </a:p>
+        </p:txBody>
+      </p:sp>
+      <p:sp>
+        <p:nvSpPr>
+          <p:cNvPr id="328" name="Rectangle 327"/>
+          <p:cNvSpPr/>
+          <p:nvPr/>
+        </p:nvSpPr>
+        <p:spPr>
+          <a:xfrm>
+            <a:off x="3118196" y="4848220"/>
+            <a:ext cx="119963" cy="200023"/>
+          </a:xfrm>
+          <a:prstGeom prst="rect">
+            <a:avLst/>
+          </a:prstGeom>
+          <a:solidFill>
+            <a:srgbClr val="0000FF"/>
+          </a:solidFill>
+          <a:ln>
+            <a:solidFill>
+              <a:schemeClr val="tx1"/>
+            </a:solidFill>
+          </a:ln>
+        </p:spPr>
+        <p:style>
+          <a:lnRef idx="2">
+            <a:schemeClr val="accent1">
+              <a:shade val="50000"/>
+            </a:schemeClr>
+          </a:lnRef>
+          <a:fillRef idx="1">
+            <a:schemeClr val="accent1"/>
+          </a:fillRef>
+          <a:effectRef idx="0">
+            <a:schemeClr val="accent1"/>
+          </a:effectRef>
+          <a:fontRef idx="minor">
+            <a:schemeClr val="lt1"/>
+          </a:fontRef>
+        </p:style>
+        <p:txBody>
+          <a:bodyPr rtlCol="0" anchor="ctr"/>
+          <a:lstStyle/>
+          <a:p>
+            <a:pPr algn="ctr"/>
+            <a:endParaRPr lang="en-US"/>
+          </a:p>
+        </p:txBody>
+      </p:sp>
+      <p:sp>
+        <p:nvSpPr>
+          <p:cNvPr id="329" name="Rectangle 328"/>
+          <p:cNvSpPr/>
+          <p:nvPr/>
+        </p:nvSpPr>
+        <p:spPr>
+          <a:xfrm>
+            <a:off x="3118082" y="5305419"/>
+            <a:ext cx="119963" cy="200023"/>
+          </a:xfrm>
+          <a:prstGeom prst="rect">
+            <a:avLst/>
+          </a:prstGeom>
+          <a:solidFill>
+            <a:srgbClr val="0000FF"/>
+          </a:solidFill>
+          <a:ln>
+            <a:solidFill>
+              <a:schemeClr val="tx1"/>
+            </a:solidFill>
+          </a:ln>
+        </p:spPr>
+        <p:style>
+          <a:lnRef idx="2">
+            <a:schemeClr val="accent1">
+              <a:shade val="50000"/>
+            </a:schemeClr>
+          </a:lnRef>
+          <a:fillRef idx="1">
+            <a:schemeClr val="accent1"/>
+          </a:fillRef>
+          <a:effectRef idx="0">
+            <a:schemeClr val="accent1"/>
+          </a:effectRef>
+          <a:fontRef idx="minor">
+            <a:schemeClr val="lt1"/>
+          </a:fontRef>
+        </p:style>
+        <p:txBody>
+          <a:bodyPr rtlCol="0" anchor="ctr"/>
+          <a:lstStyle/>
+          <a:p>
+            <a:pPr algn="ctr"/>
+            <a:endParaRPr lang="en-US"/>
+          </a:p>
+        </p:txBody>
+      </p:sp>
+      <p:sp>
+        <p:nvSpPr>
+          <p:cNvPr id="330" name="Rectangle 329"/>
+          <p:cNvSpPr/>
+          <p:nvPr/>
+        </p:nvSpPr>
+        <p:spPr>
+          <a:xfrm>
+            <a:off x="3118082" y="5762618"/>
+            <a:ext cx="119963" cy="200023"/>
+          </a:xfrm>
+          <a:prstGeom prst="rect">
+            <a:avLst/>
+          </a:prstGeom>
+          <a:solidFill>
+            <a:srgbClr val="0000FF"/>
+          </a:solidFill>
+          <a:ln>
+            <a:solidFill>
+              <a:schemeClr val="tx1"/>
+            </a:solidFill>
+          </a:ln>
+        </p:spPr>
+        <p:style>
+          <a:lnRef idx="2">
+            <a:schemeClr val="accent1">
+              <a:shade val="50000"/>
+            </a:schemeClr>
+          </a:lnRef>
+          <a:fillRef idx="1">
+            <a:schemeClr val="accent1"/>
+          </a:fillRef>
+          <a:effectRef idx="0">
+            <a:schemeClr val="accent1"/>
+          </a:effectRef>
+          <a:fontRef idx="minor">
+            <a:schemeClr val="lt1"/>
+          </a:fontRef>
+        </p:style>
+        <p:txBody>
+          <a:bodyPr rtlCol="0" anchor="ctr"/>
+          <a:lstStyle/>
+          <a:p>
+            <a:pPr algn="ctr"/>
+            <a:endParaRPr lang="en-US"/>
+          </a:p>
+        </p:txBody>
+      </p:sp>
+      <p:sp>
+        <p:nvSpPr>
+          <p:cNvPr id="331" name="TextBox 330"/>
+          <p:cNvSpPr txBox="1"/>
+          <p:nvPr/>
+        </p:nvSpPr>
+        <p:spPr>
+          <a:xfrm>
+            <a:off x="4629474" y="2877362"/>
+            <a:ext cx="301686" cy="369332"/>
+          </a:xfrm>
+          <a:prstGeom prst="rect">
+            <a:avLst/>
+          </a:prstGeom>
+          <a:solidFill>
+            <a:schemeClr val="bg1">
+              <a:alpha val="50000"/>
+            </a:schemeClr>
+          </a:solidFill>
+        </p:spPr>
+        <p:txBody>
+          <a:bodyPr wrap="none" rtlCol="0">
+            <a:spAutoFit/>
+          </a:bodyPr>
+          <a:lstStyle/>
+          <a:p>
+            <a:r>
+              <a:rPr lang="en-US" b="1" dirty="0" smtClean="0"/>
+              <a:t>1</a:t>
+            </a:r>
+            <a:endParaRPr lang="en-US" b="1" dirty="0"/>
+          </a:p>
+        </p:txBody>
+      </p:sp>
+      <p:sp>
+        <p:nvSpPr>
+          <p:cNvPr id="332" name="TextBox 331"/>
+          <p:cNvSpPr txBox="1"/>
+          <p:nvPr/>
+        </p:nvSpPr>
+        <p:spPr>
+          <a:xfrm>
+            <a:off x="4611049" y="1883615"/>
+            <a:ext cx="301686" cy="369332"/>
+          </a:xfrm>
+          <a:prstGeom prst="rect">
+            <a:avLst/>
+          </a:prstGeom>
+          <a:solidFill>
+            <a:schemeClr val="bg1">
+              <a:alpha val="50000"/>
+            </a:schemeClr>
+          </a:solidFill>
+        </p:spPr>
+        <p:txBody>
+          <a:bodyPr wrap="none" rtlCol="0">
+            <a:spAutoFit/>
+          </a:bodyPr>
+          <a:lstStyle/>
+          <a:p>
+            <a:r>
+              <a:rPr lang="en-US" b="1" dirty="0" smtClean="0"/>
+              <a:t>0</a:t>
+            </a:r>
+            <a:endParaRPr lang="en-US" b="1" dirty="0"/>
+          </a:p>
+        </p:txBody>
+      </p:sp>
+      <p:sp>
+        <p:nvSpPr>
+          <p:cNvPr id="333" name="TextBox 332"/>
+          <p:cNvSpPr txBox="1"/>
+          <p:nvPr/>
+        </p:nvSpPr>
+        <p:spPr>
+          <a:xfrm>
+            <a:off x="2232820" y="1897912"/>
+            <a:ext cx="301686" cy="369332"/>
+          </a:xfrm>
+          <a:prstGeom prst="rect">
+            <a:avLst/>
+          </a:prstGeom>
+          <a:solidFill>
+            <a:schemeClr val="bg1">
+              <a:alpha val="50000"/>
+            </a:schemeClr>
+          </a:solidFill>
+        </p:spPr>
+        <p:txBody>
+          <a:bodyPr wrap="none" rtlCol="0">
+            <a:spAutoFit/>
+          </a:bodyPr>
+          <a:lstStyle/>
+          <a:p>
+            <a:r>
+              <a:rPr lang="en-US" b="1" dirty="0" smtClean="0"/>
+              <a:t>0</a:t>
+            </a:r>
+            <a:endParaRPr lang="en-US" b="1" dirty="0"/>
+          </a:p>
+        </p:txBody>
+      </p:sp>
+      <p:sp>
+        <p:nvSpPr>
+          <p:cNvPr id="334" name="TextBox 333"/>
+          <p:cNvSpPr txBox="1"/>
+          <p:nvPr/>
+        </p:nvSpPr>
+        <p:spPr>
+          <a:xfrm>
+            <a:off x="6912563" y="1013674"/>
+            <a:ext cx="301686" cy="369332"/>
+          </a:xfrm>
+          <a:prstGeom prst="rect">
+            <a:avLst/>
+          </a:prstGeom>
+          <a:solidFill>
+            <a:schemeClr val="bg1">
+              <a:alpha val="80000"/>
+            </a:schemeClr>
+          </a:solidFill>
+        </p:spPr>
+        <p:txBody>
+          <a:bodyPr wrap="none" rtlCol="0">
+            <a:spAutoFit/>
+          </a:bodyPr>
+          <a:lstStyle/>
+          <a:p>
+            <a:r>
+              <a:rPr lang="en-US" dirty="0" smtClean="0"/>
+              <a:t>0</a:t>
+            </a:r>
+            <a:endParaRPr lang="en-US" dirty="0"/>
+          </a:p>
+        </p:txBody>
+      </p:sp>
+      <p:sp>
+        <p:nvSpPr>
+          <p:cNvPr id="335" name="TextBox 334"/>
+          <p:cNvSpPr txBox="1"/>
+          <p:nvPr/>
+        </p:nvSpPr>
+        <p:spPr>
+          <a:xfrm>
+            <a:off x="6905819" y="1907772"/>
+            <a:ext cx="301686" cy="369332"/>
+          </a:xfrm>
+          <a:prstGeom prst="rect">
+            <a:avLst/>
+          </a:prstGeom>
+          <a:solidFill>
+            <a:schemeClr val="bg1">
+              <a:alpha val="50000"/>
+            </a:schemeClr>
+          </a:solidFill>
+        </p:spPr>
+        <p:txBody>
+          <a:bodyPr wrap="none" rtlCol="0">
+            <a:spAutoFit/>
+          </a:bodyPr>
+          <a:lstStyle/>
+          <a:p>
+            <a:r>
+              <a:rPr lang="en-US" b="1" dirty="0" smtClean="0"/>
+              <a:t>1</a:t>
+            </a:r>
+            <a:endParaRPr lang="en-US" b="1" dirty="0"/>
+          </a:p>
+        </p:txBody>
+      </p:sp>
+      <p:sp>
+        <p:nvSpPr>
+          <p:cNvPr id="336" name="TextBox 335"/>
+          <p:cNvSpPr txBox="1"/>
+          <p:nvPr/>
+        </p:nvSpPr>
+        <p:spPr>
+          <a:xfrm>
+            <a:off x="6928290" y="2917417"/>
+            <a:ext cx="301686" cy="369332"/>
+          </a:xfrm>
+          <a:prstGeom prst="rect">
+            <a:avLst/>
+          </a:prstGeom>
+          <a:solidFill>
+            <a:schemeClr val="bg1">
+              <a:alpha val="50000"/>
+            </a:schemeClr>
+          </a:solidFill>
+        </p:spPr>
+        <p:txBody>
+          <a:bodyPr wrap="none" rtlCol="0">
+            <a:spAutoFit/>
+          </a:bodyPr>
+          <a:lstStyle/>
+          <a:p>
+            <a:r>
+              <a:rPr lang="en-US" b="1" dirty="0" smtClean="0"/>
+              <a:t>2</a:t>
+            </a:r>
+            <a:endParaRPr lang="en-US" b="1" dirty="0"/>
+          </a:p>
+        </p:txBody>
+      </p:sp>
+      <p:sp>
+        <p:nvSpPr>
+          <p:cNvPr id="337" name="TextBox 336"/>
+          <p:cNvSpPr txBox="1"/>
+          <p:nvPr/>
+        </p:nvSpPr>
+        <p:spPr>
+          <a:xfrm>
+            <a:off x="9249593" y="986283"/>
+            <a:ext cx="301686" cy="369332"/>
+          </a:xfrm>
+          <a:prstGeom prst="rect">
+            <a:avLst/>
+          </a:prstGeom>
+          <a:solidFill>
+            <a:schemeClr val="bg1">
+              <a:alpha val="50000"/>
+            </a:schemeClr>
+          </a:solidFill>
+        </p:spPr>
+        <p:txBody>
+          <a:bodyPr wrap="none" rtlCol="0">
+            <a:spAutoFit/>
+          </a:bodyPr>
+          <a:lstStyle/>
+          <a:p>
+            <a:r>
+              <a:rPr lang="en-US" b="1" dirty="0" smtClean="0"/>
+              <a:t>0</a:t>
+            </a:r>
+            <a:endParaRPr lang="en-US" b="1" dirty="0"/>
+          </a:p>
+        </p:txBody>
+      </p:sp>
+      <p:sp>
+        <p:nvSpPr>
+          <p:cNvPr id="338" name="TextBox 337"/>
+          <p:cNvSpPr txBox="1"/>
+          <p:nvPr/>
+        </p:nvSpPr>
+        <p:spPr>
+          <a:xfrm>
+            <a:off x="9256353" y="1666704"/>
+            <a:ext cx="301686" cy="369332"/>
+          </a:xfrm>
+          <a:prstGeom prst="rect">
+            <a:avLst/>
+          </a:prstGeom>
+          <a:solidFill>
+            <a:schemeClr val="bg1">
+              <a:alpha val="50000"/>
+            </a:schemeClr>
+          </a:solidFill>
+        </p:spPr>
+        <p:txBody>
+          <a:bodyPr wrap="none" rtlCol="0">
+            <a:spAutoFit/>
+          </a:bodyPr>
+          <a:lstStyle/>
+          <a:p>
+            <a:r>
+              <a:rPr lang="en-US" b="1" dirty="0" smtClean="0"/>
+              <a:t>1</a:t>
+            </a:r>
+            <a:endParaRPr lang="en-US" b="1" dirty="0"/>
+          </a:p>
+        </p:txBody>
+      </p:sp>
+      <p:sp>
+        <p:nvSpPr>
+          <p:cNvPr id="339" name="TextBox 338"/>
+          <p:cNvSpPr txBox="1"/>
+          <p:nvPr/>
+        </p:nvSpPr>
+        <p:spPr>
+          <a:xfrm>
+            <a:off x="9263570" y="2370451"/>
+            <a:ext cx="301686" cy="369332"/>
+          </a:xfrm>
+          <a:prstGeom prst="rect">
+            <a:avLst/>
+          </a:prstGeom>
+          <a:solidFill>
+            <a:schemeClr val="bg1">
+              <a:alpha val="50000"/>
+            </a:schemeClr>
+          </a:solidFill>
+        </p:spPr>
+        <p:txBody>
+          <a:bodyPr wrap="none" rtlCol="0">
+            <a:spAutoFit/>
+          </a:bodyPr>
+          <a:lstStyle/>
+          <a:p>
+            <a:r>
+              <a:rPr lang="en-US" b="1" dirty="0" smtClean="0"/>
+              <a:t>2</a:t>
+            </a:r>
+            <a:endParaRPr lang="en-US" b="1" dirty="0"/>
+          </a:p>
+        </p:txBody>
+      </p:sp>
+      <p:sp>
+        <p:nvSpPr>
+          <p:cNvPr id="340" name="TextBox 339"/>
+          <p:cNvSpPr txBox="1"/>
+          <p:nvPr/>
+        </p:nvSpPr>
+        <p:spPr>
+          <a:xfrm>
+            <a:off x="9256353" y="2870887"/>
+            <a:ext cx="301686" cy="369332"/>
+          </a:xfrm>
+          <a:prstGeom prst="rect">
+            <a:avLst/>
+          </a:prstGeom>
+          <a:solidFill>
+            <a:schemeClr val="bg1">
+              <a:alpha val="50000"/>
+            </a:schemeClr>
+          </a:solidFill>
+        </p:spPr>
+        <p:txBody>
+          <a:bodyPr wrap="none" rtlCol="0">
+            <a:spAutoFit/>
+          </a:bodyPr>
+          <a:lstStyle/>
+          <a:p>
+            <a:r>
+              <a:rPr lang="en-US" b="1" dirty="0" smtClean="0"/>
+              <a:t>3</a:t>
+            </a:r>
+            <a:endParaRPr lang="en-US" b="1" dirty="0"/>
+          </a:p>
+        </p:txBody>
+      </p:sp>
+      <p:sp>
+        <p:nvSpPr>
+          <p:cNvPr id="341" name="TextBox 340"/>
+          <p:cNvSpPr txBox="1"/>
+          <p:nvPr/>
+        </p:nvSpPr>
+        <p:spPr>
+          <a:xfrm>
+            <a:off x="1425969" y="4966730"/>
+            <a:ext cx="301686" cy="369332"/>
+          </a:xfrm>
+          <a:prstGeom prst="rect">
+            <a:avLst/>
+          </a:prstGeom>
+          <a:solidFill>
+            <a:schemeClr val="bg1">
+              <a:alpha val="50000"/>
+            </a:schemeClr>
+          </a:solidFill>
+        </p:spPr>
+        <p:txBody>
+          <a:bodyPr wrap="none" rtlCol="0">
+            <a:spAutoFit/>
+          </a:bodyPr>
+          <a:lstStyle/>
+          <a:p>
+            <a:r>
+              <a:rPr lang="en-US" b="1" dirty="0"/>
+              <a:t>0</a:t>
+            </a:r>
+          </a:p>
+        </p:txBody>
+      </p:sp>
+      <p:sp>
+        <p:nvSpPr>
+          <p:cNvPr id="342" name="TextBox 341"/>
+          <p:cNvSpPr txBox="1"/>
+          <p:nvPr/>
+        </p:nvSpPr>
+        <p:spPr>
+          <a:xfrm>
+            <a:off x="2245859" y="4960412"/>
+            <a:ext cx="301686" cy="369332"/>
+          </a:xfrm>
+          <a:prstGeom prst="rect">
+            <a:avLst/>
+          </a:prstGeom>
+          <a:solidFill>
+            <a:schemeClr val="bg1">
+              <a:alpha val="50000"/>
+            </a:schemeClr>
+          </a:solidFill>
+        </p:spPr>
+        <p:txBody>
+          <a:bodyPr wrap="none" rtlCol="0">
+            <a:spAutoFit/>
+          </a:bodyPr>
+          <a:lstStyle/>
+          <a:p>
+            <a:r>
+              <a:rPr lang="en-US" b="1" dirty="0" smtClean="0"/>
+              <a:t>1</a:t>
+            </a:r>
+            <a:endParaRPr lang="en-US" b="1" dirty="0"/>
+          </a:p>
+        </p:txBody>
+      </p:sp>
+      <p:sp>
+        <p:nvSpPr>
+          <p:cNvPr id="343" name="TextBox 342"/>
+          <p:cNvSpPr txBox="1"/>
+          <p:nvPr/>
+        </p:nvSpPr>
+        <p:spPr>
+          <a:xfrm>
+            <a:off x="3813822" y="4575495"/>
+            <a:ext cx="301686" cy="369332"/>
+          </a:xfrm>
+          <a:prstGeom prst="rect">
+            <a:avLst/>
+          </a:prstGeom>
+          <a:solidFill>
+            <a:schemeClr val="bg1">
+              <a:alpha val="50000"/>
+            </a:schemeClr>
+          </a:solidFill>
+        </p:spPr>
+        <p:txBody>
+          <a:bodyPr wrap="none" rtlCol="0">
+            <a:spAutoFit/>
+          </a:bodyPr>
+          <a:lstStyle/>
+          <a:p>
+            <a:r>
+              <a:rPr lang="en-US" b="1" dirty="0"/>
+              <a:t>0</a:t>
+            </a:r>
+          </a:p>
+        </p:txBody>
+      </p:sp>
+      <p:sp>
+        <p:nvSpPr>
+          <p:cNvPr id="344" name="TextBox 343"/>
+          <p:cNvSpPr txBox="1"/>
+          <p:nvPr/>
+        </p:nvSpPr>
+        <p:spPr>
+          <a:xfrm>
+            <a:off x="4618382" y="4568089"/>
+            <a:ext cx="301686" cy="369332"/>
+          </a:xfrm>
+          <a:prstGeom prst="rect">
+            <a:avLst/>
+          </a:prstGeom>
+          <a:solidFill>
+            <a:schemeClr val="bg1">
+              <a:alpha val="50000"/>
+            </a:schemeClr>
+          </a:solidFill>
+        </p:spPr>
+        <p:txBody>
+          <a:bodyPr wrap="none" rtlCol="0">
+            <a:spAutoFit/>
+          </a:bodyPr>
+          <a:lstStyle/>
+          <a:p>
+            <a:r>
+              <a:rPr lang="en-US" b="1" dirty="0" smtClean="0"/>
+              <a:t>1</a:t>
+            </a:r>
+            <a:endParaRPr lang="en-US" b="1" dirty="0"/>
+          </a:p>
+        </p:txBody>
+      </p:sp>
+      <p:sp>
+        <p:nvSpPr>
+          <p:cNvPr id="345" name="TextBox 344"/>
+          <p:cNvSpPr txBox="1"/>
+          <p:nvPr/>
+        </p:nvSpPr>
+        <p:spPr>
+          <a:xfrm>
+            <a:off x="5424150" y="4561485"/>
+            <a:ext cx="301686" cy="369332"/>
+          </a:xfrm>
+          <a:prstGeom prst="rect">
+            <a:avLst/>
+          </a:prstGeom>
+          <a:solidFill>
+            <a:schemeClr val="bg1">
+              <a:alpha val="50000"/>
+            </a:schemeClr>
+          </a:solidFill>
+        </p:spPr>
+        <p:txBody>
+          <a:bodyPr wrap="none" rtlCol="0">
+            <a:spAutoFit/>
+          </a:bodyPr>
+          <a:lstStyle/>
+          <a:p>
+            <a:r>
+              <a:rPr lang="en-US" b="1" dirty="0" smtClean="0"/>
+              <a:t>2</a:t>
+            </a:r>
+            <a:endParaRPr lang="en-US" b="1" dirty="0"/>
+          </a:p>
+        </p:txBody>
+      </p:sp>
+      <p:sp>
+        <p:nvSpPr>
+          <p:cNvPr id="346" name="TextBox 345"/>
+          <p:cNvSpPr txBox="1"/>
+          <p:nvPr/>
+        </p:nvSpPr>
+        <p:spPr>
+          <a:xfrm>
+            <a:off x="3821168" y="5725378"/>
+            <a:ext cx="301686" cy="369332"/>
+          </a:xfrm>
+          <a:prstGeom prst="rect">
+            <a:avLst/>
+          </a:prstGeom>
+          <a:solidFill>
+            <a:schemeClr val="bg1">
+              <a:alpha val="50000"/>
+            </a:schemeClr>
+          </a:solidFill>
+        </p:spPr>
+        <p:txBody>
+          <a:bodyPr wrap="none" rtlCol="0">
+            <a:spAutoFit/>
+          </a:bodyPr>
+          <a:lstStyle/>
+          <a:p>
+            <a:r>
+              <a:rPr lang="en-US" b="1" dirty="0" smtClean="0"/>
+              <a:t>3</a:t>
+            </a:r>
+            <a:endParaRPr lang="en-US" b="1" dirty="0"/>
+          </a:p>
+        </p:txBody>
+      </p:sp>
+      <p:sp>
+        <p:nvSpPr>
+          <p:cNvPr id="347" name="TextBox 346"/>
+          <p:cNvSpPr txBox="1"/>
+          <p:nvPr/>
+        </p:nvSpPr>
+        <p:spPr>
+          <a:xfrm>
+            <a:off x="5424150" y="5731196"/>
+            <a:ext cx="301686" cy="369332"/>
+          </a:xfrm>
+          <a:prstGeom prst="rect">
+            <a:avLst/>
+          </a:prstGeom>
+          <a:solidFill>
+            <a:schemeClr val="bg1">
+              <a:alpha val="50000"/>
+            </a:schemeClr>
+          </a:solidFill>
+        </p:spPr>
+        <p:txBody>
+          <a:bodyPr wrap="none" rtlCol="0">
+            <a:spAutoFit/>
+          </a:bodyPr>
+          <a:lstStyle/>
+          <a:p>
+            <a:r>
+              <a:rPr lang="en-US" b="1" dirty="0" smtClean="0"/>
+              <a:t>3</a:t>
+            </a:r>
+            <a:endParaRPr lang="en-US" b="1" dirty="0"/>
+          </a:p>
+        </p:txBody>
+      </p:sp>
+      <p:sp>
+        <p:nvSpPr>
+          <p:cNvPr id="348" name="TextBox 347"/>
+          <p:cNvSpPr txBox="1"/>
+          <p:nvPr/>
+        </p:nvSpPr>
+        <p:spPr>
+          <a:xfrm>
+            <a:off x="4602600" y="5725378"/>
+            <a:ext cx="301686" cy="369332"/>
+          </a:xfrm>
+          <a:prstGeom prst="rect">
+            <a:avLst/>
+          </a:prstGeom>
+          <a:solidFill>
+            <a:schemeClr val="bg1">
+              <a:alpha val="50000"/>
+            </a:schemeClr>
+          </a:solidFill>
+        </p:spPr>
+        <p:txBody>
+          <a:bodyPr wrap="none" rtlCol="0">
+            <a:spAutoFit/>
+          </a:bodyPr>
+          <a:lstStyle/>
+          <a:p>
+            <a:r>
+              <a:rPr lang="en-US" b="1" dirty="0" smtClean="0"/>
+              <a:t>4</a:t>
+            </a:r>
+            <a:endParaRPr lang="en-US" b="1" dirty="0"/>
+          </a:p>
+        </p:txBody>
+      </p:sp>
+      <p:sp>
+        <p:nvSpPr>
+          <p:cNvPr id="349" name="TextBox 348"/>
+          <p:cNvSpPr txBox="1"/>
+          <p:nvPr/>
+        </p:nvSpPr>
+        <p:spPr>
+          <a:xfrm>
+            <a:off x="6117629" y="3871369"/>
+            <a:ext cx="301686" cy="369332"/>
+          </a:xfrm>
+          <a:prstGeom prst="rect">
+            <a:avLst/>
+          </a:prstGeom>
+          <a:solidFill>
+            <a:schemeClr val="bg1">
+              <a:alpha val="50000"/>
+            </a:schemeClr>
+          </a:solidFill>
+        </p:spPr>
+        <p:txBody>
+          <a:bodyPr wrap="none" rtlCol="0">
+            <a:spAutoFit/>
+          </a:bodyPr>
+          <a:lstStyle/>
+          <a:p>
+            <a:r>
+              <a:rPr lang="en-US" b="1" dirty="0"/>
+              <a:t>0</a:t>
+            </a:r>
+          </a:p>
+        </p:txBody>
+      </p:sp>
+      <p:sp>
+        <p:nvSpPr>
+          <p:cNvPr id="350" name="TextBox 349"/>
+          <p:cNvSpPr txBox="1"/>
+          <p:nvPr/>
+        </p:nvSpPr>
+        <p:spPr>
+          <a:xfrm>
+            <a:off x="6922189" y="3863963"/>
+            <a:ext cx="301686" cy="369332"/>
+          </a:xfrm>
+          <a:prstGeom prst="rect">
+            <a:avLst/>
+          </a:prstGeom>
+          <a:solidFill>
+            <a:schemeClr val="bg1">
+              <a:alpha val="50000"/>
+            </a:schemeClr>
+          </a:solidFill>
+        </p:spPr>
+        <p:txBody>
+          <a:bodyPr wrap="none" rtlCol="0">
+            <a:spAutoFit/>
+          </a:bodyPr>
+          <a:lstStyle/>
+          <a:p>
+            <a:r>
+              <a:rPr lang="en-US" b="1" dirty="0" smtClean="0"/>
+              <a:t>1</a:t>
+            </a:r>
+            <a:endParaRPr lang="en-US" b="1" dirty="0"/>
+          </a:p>
+        </p:txBody>
+      </p:sp>
+      <p:sp>
+        <p:nvSpPr>
+          <p:cNvPr id="351" name="TextBox 350"/>
+          <p:cNvSpPr txBox="1"/>
+          <p:nvPr/>
+        </p:nvSpPr>
+        <p:spPr>
+          <a:xfrm>
+            <a:off x="7727957" y="3857359"/>
+            <a:ext cx="301686" cy="369332"/>
+          </a:xfrm>
+          <a:prstGeom prst="rect">
+            <a:avLst/>
+          </a:prstGeom>
+          <a:solidFill>
+            <a:schemeClr val="bg1">
+              <a:alpha val="50000"/>
+            </a:schemeClr>
+          </a:solidFill>
+        </p:spPr>
+        <p:txBody>
+          <a:bodyPr wrap="none" rtlCol="0">
+            <a:spAutoFit/>
+          </a:bodyPr>
+          <a:lstStyle/>
+          <a:p>
+            <a:r>
+              <a:rPr lang="en-US" b="1" dirty="0"/>
+              <a:t>0</a:t>
+            </a:r>
+            <a:endParaRPr lang="en-US" b="1" dirty="0"/>
+          </a:p>
+        </p:txBody>
+      </p:sp>
+      <p:sp>
+        <p:nvSpPr>
+          <p:cNvPr id="352" name="TextBox 351"/>
+          <p:cNvSpPr txBox="1"/>
+          <p:nvPr/>
+        </p:nvSpPr>
+        <p:spPr>
+          <a:xfrm>
+            <a:off x="6112994" y="4534576"/>
+            <a:ext cx="301686" cy="369332"/>
+          </a:xfrm>
+          <a:prstGeom prst="rect">
+            <a:avLst/>
+          </a:prstGeom>
+          <a:solidFill>
+            <a:schemeClr val="bg1">
+              <a:alpha val="50000"/>
+            </a:schemeClr>
+          </a:solidFill>
+        </p:spPr>
+        <p:txBody>
+          <a:bodyPr wrap="none" rtlCol="0">
+            <a:spAutoFit/>
+          </a:bodyPr>
+          <a:lstStyle/>
+          <a:p>
+            <a:r>
+              <a:rPr lang="en-US" b="1" dirty="0" smtClean="0"/>
+              <a:t>2</a:t>
+            </a:r>
+            <a:endParaRPr lang="en-US" b="1" dirty="0"/>
+          </a:p>
+        </p:txBody>
+      </p:sp>
+      <p:sp>
+        <p:nvSpPr>
+          <p:cNvPr id="353" name="TextBox 352"/>
+          <p:cNvSpPr txBox="1"/>
+          <p:nvPr/>
+        </p:nvSpPr>
+        <p:spPr>
+          <a:xfrm>
+            <a:off x="6917554" y="4527170"/>
+            <a:ext cx="301686" cy="369332"/>
+          </a:xfrm>
+          <a:prstGeom prst="rect">
+            <a:avLst/>
+          </a:prstGeom>
+          <a:solidFill>
+            <a:schemeClr val="bg1">
+              <a:alpha val="50000"/>
+            </a:schemeClr>
+          </a:solidFill>
+        </p:spPr>
+        <p:txBody>
+          <a:bodyPr wrap="none" rtlCol="0">
+            <a:spAutoFit/>
+          </a:bodyPr>
+          <a:lstStyle/>
+          <a:p>
+            <a:r>
+              <a:rPr lang="en-US" b="1" dirty="0" smtClean="0"/>
+              <a:t>3</a:t>
+            </a:r>
+            <a:endParaRPr lang="en-US" b="1" dirty="0"/>
+          </a:p>
+        </p:txBody>
+      </p:sp>
+      <p:sp>
+        <p:nvSpPr>
+          <p:cNvPr id="354" name="TextBox 353"/>
+          <p:cNvSpPr txBox="1"/>
+          <p:nvPr/>
+        </p:nvSpPr>
+        <p:spPr>
+          <a:xfrm>
+            <a:off x="7723322" y="4520566"/>
+            <a:ext cx="301686" cy="369332"/>
+          </a:xfrm>
+          <a:prstGeom prst="rect">
+            <a:avLst/>
+          </a:prstGeom>
+          <a:solidFill>
+            <a:schemeClr val="bg1">
+              <a:alpha val="50000"/>
+            </a:schemeClr>
+          </a:solidFill>
+        </p:spPr>
+        <p:txBody>
+          <a:bodyPr wrap="none" rtlCol="0">
+            <a:spAutoFit/>
+          </a:bodyPr>
+          <a:lstStyle/>
+          <a:p>
+            <a:r>
+              <a:rPr lang="en-US" b="1" dirty="0" smtClean="0"/>
+              <a:t>4</a:t>
+            </a:r>
+            <a:endParaRPr lang="en-US" b="1" dirty="0"/>
+          </a:p>
+        </p:txBody>
+      </p:sp>
+      <p:sp>
+        <p:nvSpPr>
+          <p:cNvPr id="355" name="TextBox 354"/>
+          <p:cNvSpPr txBox="1"/>
+          <p:nvPr/>
+        </p:nvSpPr>
+        <p:spPr>
+          <a:xfrm>
+            <a:off x="6108561" y="5721136"/>
+            <a:ext cx="301686" cy="369332"/>
+          </a:xfrm>
+          <a:prstGeom prst="rect">
+            <a:avLst/>
+          </a:prstGeom>
+          <a:solidFill>
+            <a:schemeClr val="bg1">
+              <a:alpha val="50000"/>
+            </a:schemeClr>
+          </a:solidFill>
+        </p:spPr>
+        <p:txBody>
+          <a:bodyPr wrap="none" rtlCol="0">
+            <a:spAutoFit/>
+          </a:bodyPr>
+          <a:lstStyle/>
+          <a:p>
+            <a:r>
+              <a:rPr lang="en-US" b="1" dirty="0" smtClean="0"/>
+              <a:t>5</a:t>
+            </a:r>
+            <a:endParaRPr lang="en-US" b="1" dirty="0"/>
+          </a:p>
+        </p:txBody>
+      </p:sp>
+      <p:sp>
+        <p:nvSpPr>
+          <p:cNvPr id="356" name="TextBox 355"/>
+          <p:cNvSpPr txBox="1"/>
+          <p:nvPr/>
+        </p:nvSpPr>
+        <p:spPr>
+          <a:xfrm>
+            <a:off x="6913121" y="5713730"/>
+            <a:ext cx="301686" cy="369332"/>
+          </a:xfrm>
+          <a:prstGeom prst="rect">
+            <a:avLst/>
+          </a:prstGeom>
+          <a:solidFill>
+            <a:schemeClr val="bg1">
+              <a:alpha val="50000"/>
+            </a:schemeClr>
+          </a:solidFill>
+        </p:spPr>
+        <p:txBody>
+          <a:bodyPr wrap="none" rtlCol="0">
+            <a:spAutoFit/>
+          </a:bodyPr>
+          <a:lstStyle/>
+          <a:p>
+            <a:r>
+              <a:rPr lang="en-US" b="1" dirty="0" smtClean="0"/>
+              <a:t>6</a:t>
+            </a:r>
+            <a:endParaRPr lang="en-US" b="1" dirty="0"/>
+          </a:p>
+        </p:txBody>
+      </p:sp>
+      <p:sp>
+        <p:nvSpPr>
+          <p:cNvPr id="357" name="TextBox 356"/>
+          <p:cNvSpPr txBox="1"/>
+          <p:nvPr/>
+        </p:nvSpPr>
+        <p:spPr>
+          <a:xfrm>
+            <a:off x="7718889" y="5707126"/>
+            <a:ext cx="301686" cy="369332"/>
+          </a:xfrm>
+          <a:prstGeom prst="rect">
+            <a:avLst/>
+          </a:prstGeom>
+          <a:solidFill>
+            <a:schemeClr val="bg1">
+              <a:alpha val="50000"/>
+            </a:schemeClr>
+          </a:solidFill>
+        </p:spPr>
+        <p:txBody>
+          <a:bodyPr wrap="none" rtlCol="0">
+            <a:spAutoFit/>
+          </a:bodyPr>
+          <a:lstStyle/>
+          <a:p>
+            <a:r>
+              <a:rPr lang="en-US" b="1" dirty="0" smtClean="0"/>
+              <a:t>5</a:t>
+            </a:r>
+            <a:endParaRPr lang="en-US" b="1" dirty="0"/>
+          </a:p>
+        </p:txBody>
+      </p:sp>
+      <p:sp>
+        <p:nvSpPr>
+          <p:cNvPr id="358" name="TextBox 357"/>
+          <p:cNvSpPr txBox="1"/>
+          <p:nvPr/>
+        </p:nvSpPr>
+        <p:spPr>
+          <a:xfrm>
+            <a:off x="8634939" y="4589278"/>
+            <a:ext cx="301686" cy="369332"/>
+          </a:xfrm>
+          <a:prstGeom prst="rect">
+            <a:avLst/>
+          </a:prstGeom>
+          <a:solidFill>
+            <a:schemeClr val="bg1">
+              <a:alpha val="50000"/>
+            </a:schemeClr>
+          </a:solidFill>
+        </p:spPr>
+        <p:txBody>
+          <a:bodyPr wrap="none" rtlCol="0">
+            <a:spAutoFit/>
+          </a:bodyPr>
+          <a:lstStyle/>
+          <a:p>
+            <a:r>
+              <a:rPr lang="en-US" b="1" dirty="0" smtClean="0"/>
+              <a:t>1</a:t>
+            </a:r>
+            <a:endParaRPr lang="en-US" b="1" dirty="0"/>
+          </a:p>
+        </p:txBody>
+      </p:sp>
+      <p:sp>
+        <p:nvSpPr>
+          <p:cNvPr id="359" name="TextBox 358"/>
+          <p:cNvSpPr txBox="1"/>
+          <p:nvPr/>
+        </p:nvSpPr>
+        <p:spPr>
+          <a:xfrm>
+            <a:off x="9249536" y="4582105"/>
+            <a:ext cx="301686" cy="369332"/>
+          </a:xfrm>
+          <a:prstGeom prst="rect">
+            <a:avLst/>
+          </a:prstGeom>
+          <a:solidFill>
+            <a:schemeClr val="bg1">
+              <a:alpha val="50000"/>
+            </a:schemeClr>
+          </a:solidFill>
+        </p:spPr>
+        <p:txBody>
+          <a:bodyPr wrap="none" rtlCol="0">
+            <a:spAutoFit/>
+          </a:bodyPr>
+          <a:lstStyle/>
+          <a:p>
+            <a:r>
+              <a:rPr lang="en-US" b="1" dirty="0"/>
+              <a:t>0</a:t>
+            </a:r>
+            <a:endParaRPr lang="en-US" b="1" dirty="0"/>
+          </a:p>
+        </p:txBody>
+      </p:sp>
+      <p:sp>
+        <p:nvSpPr>
+          <p:cNvPr id="360" name="TextBox 359"/>
+          <p:cNvSpPr txBox="1"/>
+          <p:nvPr/>
+        </p:nvSpPr>
+        <p:spPr>
+          <a:xfrm>
+            <a:off x="9835088" y="4553023"/>
+            <a:ext cx="301686" cy="369332"/>
+          </a:xfrm>
+          <a:prstGeom prst="rect">
+            <a:avLst/>
+          </a:prstGeom>
+          <a:solidFill>
+            <a:schemeClr val="bg1">
+              <a:alpha val="50000"/>
+            </a:schemeClr>
+          </a:solidFill>
+        </p:spPr>
+        <p:txBody>
+          <a:bodyPr wrap="none" rtlCol="0">
+            <a:spAutoFit/>
+          </a:bodyPr>
+          <a:lstStyle/>
+          <a:p>
+            <a:r>
+              <a:rPr lang="en-US" b="1" dirty="0" smtClean="0"/>
+              <a:t>1</a:t>
+            </a:r>
+            <a:endParaRPr lang="en-US" b="1" dirty="0"/>
+          </a:p>
+        </p:txBody>
+      </p:sp>
+      <p:cxnSp>
+        <p:nvCxnSpPr>
+          <p:cNvPr id="361" name="Straight Connector 360"/>
+          <p:cNvCxnSpPr/>
+          <p:nvPr/>
+        </p:nvCxnSpPr>
+        <p:spPr>
+          <a:xfrm>
+            <a:off x="8423713" y="5664200"/>
+            <a:ext cx="1914071" cy="0"/>
+          </a:xfrm>
+          <a:prstGeom prst="line">
+            <a:avLst/>
+          </a:prstGeom>
+          <a:ln w="12700">
+            <a:solidFill>
+              <a:schemeClr val="tx1"/>
+            </a:solidFill>
+          </a:ln>
+        </p:spPr>
+        <p:style>
+          <a:lnRef idx="1">
+            <a:schemeClr val="accent1"/>
+          </a:lnRef>
+          <a:fillRef idx="0">
+            <a:schemeClr val="accent1"/>
+          </a:fillRef>
+          <a:effectRef idx="0">
+            <a:schemeClr val="accent1"/>
+          </a:effectRef>
+          <a:fontRef idx="minor">
+            <a:schemeClr val="tx1"/>
+          </a:fontRef>
+        </p:style>
+      </p:cxnSp>
+      <p:sp>
+        <p:nvSpPr>
+          <p:cNvPr id="362" name="TextBox 361"/>
+          <p:cNvSpPr txBox="1"/>
+          <p:nvPr/>
+        </p:nvSpPr>
+        <p:spPr>
+          <a:xfrm>
+            <a:off x="8609006" y="5709566"/>
+            <a:ext cx="301686" cy="369332"/>
+          </a:xfrm>
+          <a:prstGeom prst="rect">
+            <a:avLst/>
+          </a:prstGeom>
+          <a:solidFill>
+            <a:schemeClr val="bg1">
+              <a:alpha val="50000"/>
+            </a:schemeClr>
+          </a:solidFill>
+        </p:spPr>
+        <p:txBody>
+          <a:bodyPr wrap="none" rtlCol="0">
+            <a:spAutoFit/>
+          </a:bodyPr>
+          <a:lstStyle/>
+          <a:p>
+            <a:r>
+              <a:rPr lang="en-US" b="1" dirty="0" smtClean="0"/>
+              <a:t>3</a:t>
+            </a:r>
+            <a:endParaRPr lang="en-US" b="1" dirty="0"/>
+          </a:p>
+        </p:txBody>
+      </p:sp>
+      <p:sp>
+        <p:nvSpPr>
+          <p:cNvPr id="363" name="TextBox 362"/>
+          <p:cNvSpPr txBox="1"/>
+          <p:nvPr/>
+        </p:nvSpPr>
+        <p:spPr>
+          <a:xfrm>
+            <a:off x="9223603" y="5702393"/>
+            <a:ext cx="301686" cy="369332"/>
+          </a:xfrm>
+          <a:prstGeom prst="rect">
+            <a:avLst/>
+          </a:prstGeom>
+          <a:solidFill>
+            <a:schemeClr val="bg1">
+              <a:alpha val="50000"/>
+            </a:schemeClr>
+          </a:solidFill>
+        </p:spPr>
+        <p:txBody>
+          <a:bodyPr wrap="none" rtlCol="0">
+            <a:spAutoFit/>
+          </a:bodyPr>
+          <a:lstStyle/>
+          <a:p>
+            <a:r>
+              <a:rPr lang="en-US" b="1" dirty="0" smtClean="0"/>
+              <a:t>2</a:t>
+            </a:r>
+            <a:endParaRPr lang="en-US" b="1" dirty="0"/>
+          </a:p>
+        </p:txBody>
+      </p:sp>
+      <p:sp>
+        <p:nvSpPr>
+          <p:cNvPr id="364" name="TextBox 363"/>
+          <p:cNvSpPr txBox="1"/>
+          <p:nvPr/>
+        </p:nvSpPr>
+        <p:spPr>
+          <a:xfrm>
+            <a:off x="9838449" y="5689564"/>
+            <a:ext cx="301686" cy="369332"/>
+          </a:xfrm>
+          <a:prstGeom prst="rect">
+            <a:avLst/>
+          </a:prstGeom>
+          <a:solidFill>
+            <a:schemeClr val="bg1">
+              <a:alpha val="50000"/>
+            </a:schemeClr>
+          </a:solidFill>
+        </p:spPr>
+        <p:txBody>
+          <a:bodyPr wrap="none" rtlCol="0">
+            <a:spAutoFit/>
+          </a:bodyPr>
+          <a:lstStyle/>
+          <a:p>
+            <a:r>
+              <a:rPr lang="en-US" b="1" dirty="0" smtClean="0"/>
+              <a:t>3</a:t>
+            </a:r>
+            <a:endParaRPr lang="en-US" b="1" dirty="0"/>
+          </a:p>
+        </p:txBody>
+      </p:sp>
+      <p:sp>
+        <p:nvSpPr>
+          <p:cNvPr id="365" name="TextBox 364"/>
+          <p:cNvSpPr txBox="1"/>
+          <p:nvPr/>
+        </p:nvSpPr>
+        <p:spPr>
+          <a:xfrm>
+            <a:off x="3044733" y="4951437"/>
+            <a:ext cx="301686" cy="369332"/>
+          </a:xfrm>
+          <a:prstGeom prst="rect">
+            <a:avLst/>
+          </a:prstGeom>
+          <a:solidFill>
+            <a:schemeClr val="bg1">
+              <a:alpha val="50000"/>
+            </a:schemeClr>
+          </a:solidFill>
+        </p:spPr>
+        <p:txBody>
+          <a:bodyPr wrap="none" rtlCol="0">
+            <a:spAutoFit/>
+          </a:bodyPr>
+          <a:lstStyle/>
+          <a:p>
+            <a:r>
+              <a:rPr lang="en-US" b="1" dirty="0"/>
+              <a:t>0</a:t>
+            </a:r>
           </a:p>
         </p:txBody>
       </p:sp>
@@ -16249,6 +17326,13 @@
   <p:clrMapOvr>
     <a:masterClrMapping/>
   </p:clrMapOvr>
+  <p:timing>
+    <p:tnLst>
+      <p:par>
+        <p:cTn id="1" dur="indefinite" restart="never" nodeType="tmRoot"/>
+      </p:par>
+    </p:tnLst>
+  </p:timing>
 </p:sld>
 </file>
 

--- a/doc/Figures.pptx
+++ b/doc/Figures.pptx
@@ -243,7 +243,7 @@
           <a:p>
             <a:fld id="{ED5A1FB5-2C55-4264-B0FC-EFF1E2D7FFBF}" type="datetimeFigureOut">
               <a:rPr lang="en-US" smtClean="0"/>
-              <a:t>5/9/2017</a:t>
+              <a:t>5/15/2017</a:t>
             </a:fld>
             <a:endParaRPr lang="en-US"/>
           </a:p>
@@ -413,7 +413,7 @@
           <a:p>
             <a:fld id="{ED5A1FB5-2C55-4264-B0FC-EFF1E2D7FFBF}" type="datetimeFigureOut">
               <a:rPr lang="en-US" smtClean="0"/>
-              <a:t>5/9/2017</a:t>
+              <a:t>5/15/2017</a:t>
             </a:fld>
             <a:endParaRPr lang="en-US"/>
           </a:p>
@@ -593,7 +593,7 @@
           <a:p>
             <a:fld id="{ED5A1FB5-2C55-4264-B0FC-EFF1E2D7FFBF}" type="datetimeFigureOut">
               <a:rPr lang="en-US" smtClean="0"/>
-              <a:t>5/9/2017</a:t>
+              <a:t>5/15/2017</a:t>
             </a:fld>
             <a:endParaRPr lang="en-US"/>
           </a:p>
@@ -763,7 +763,7 @@
           <a:p>
             <a:fld id="{ED5A1FB5-2C55-4264-B0FC-EFF1E2D7FFBF}" type="datetimeFigureOut">
               <a:rPr lang="en-US" smtClean="0"/>
-              <a:t>5/9/2017</a:t>
+              <a:t>5/15/2017</a:t>
             </a:fld>
             <a:endParaRPr lang="en-US"/>
           </a:p>
@@ -1009,7 +1009,7 @@
           <a:p>
             <a:fld id="{ED5A1FB5-2C55-4264-B0FC-EFF1E2D7FFBF}" type="datetimeFigureOut">
               <a:rPr lang="en-US" smtClean="0"/>
-              <a:t>5/9/2017</a:t>
+              <a:t>5/15/2017</a:t>
             </a:fld>
             <a:endParaRPr lang="en-US"/>
           </a:p>
@@ -1241,7 +1241,7 @@
           <a:p>
             <a:fld id="{ED5A1FB5-2C55-4264-B0FC-EFF1E2D7FFBF}" type="datetimeFigureOut">
               <a:rPr lang="en-US" smtClean="0"/>
-              <a:t>5/9/2017</a:t>
+              <a:t>5/15/2017</a:t>
             </a:fld>
             <a:endParaRPr lang="en-US"/>
           </a:p>
@@ -1608,7 +1608,7 @@
           <a:p>
             <a:fld id="{ED5A1FB5-2C55-4264-B0FC-EFF1E2D7FFBF}" type="datetimeFigureOut">
               <a:rPr lang="en-US" smtClean="0"/>
-              <a:t>5/9/2017</a:t>
+              <a:t>5/15/2017</a:t>
             </a:fld>
             <a:endParaRPr lang="en-US"/>
           </a:p>
@@ -1726,7 +1726,7 @@
           <a:p>
             <a:fld id="{ED5A1FB5-2C55-4264-B0FC-EFF1E2D7FFBF}" type="datetimeFigureOut">
               <a:rPr lang="en-US" smtClean="0"/>
-              <a:t>5/9/2017</a:t>
+              <a:t>5/15/2017</a:t>
             </a:fld>
             <a:endParaRPr lang="en-US"/>
           </a:p>
@@ -1821,7 +1821,7 @@
           <a:p>
             <a:fld id="{ED5A1FB5-2C55-4264-B0FC-EFF1E2D7FFBF}" type="datetimeFigureOut">
               <a:rPr lang="en-US" smtClean="0"/>
-              <a:t>5/9/2017</a:t>
+              <a:t>5/15/2017</a:t>
             </a:fld>
             <a:endParaRPr lang="en-US"/>
           </a:p>
@@ -2098,7 +2098,7 @@
           <a:p>
             <a:fld id="{ED5A1FB5-2C55-4264-B0FC-EFF1E2D7FFBF}" type="datetimeFigureOut">
               <a:rPr lang="en-US" smtClean="0"/>
-              <a:t>5/9/2017</a:t>
+              <a:t>5/15/2017</a:t>
             </a:fld>
             <a:endParaRPr lang="en-US"/>
           </a:p>
@@ -2351,7 +2351,7 @@
           <a:p>
             <a:fld id="{ED5A1FB5-2C55-4264-B0FC-EFF1E2D7FFBF}" type="datetimeFigureOut">
               <a:rPr lang="en-US" smtClean="0"/>
-              <a:t>5/9/2017</a:t>
+              <a:t>5/15/2017</a:t>
             </a:fld>
             <a:endParaRPr lang="en-US"/>
           </a:p>
@@ -2564,7 +2564,7 @@
           <a:p>
             <a:fld id="{ED5A1FB5-2C55-4264-B0FC-EFF1E2D7FFBF}" type="datetimeFigureOut">
               <a:rPr lang="en-US" smtClean="0"/>
-              <a:t>5/9/2017</a:t>
+              <a:t>5/15/2017</a:t>
             </a:fld>
             <a:endParaRPr lang="en-US"/>
           </a:p>
@@ -7867,7 +7867,7 @@
           <a:prstGeom prst="line">
             <a:avLst/>
           </a:prstGeom>
-          <a:ln w="12700">
+          <a:ln w="12700" cmpd="dbl">
             <a:solidFill>
               <a:schemeClr val="tx1"/>
             </a:solidFill>
@@ -8260,7 +8260,10 @@
             <a:avLst/>
           </a:prstGeom>
           <a:solidFill>
-            <a:srgbClr val="FFFF00"/>
+            <a:schemeClr val="accent4">
+              <a:lumMod val="60000"/>
+              <a:lumOff val="40000"/>
+            </a:schemeClr>
           </a:solidFill>
           <a:ln>
             <a:solidFill>
@@ -8456,6 +8459,105 @@
             <a:avLst/>
           </a:prstGeom>
           <a:solidFill>
+            <a:schemeClr val="accent2">
+              <a:lumMod val="40000"/>
+              <a:lumOff val="60000"/>
+            </a:schemeClr>
+          </a:solidFill>
+          <a:ln>
+            <a:solidFill>
+              <a:schemeClr val="tx1"/>
+            </a:solidFill>
+          </a:ln>
+        </p:spPr>
+        <p:style>
+          <a:lnRef idx="2">
+            <a:schemeClr val="accent1">
+              <a:shade val="50000"/>
+            </a:schemeClr>
+          </a:lnRef>
+          <a:fillRef idx="1">
+            <a:schemeClr val="accent1"/>
+          </a:fillRef>
+          <a:effectRef idx="0">
+            <a:schemeClr val="accent1"/>
+          </a:effectRef>
+          <a:fontRef idx="minor">
+            <a:schemeClr val="lt1"/>
+          </a:fontRef>
+        </p:style>
+        <p:txBody>
+          <a:bodyPr rtlCol="0" anchor="ctr"/>
+          <a:lstStyle/>
+          <a:p>
+            <a:pPr algn="ctr"/>
+            <a:endParaRPr lang="en-US"/>
+          </a:p>
+        </p:txBody>
+      </p:sp>
+      <p:sp>
+        <p:nvSpPr>
+          <p:cNvPr id="159" name="Rectangle 158"/>
+          <p:cNvSpPr/>
+          <p:nvPr/>
+        </p:nvSpPr>
+        <p:spPr>
+          <a:xfrm>
+            <a:off x="6973486" y="3972188"/>
+            <a:ext cx="168318" cy="147637"/>
+          </a:xfrm>
+          <a:prstGeom prst="rect">
+            <a:avLst/>
+          </a:prstGeom>
+          <a:solidFill>
+            <a:srgbClr val="FF0000"/>
+          </a:solidFill>
+          <a:ln>
+            <a:solidFill>
+              <a:schemeClr val="tx1"/>
+            </a:solidFill>
+          </a:ln>
+        </p:spPr>
+        <p:style>
+          <a:lnRef idx="2">
+            <a:schemeClr val="accent1">
+              <a:shade val="50000"/>
+            </a:schemeClr>
+          </a:lnRef>
+          <a:fillRef idx="1">
+            <a:schemeClr val="accent1"/>
+          </a:fillRef>
+          <a:effectRef idx="0">
+            <a:schemeClr val="accent1"/>
+          </a:effectRef>
+          <a:fontRef idx="minor">
+            <a:schemeClr val="lt1"/>
+          </a:fontRef>
+        </p:style>
+        <p:txBody>
+          <a:bodyPr rtlCol="0" anchor="ctr"/>
+          <a:lstStyle/>
+          <a:p>
+            <a:pPr algn="ctr"/>
+            <a:endParaRPr lang="en-US"/>
+          </a:p>
+        </p:txBody>
+      </p:sp>
+      <p:sp>
+        <p:nvSpPr>
+          <p:cNvPr id="160" name="Rectangle 159"/>
+          <p:cNvSpPr/>
+          <p:nvPr/>
+        </p:nvSpPr>
+        <p:spPr>
+          <a:xfrm>
+            <a:off x="6973486" y="4377001"/>
+            <a:ext cx="180975" cy="209550"/>
+          </a:xfrm>
+          <a:prstGeom prst="rect">
+            <a:avLst/>
+          </a:prstGeom>
+          <a:solidFill>
             <a:schemeClr val="bg1">
               <a:lumMod val="50000"/>
             </a:schemeClr>
@@ -8493,61 +8595,13 @@
       </p:sp>
       <p:sp>
         <p:nvSpPr>
-          <p:cNvPr id="159" name="Rectangle 158"/>
-          <p:cNvSpPr/>
-          <p:nvPr/>
-        </p:nvSpPr>
-        <p:spPr>
-          <a:xfrm>
-            <a:off x="6973486" y="3972188"/>
-            <a:ext cx="168318" cy="147637"/>
-          </a:xfrm>
-          <a:prstGeom prst="rect">
-            <a:avLst/>
-          </a:prstGeom>
-          <a:solidFill>
-            <a:srgbClr val="FF0000"/>
-          </a:solidFill>
-          <a:ln>
-            <a:solidFill>
-              <a:schemeClr val="tx1"/>
-            </a:solidFill>
-          </a:ln>
-        </p:spPr>
-        <p:style>
-          <a:lnRef idx="2">
-            <a:schemeClr val="accent1">
-              <a:shade val="50000"/>
-            </a:schemeClr>
-          </a:lnRef>
-          <a:fillRef idx="1">
-            <a:schemeClr val="accent1"/>
-          </a:fillRef>
-          <a:effectRef idx="0">
-            <a:schemeClr val="accent1"/>
-          </a:effectRef>
-          <a:fontRef idx="minor">
-            <a:schemeClr val="lt1"/>
-          </a:fontRef>
-        </p:style>
-        <p:txBody>
-          <a:bodyPr rtlCol="0" anchor="ctr"/>
-          <a:lstStyle/>
-          <a:p>
-            <a:pPr algn="ctr"/>
-            <a:endParaRPr lang="en-US"/>
-          </a:p>
-        </p:txBody>
-      </p:sp>
-      <p:sp>
-        <p:nvSpPr>
-          <p:cNvPr id="160" name="Rectangle 159"/>
-          <p:cNvSpPr/>
-          <p:nvPr/>
-        </p:nvSpPr>
-        <p:spPr>
-          <a:xfrm>
-            <a:off x="6973486" y="4377001"/>
+          <p:cNvPr id="161" name="Rectangle 160"/>
+          <p:cNvSpPr/>
+          <p:nvPr/>
+        </p:nvSpPr>
+        <p:spPr>
+          <a:xfrm>
+            <a:off x="6973600" y="4834197"/>
             <a:ext cx="180975" cy="209550"/>
           </a:xfrm>
           <a:prstGeom prst="rect">
@@ -8591,13 +8645,112 @@
       </p:sp>
       <p:sp>
         <p:nvSpPr>
-          <p:cNvPr id="161" name="Rectangle 160"/>
-          <p:cNvSpPr/>
-          <p:nvPr/>
-        </p:nvSpPr>
-        <p:spPr>
-          <a:xfrm>
-            <a:off x="6973600" y="4834197"/>
+          <p:cNvPr id="162" name="Rectangle 161"/>
+          <p:cNvSpPr/>
+          <p:nvPr/>
+        </p:nvSpPr>
+        <p:spPr>
+          <a:xfrm>
+            <a:off x="6973486" y="5291396"/>
+            <a:ext cx="180975" cy="209550"/>
+          </a:xfrm>
+          <a:prstGeom prst="rect">
+            <a:avLst/>
+          </a:prstGeom>
+          <a:solidFill>
+            <a:schemeClr val="accent2">
+              <a:lumMod val="40000"/>
+              <a:lumOff val="60000"/>
+            </a:schemeClr>
+          </a:solidFill>
+          <a:ln>
+            <a:solidFill>
+              <a:schemeClr val="tx1"/>
+            </a:solidFill>
+          </a:ln>
+        </p:spPr>
+        <p:style>
+          <a:lnRef idx="2">
+            <a:schemeClr val="accent1">
+              <a:shade val="50000"/>
+            </a:schemeClr>
+          </a:lnRef>
+          <a:fillRef idx="1">
+            <a:schemeClr val="accent1"/>
+          </a:fillRef>
+          <a:effectRef idx="0">
+            <a:schemeClr val="accent1"/>
+          </a:effectRef>
+          <a:fontRef idx="minor">
+            <a:schemeClr val="lt1"/>
+          </a:fontRef>
+        </p:style>
+        <p:txBody>
+          <a:bodyPr rtlCol="0" anchor="ctr"/>
+          <a:lstStyle/>
+          <a:p>
+            <a:pPr algn="ctr"/>
+            <a:endParaRPr lang="en-US"/>
+          </a:p>
+        </p:txBody>
+      </p:sp>
+      <p:sp>
+        <p:nvSpPr>
+          <p:cNvPr id="163" name="Rectangle 162"/>
+          <p:cNvSpPr/>
+          <p:nvPr/>
+        </p:nvSpPr>
+        <p:spPr>
+          <a:xfrm>
+            <a:off x="7402110" y="3972188"/>
+            <a:ext cx="168318" cy="147637"/>
+          </a:xfrm>
+          <a:prstGeom prst="rect">
+            <a:avLst/>
+          </a:prstGeom>
+          <a:solidFill>
+            <a:srgbClr val="FF0000"/>
+          </a:solidFill>
+          <a:ln>
+            <a:solidFill>
+              <a:schemeClr val="tx1"/>
+            </a:solidFill>
+          </a:ln>
+        </p:spPr>
+        <p:style>
+          <a:lnRef idx="2">
+            <a:schemeClr val="accent1">
+              <a:shade val="50000"/>
+            </a:schemeClr>
+          </a:lnRef>
+          <a:fillRef idx="1">
+            <a:schemeClr val="accent1"/>
+          </a:fillRef>
+          <a:effectRef idx="0">
+            <a:schemeClr val="accent1"/>
+          </a:effectRef>
+          <a:fontRef idx="minor">
+            <a:schemeClr val="lt1"/>
+          </a:fontRef>
+        </p:style>
+        <p:txBody>
+          <a:bodyPr rtlCol="0" anchor="ctr"/>
+          <a:lstStyle/>
+          <a:p>
+            <a:pPr algn="ctr"/>
+            <a:endParaRPr lang="en-US"/>
+          </a:p>
+        </p:txBody>
+      </p:sp>
+      <p:sp>
+        <p:nvSpPr>
+          <p:cNvPr id="164" name="Rectangle 163"/>
+          <p:cNvSpPr/>
+          <p:nvPr/>
+        </p:nvSpPr>
+        <p:spPr>
+          <a:xfrm>
+            <a:off x="7402110" y="4377001"/>
             <a:ext cx="180975" cy="209550"/>
           </a:xfrm>
           <a:prstGeom prst="rect">
@@ -8641,13 +8794,13 @@
       </p:sp>
       <p:sp>
         <p:nvSpPr>
-          <p:cNvPr id="162" name="Rectangle 161"/>
-          <p:cNvSpPr/>
-          <p:nvPr/>
-        </p:nvSpPr>
-        <p:spPr>
-          <a:xfrm>
-            <a:off x="6973486" y="5291396"/>
+          <p:cNvPr id="165" name="Rectangle 164"/>
+          <p:cNvSpPr/>
+          <p:nvPr/>
+        </p:nvSpPr>
+        <p:spPr>
+          <a:xfrm>
+            <a:off x="7402224" y="4834197"/>
             <a:ext cx="180975" cy="209550"/>
           </a:xfrm>
           <a:prstGeom prst="rect">
@@ -8691,154 +8844,6 @@
       </p:sp>
       <p:sp>
         <p:nvSpPr>
-          <p:cNvPr id="163" name="Rectangle 162"/>
-          <p:cNvSpPr/>
-          <p:nvPr/>
-        </p:nvSpPr>
-        <p:spPr>
-          <a:xfrm>
-            <a:off x="7402110" y="3972188"/>
-            <a:ext cx="168318" cy="147637"/>
-          </a:xfrm>
-          <a:prstGeom prst="rect">
-            <a:avLst/>
-          </a:prstGeom>
-          <a:solidFill>
-            <a:srgbClr val="FF0000"/>
-          </a:solidFill>
-          <a:ln>
-            <a:solidFill>
-              <a:schemeClr val="tx1"/>
-            </a:solidFill>
-          </a:ln>
-        </p:spPr>
-        <p:style>
-          <a:lnRef idx="2">
-            <a:schemeClr val="accent1">
-              <a:shade val="50000"/>
-            </a:schemeClr>
-          </a:lnRef>
-          <a:fillRef idx="1">
-            <a:schemeClr val="accent1"/>
-          </a:fillRef>
-          <a:effectRef idx="0">
-            <a:schemeClr val="accent1"/>
-          </a:effectRef>
-          <a:fontRef idx="minor">
-            <a:schemeClr val="lt1"/>
-          </a:fontRef>
-        </p:style>
-        <p:txBody>
-          <a:bodyPr rtlCol="0" anchor="ctr"/>
-          <a:lstStyle/>
-          <a:p>
-            <a:pPr algn="ctr"/>
-            <a:endParaRPr lang="en-US"/>
-          </a:p>
-        </p:txBody>
-      </p:sp>
-      <p:sp>
-        <p:nvSpPr>
-          <p:cNvPr id="164" name="Rectangle 163"/>
-          <p:cNvSpPr/>
-          <p:nvPr/>
-        </p:nvSpPr>
-        <p:spPr>
-          <a:xfrm>
-            <a:off x="7402110" y="4377001"/>
-            <a:ext cx="180975" cy="209550"/>
-          </a:xfrm>
-          <a:prstGeom prst="rect">
-            <a:avLst/>
-          </a:prstGeom>
-          <a:solidFill>
-            <a:schemeClr val="bg1">
-              <a:lumMod val="50000"/>
-            </a:schemeClr>
-          </a:solidFill>
-          <a:ln>
-            <a:solidFill>
-              <a:schemeClr val="tx1"/>
-            </a:solidFill>
-          </a:ln>
-        </p:spPr>
-        <p:style>
-          <a:lnRef idx="2">
-            <a:schemeClr val="accent1">
-              <a:shade val="50000"/>
-            </a:schemeClr>
-          </a:lnRef>
-          <a:fillRef idx="1">
-            <a:schemeClr val="accent1"/>
-          </a:fillRef>
-          <a:effectRef idx="0">
-            <a:schemeClr val="accent1"/>
-          </a:effectRef>
-          <a:fontRef idx="minor">
-            <a:schemeClr val="lt1"/>
-          </a:fontRef>
-        </p:style>
-        <p:txBody>
-          <a:bodyPr rtlCol="0" anchor="ctr"/>
-          <a:lstStyle/>
-          <a:p>
-            <a:pPr algn="ctr"/>
-            <a:endParaRPr lang="en-US"/>
-          </a:p>
-        </p:txBody>
-      </p:sp>
-      <p:sp>
-        <p:nvSpPr>
-          <p:cNvPr id="165" name="Rectangle 164"/>
-          <p:cNvSpPr/>
-          <p:nvPr/>
-        </p:nvSpPr>
-        <p:spPr>
-          <a:xfrm>
-            <a:off x="7402224" y="4834197"/>
-            <a:ext cx="180975" cy="209550"/>
-          </a:xfrm>
-          <a:prstGeom prst="rect">
-            <a:avLst/>
-          </a:prstGeom>
-          <a:solidFill>
-            <a:schemeClr val="bg1">
-              <a:lumMod val="50000"/>
-            </a:schemeClr>
-          </a:solidFill>
-          <a:ln>
-            <a:solidFill>
-              <a:schemeClr val="tx1"/>
-            </a:solidFill>
-          </a:ln>
-        </p:spPr>
-        <p:style>
-          <a:lnRef idx="2">
-            <a:schemeClr val="accent1">
-              <a:shade val="50000"/>
-            </a:schemeClr>
-          </a:lnRef>
-          <a:fillRef idx="1">
-            <a:schemeClr val="accent1"/>
-          </a:fillRef>
-          <a:effectRef idx="0">
-            <a:schemeClr val="accent1"/>
-          </a:effectRef>
-          <a:fontRef idx="minor">
-            <a:schemeClr val="lt1"/>
-          </a:fontRef>
-        </p:style>
-        <p:txBody>
-          <a:bodyPr rtlCol="0" anchor="ctr"/>
-          <a:lstStyle/>
-          <a:p>
-            <a:pPr algn="ctr"/>
-            <a:endParaRPr lang="en-US"/>
-          </a:p>
-        </p:txBody>
-      </p:sp>
-      <p:sp>
-        <p:nvSpPr>
           <p:cNvPr id="166" name="Rectangle 165"/>
           <p:cNvSpPr/>
           <p:nvPr/>
@@ -8852,8 +8857,9 @@
             <a:avLst/>
           </a:prstGeom>
           <a:solidFill>
-            <a:schemeClr val="bg1">
-              <a:lumMod val="50000"/>
+            <a:schemeClr val="accent2">
+              <a:lumMod val="40000"/>
+              <a:lumOff val="60000"/>
             </a:schemeClr>
           </a:solidFill>
           <a:ln>
@@ -8953,10 +8959,7 @@
             <a:avLst/>
           </a:prstGeom>
           <a:solidFill>
-            <a:schemeClr val="accent1">
-              <a:lumMod val="40000"/>
-              <a:lumOff val="60000"/>
-            </a:schemeClr>
+            <a:srgbClr val="FFFF00"/>
           </a:solidFill>
           <a:ln>
             <a:solidFill>
@@ -9004,10 +9007,7 @@
             <a:avLst/>
           </a:prstGeom>
           <a:solidFill>
-            <a:schemeClr val="accent1">
-              <a:lumMod val="40000"/>
-              <a:lumOff val="60000"/>
-            </a:schemeClr>
+            <a:srgbClr val="FFFF00"/>
           </a:solidFill>
           <a:ln>
             <a:solidFill>
@@ -9055,9 +9055,9 @@
             <a:avLst/>
           </a:prstGeom>
           <a:solidFill>
-            <a:schemeClr val="accent1">
-              <a:lumMod val="40000"/>
-              <a:lumOff val="60000"/>
+            <a:schemeClr val="accent4">
+              <a:lumMod val="60000"/>
+              <a:lumOff val="40000"/>
             </a:schemeClr>
           </a:solidFill>
           <a:ln>
@@ -14336,10 +14336,7 @@
             <a:avLst/>
           </a:prstGeom>
           <a:solidFill>
-            <a:schemeClr val="accent1">
-              <a:lumMod val="40000"/>
-              <a:lumOff val="60000"/>
-            </a:schemeClr>
+            <a:srgbClr val="FFFF00"/>
           </a:solidFill>
           <a:ln>
             <a:solidFill>
@@ -14387,10 +14384,7 @@
             <a:avLst/>
           </a:prstGeom>
           <a:solidFill>
-            <a:schemeClr val="accent1">
-              <a:lumMod val="40000"/>
-              <a:lumOff val="60000"/>
-            </a:schemeClr>
+            <a:srgbClr val="FFFF00"/>
           </a:solidFill>
           <a:ln>
             <a:solidFill>
@@ -14438,10 +14432,7 @@
             <a:avLst/>
           </a:prstGeom>
           <a:solidFill>
-            <a:schemeClr val="accent1">
-              <a:lumMod val="40000"/>
-              <a:lumOff val="60000"/>
-            </a:schemeClr>
+            <a:srgbClr val="FFFF00"/>
           </a:solidFill>
           <a:ln>
             <a:solidFill>
@@ -14489,10 +14480,7 @@
             <a:avLst/>
           </a:prstGeom>
           <a:solidFill>
-            <a:schemeClr val="accent1">
-              <a:lumMod val="40000"/>
-              <a:lumOff val="60000"/>
-            </a:schemeClr>
+            <a:srgbClr val="FFFF00"/>
           </a:solidFill>
           <a:ln>
             <a:solidFill>
@@ -16631,6 +16619,40 @@
           <a:p>
             <a:r>
               <a:rPr lang="en-US" b="1" dirty="0" smtClean="0"/>
+              <a:t>0</a:t>
+            </a:r>
+            <a:endParaRPr lang="en-US" b="1" dirty="0"/>
+          </a:p>
+        </p:txBody>
+      </p:sp>
+      <p:sp>
+        <p:nvSpPr>
+          <p:cNvPr id="346" name="TextBox 345"/>
+          <p:cNvSpPr txBox="1"/>
+          <p:nvPr/>
+        </p:nvSpPr>
+        <p:spPr>
+          <a:xfrm>
+            <a:off x="3821168" y="5725378"/>
+            <a:ext cx="301686" cy="369332"/>
+          </a:xfrm>
+          <a:prstGeom prst="rect">
+            <a:avLst/>
+          </a:prstGeom>
+          <a:solidFill>
+            <a:schemeClr val="bg1">
+              <a:alpha val="50000"/>
+            </a:schemeClr>
+          </a:solidFill>
+        </p:spPr>
+        <p:txBody>
+          <a:bodyPr wrap="none" rtlCol="0">
+            <a:spAutoFit/>
+          </a:bodyPr>
+          <a:lstStyle/>
+          <a:p>
+            <a:r>
+              <a:rPr lang="en-US" b="1" dirty="0" smtClean="0"/>
               <a:t>2</a:t>
             </a:r>
             <a:endParaRPr lang="en-US" b="1" dirty="0"/>
@@ -16639,13 +16661,47 @@
       </p:sp>
       <p:sp>
         <p:nvSpPr>
-          <p:cNvPr id="346" name="TextBox 345"/>
+          <p:cNvPr id="347" name="TextBox 346"/>
           <p:cNvSpPr txBox="1"/>
           <p:nvPr/>
         </p:nvSpPr>
         <p:spPr>
           <a:xfrm>
-            <a:off x="3821168" y="5725378"/>
+            <a:off x="5424150" y="5731196"/>
+            <a:ext cx="301686" cy="369332"/>
+          </a:xfrm>
+          <a:prstGeom prst="rect">
+            <a:avLst/>
+          </a:prstGeom>
+          <a:solidFill>
+            <a:schemeClr val="bg1">
+              <a:alpha val="50000"/>
+            </a:schemeClr>
+          </a:solidFill>
+        </p:spPr>
+        <p:txBody>
+          <a:bodyPr wrap="none" rtlCol="0">
+            <a:spAutoFit/>
+          </a:bodyPr>
+          <a:lstStyle/>
+          <a:p>
+            <a:r>
+              <a:rPr lang="en-US" b="1" dirty="0" smtClean="0"/>
+              <a:t>2</a:t>
+            </a:r>
+            <a:endParaRPr lang="en-US" b="1" dirty="0"/>
+          </a:p>
+        </p:txBody>
+      </p:sp>
+      <p:sp>
+        <p:nvSpPr>
+          <p:cNvPr id="348" name="TextBox 347"/>
+          <p:cNvSpPr txBox="1"/>
+          <p:nvPr/>
+        </p:nvSpPr>
+        <p:spPr>
+          <a:xfrm>
+            <a:off x="4602600" y="5725378"/>
             <a:ext cx="301686" cy="369332"/>
           </a:xfrm>
           <a:prstGeom prst="rect">
@@ -16673,13 +16729,147 @@
       </p:sp>
       <p:sp>
         <p:nvSpPr>
-          <p:cNvPr id="347" name="TextBox 346"/>
+          <p:cNvPr id="349" name="TextBox 348"/>
           <p:cNvSpPr txBox="1"/>
           <p:nvPr/>
         </p:nvSpPr>
         <p:spPr>
           <a:xfrm>
-            <a:off x="5424150" y="5731196"/>
+            <a:off x="6117629" y="3871369"/>
+            <a:ext cx="301686" cy="369332"/>
+          </a:xfrm>
+          <a:prstGeom prst="rect">
+            <a:avLst/>
+          </a:prstGeom>
+          <a:solidFill>
+            <a:schemeClr val="bg1">
+              <a:alpha val="50000"/>
+            </a:schemeClr>
+          </a:solidFill>
+        </p:spPr>
+        <p:txBody>
+          <a:bodyPr wrap="none" rtlCol="0">
+            <a:spAutoFit/>
+          </a:bodyPr>
+          <a:lstStyle/>
+          <a:p>
+            <a:r>
+              <a:rPr lang="en-US" b="1" dirty="0"/>
+              <a:t>0</a:t>
+            </a:r>
+          </a:p>
+        </p:txBody>
+      </p:sp>
+      <p:sp>
+        <p:nvSpPr>
+          <p:cNvPr id="350" name="TextBox 349"/>
+          <p:cNvSpPr txBox="1"/>
+          <p:nvPr/>
+        </p:nvSpPr>
+        <p:spPr>
+          <a:xfrm>
+            <a:off x="6922189" y="3863963"/>
+            <a:ext cx="301686" cy="369332"/>
+          </a:xfrm>
+          <a:prstGeom prst="rect">
+            <a:avLst/>
+          </a:prstGeom>
+          <a:solidFill>
+            <a:schemeClr val="bg1">
+              <a:alpha val="50000"/>
+            </a:schemeClr>
+          </a:solidFill>
+        </p:spPr>
+        <p:txBody>
+          <a:bodyPr wrap="none" rtlCol="0">
+            <a:spAutoFit/>
+          </a:bodyPr>
+          <a:lstStyle/>
+          <a:p>
+            <a:r>
+              <a:rPr lang="en-US" b="1" dirty="0" smtClean="0"/>
+              <a:t>1</a:t>
+            </a:r>
+            <a:endParaRPr lang="en-US" b="1" dirty="0"/>
+          </a:p>
+        </p:txBody>
+      </p:sp>
+      <p:sp>
+        <p:nvSpPr>
+          <p:cNvPr id="351" name="TextBox 350"/>
+          <p:cNvSpPr txBox="1"/>
+          <p:nvPr/>
+        </p:nvSpPr>
+        <p:spPr>
+          <a:xfrm>
+            <a:off x="7727957" y="3857359"/>
+            <a:ext cx="301686" cy="369332"/>
+          </a:xfrm>
+          <a:prstGeom prst="rect">
+            <a:avLst/>
+          </a:prstGeom>
+          <a:solidFill>
+            <a:schemeClr val="bg1">
+              <a:alpha val="50000"/>
+            </a:schemeClr>
+          </a:solidFill>
+        </p:spPr>
+        <p:txBody>
+          <a:bodyPr wrap="none" rtlCol="0">
+            <a:spAutoFit/>
+          </a:bodyPr>
+          <a:lstStyle/>
+          <a:p>
+            <a:r>
+              <a:rPr lang="en-US" b="1" dirty="0"/>
+              <a:t>0</a:t>
+            </a:r>
+          </a:p>
+        </p:txBody>
+      </p:sp>
+      <p:sp>
+        <p:nvSpPr>
+          <p:cNvPr id="352" name="TextBox 351"/>
+          <p:cNvSpPr txBox="1"/>
+          <p:nvPr/>
+        </p:nvSpPr>
+        <p:spPr>
+          <a:xfrm>
+            <a:off x="6112994" y="4534576"/>
+            <a:ext cx="301686" cy="369332"/>
+          </a:xfrm>
+          <a:prstGeom prst="rect">
+            <a:avLst/>
+          </a:prstGeom>
+          <a:solidFill>
+            <a:schemeClr val="bg1">
+              <a:alpha val="50000"/>
+            </a:schemeClr>
+          </a:solidFill>
+        </p:spPr>
+        <p:txBody>
+          <a:bodyPr wrap="none" rtlCol="0">
+            <a:spAutoFit/>
+          </a:bodyPr>
+          <a:lstStyle/>
+          <a:p>
+            <a:r>
+              <a:rPr lang="en-US" b="1" dirty="0" smtClean="0"/>
+              <a:t>2</a:t>
+            </a:r>
+            <a:endParaRPr lang="en-US" b="1" dirty="0"/>
+          </a:p>
+        </p:txBody>
+      </p:sp>
+      <p:sp>
+        <p:nvSpPr>
+          <p:cNvPr id="353" name="TextBox 352"/>
+          <p:cNvSpPr txBox="1"/>
+          <p:nvPr/>
+        </p:nvSpPr>
+        <p:spPr>
+          <a:xfrm>
+            <a:off x="6917554" y="4527170"/>
             <a:ext cx="301686" cy="369332"/>
           </a:xfrm>
           <a:prstGeom prst="rect">
@@ -16707,13 +16897,455 @@
       </p:sp>
       <p:sp>
         <p:nvSpPr>
-          <p:cNvPr id="348" name="TextBox 347"/>
+          <p:cNvPr id="354" name="TextBox 353"/>
           <p:cNvSpPr txBox="1"/>
           <p:nvPr/>
         </p:nvSpPr>
         <p:spPr>
           <a:xfrm>
-            <a:off x="4602600" y="5725378"/>
+            <a:off x="7723322" y="4520566"/>
+            <a:ext cx="301686" cy="369332"/>
+          </a:xfrm>
+          <a:prstGeom prst="rect">
+            <a:avLst/>
+          </a:prstGeom>
+          <a:solidFill>
+            <a:schemeClr val="bg1">
+              <a:alpha val="50000"/>
+            </a:schemeClr>
+          </a:solidFill>
+        </p:spPr>
+        <p:txBody>
+          <a:bodyPr wrap="none" rtlCol="0">
+            <a:spAutoFit/>
+          </a:bodyPr>
+          <a:lstStyle/>
+          <a:p>
+            <a:r>
+              <a:rPr lang="en-US" b="1" dirty="0" smtClean="0"/>
+              <a:t>2</a:t>
+            </a:r>
+            <a:endParaRPr lang="en-US" b="1" dirty="0"/>
+          </a:p>
+        </p:txBody>
+      </p:sp>
+      <p:sp>
+        <p:nvSpPr>
+          <p:cNvPr id="355" name="TextBox 354"/>
+          <p:cNvSpPr txBox="1"/>
+          <p:nvPr/>
+        </p:nvSpPr>
+        <p:spPr>
+          <a:xfrm>
+            <a:off x="6108561" y="5721136"/>
+            <a:ext cx="301686" cy="369332"/>
+          </a:xfrm>
+          <a:prstGeom prst="rect">
+            <a:avLst/>
+          </a:prstGeom>
+          <a:solidFill>
+            <a:schemeClr val="bg1">
+              <a:alpha val="50000"/>
+            </a:schemeClr>
+          </a:solidFill>
+        </p:spPr>
+        <p:txBody>
+          <a:bodyPr wrap="none" rtlCol="0">
+            <a:spAutoFit/>
+          </a:bodyPr>
+          <a:lstStyle/>
+          <a:p>
+            <a:r>
+              <a:rPr lang="en-US" b="1" dirty="0" smtClean="0"/>
+              <a:t>6</a:t>
+            </a:r>
+            <a:endParaRPr lang="en-US" b="1" dirty="0"/>
+          </a:p>
+        </p:txBody>
+      </p:sp>
+      <p:sp>
+        <p:nvSpPr>
+          <p:cNvPr id="356" name="TextBox 355"/>
+          <p:cNvSpPr txBox="1"/>
+          <p:nvPr/>
+        </p:nvSpPr>
+        <p:spPr>
+          <a:xfrm>
+            <a:off x="6913121" y="5713730"/>
+            <a:ext cx="301686" cy="369332"/>
+          </a:xfrm>
+          <a:prstGeom prst="rect">
+            <a:avLst/>
+          </a:prstGeom>
+          <a:solidFill>
+            <a:schemeClr val="bg1">
+              <a:alpha val="50000"/>
+            </a:schemeClr>
+          </a:solidFill>
+        </p:spPr>
+        <p:txBody>
+          <a:bodyPr wrap="none" rtlCol="0">
+            <a:spAutoFit/>
+          </a:bodyPr>
+          <a:lstStyle/>
+          <a:p>
+            <a:r>
+              <a:rPr lang="en-US" b="1" dirty="0" smtClean="0"/>
+              <a:t>7</a:t>
+            </a:r>
+            <a:endParaRPr lang="en-US" b="1" dirty="0"/>
+          </a:p>
+        </p:txBody>
+      </p:sp>
+      <p:sp>
+        <p:nvSpPr>
+          <p:cNvPr id="357" name="TextBox 356"/>
+          <p:cNvSpPr txBox="1"/>
+          <p:nvPr/>
+        </p:nvSpPr>
+        <p:spPr>
+          <a:xfrm>
+            <a:off x="7699839" y="5707126"/>
+            <a:ext cx="301686" cy="369332"/>
+          </a:xfrm>
+          <a:prstGeom prst="rect">
+            <a:avLst/>
+          </a:prstGeom>
+          <a:solidFill>
+            <a:schemeClr val="bg1">
+              <a:alpha val="50000"/>
+            </a:schemeClr>
+          </a:solidFill>
+        </p:spPr>
+        <p:txBody>
+          <a:bodyPr wrap="none" rtlCol="0">
+            <a:spAutoFit/>
+          </a:bodyPr>
+          <a:lstStyle/>
+          <a:p>
+            <a:r>
+              <a:rPr lang="en-US" b="1" dirty="0" smtClean="0"/>
+              <a:t>6</a:t>
+            </a:r>
+            <a:endParaRPr lang="en-US" b="1" dirty="0"/>
+          </a:p>
+        </p:txBody>
+      </p:sp>
+      <p:sp>
+        <p:nvSpPr>
+          <p:cNvPr id="358" name="TextBox 357"/>
+          <p:cNvSpPr txBox="1"/>
+          <p:nvPr/>
+        </p:nvSpPr>
+        <p:spPr>
+          <a:xfrm>
+            <a:off x="8634939" y="4589278"/>
+            <a:ext cx="301686" cy="369332"/>
+          </a:xfrm>
+          <a:prstGeom prst="rect">
+            <a:avLst/>
+          </a:prstGeom>
+          <a:solidFill>
+            <a:schemeClr val="bg1">
+              <a:alpha val="50000"/>
+            </a:schemeClr>
+          </a:solidFill>
+        </p:spPr>
+        <p:txBody>
+          <a:bodyPr wrap="none" rtlCol="0">
+            <a:spAutoFit/>
+          </a:bodyPr>
+          <a:lstStyle/>
+          <a:p>
+            <a:r>
+              <a:rPr lang="en-US" b="1" dirty="0" smtClean="0"/>
+              <a:t>1</a:t>
+            </a:r>
+            <a:endParaRPr lang="en-US" b="1" dirty="0"/>
+          </a:p>
+        </p:txBody>
+      </p:sp>
+      <p:sp>
+        <p:nvSpPr>
+          <p:cNvPr id="359" name="TextBox 358"/>
+          <p:cNvSpPr txBox="1"/>
+          <p:nvPr/>
+        </p:nvSpPr>
+        <p:spPr>
+          <a:xfrm>
+            <a:off x="9249536" y="4582105"/>
+            <a:ext cx="301686" cy="369332"/>
+          </a:xfrm>
+          <a:prstGeom prst="rect">
+            <a:avLst/>
+          </a:prstGeom>
+          <a:solidFill>
+            <a:schemeClr val="bg1">
+              <a:alpha val="50000"/>
+            </a:schemeClr>
+          </a:solidFill>
+        </p:spPr>
+        <p:txBody>
+          <a:bodyPr wrap="none" rtlCol="0">
+            <a:spAutoFit/>
+          </a:bodyPr>
+          <a:lstStyle/>
+          <a:p>
+            <a:r>
+              <a:rPr lang="en-US" b="1" dirty="0"/>
+              <a:t>0</a:t>
+            </a:r>
+          </a:p>
+        </p:txBody>
+      </p:sp>
+      <p:sp>
+        <p:nvSpPr>
+          <p:cNvPr id="360" name="TextBox 359"/>
+          <p:cNvSpPr txBox="1"/>
+          <p:nvPr/>
+        </p:nvSpPr>
+        <p:spPr>
+          <a:xfrm>
+            <a:off x="9835088" y="4553023"/>
+            <a:ext cx="301686" cy="369332"/>
+          </a:xfrm>
+          <a:prstGeom prst="rect">
+            <a:avLst/>
+          </a:prstGeom>
+          <a:solidFill>
+            <a:schemeClr val="bg1">
+              <a:alpha val="50000"/>
+            </a:schemeClr>
+          </a:solidFill>
+        </p:spPr>
+        <p:txBody>
+          <a:bodyPr wrap="none" rtlCol="0">
+            <a:spAutoFit/>
+          </a:bodyPr>
+          <a:lstStyle/>
+          <a:p>
+            <a:r>
+              <a:rPr lang="en-US" b="1" dirty="0" smtClean="0"/>
+              <a:t>1</a:t>
+            </a:r>
+            <a:endParaRPr lang="en-US" b="1" dirty="0"/>
+          </a:p>
+        </p:txBody>
+      </p:sp>
+      <p:cxnSp>
+        <p:nvCxnSpPr>
+          <p:cNvPr id="361" name="Straight Connector 360"/>
+          <p:cNvCxnSpPr/>
+          <p:nvPr/>
+        </p:nvCxnSpPr>
+        <p:spPr>
+          <a:xfrm>
+            <a:off x="8423713" y="5664200"/>
+            <a:ext cx="1914071" cy="0"/>
+          </a:xfrm>
+          <a:prstGeom prst="line">
+            <a:avLst/>
+          </a:prstGeom>
+          <a:ln w="12700">
+            <a:solidFill>
+              <a:schemeClr val="tx1"/>
+            </a:solidFill>
+          </a:ln>
+        </p:spPr>
+        <p:style>
+          <a:lnRef idx="1">
+            <a:schemeClr val="accent1"/>
+          </a:lnRef>
+          <a:fillRef idx="0">
+            <a:schemeClr val="accent1"/>
+          </a:fillRef>
+          <a:effectRef idx="0">
+            <a:schemeClr val="accent1"/>
+          </a:effectRef>
+          <a:fontRef idx="minor">
+            <a:schemeClr val="tx1"/>
+          </a:fontRef>
+        </p:style>
+      </p:cxnSp>
+      <p:sp>
+        <p:nvSpPr>
+          <p:cNvPr id="362" name="TextBox 361"/>
+          <p:cNvSpPr txBox="1"/>
+          <p:nvPr/>
+        </p:nvSpPr>
+        <p:spPr>
+          <a:xfrm>
+            <a:off x="8609006" y="5709566"/>
+            <a:ext cx="301686" cy="369332"/>
+          </a:xfrm>
+          <a:prstGeom prst="rect">
+            <a:avLst/>
+          </a:prstGeom>
+          <a:solidFill>
+            <a:schemeClr val="bg1">
+              <a:alpha val="50000"/>
+            </a:schemeClr>
+          </a:solidFill>
+        </p:spPr>
+        <p:txBody>
+          <a:bodyPr wrap="none" rtlCol="0">
+            <a:spAutoFit/>
+          </a:bodyPr>
+          <a:lstStyle/>
+          <a:p>
+            <a:r>
+              <a:rPr lang="en-US" b="1" dirty="0" smtClean="0"/>
+              <a:t>3</a:t>
+            </a:r>
+            <a:endParaRPr lang="en-US" b="1" dirty="0"/>
+          </a:p>
+        </p:txBody>
+      </p:sp>
+      <p:sp>
+        <p:nvSpPr>
+          <p:cNvPr id="363" name="TextBox 362"/>
+          <p:cNvSpPr txBox="1"/>
+          <p:nvPr/>
+        </p:nvSpPr>
+        <p:spPr>
+          <a:xfrm>
+            <a:off x="9223603" y="5702393"/>
+            <a:ext cx="301686" cy="369332"/>
+          </a:xfrm>
+          <a:prstGeom prst="rect">
+            <a:avLst/>
+          </a:prstGeom>
+          <a:solidFill>
+            <a:schemeClr val="bg1">
+              <a:alpha val="50000"/>
+            </a:schemeClr>
+          </a:solidFill>
+        </p:spPr>
+        <p:txBody>
+          <a:bodyPr wrap="none" rtlCol="0">
+            <a:spAutoFit/>
+          </a:bodyPr>
+          <a:lstStyle/>
+          <a:p>
+            <a:r>
+              <a:rPr lang="en-US" b="1" dirty="0" smtClean="0"/>
+              <a:t>2</a:t>
+            </a:r>
+            <a:endParaRPr lang="en-US" b="1" dirty="0"/>
+          </a:p>
+        </p:txBody>
+      </p:sp>
+      <p:sp>
+        <p:nvSpPr>
+          <p:cNvPr id="364" name="TextBox 363"/>
+          <p:cNvSpPr txBox="1"/>
+          <p:nvPr/>
+        </p:nvSpPr>
+        <p:spPr>
+          <a:xfrm>
+            <a:off x="9838449" y="5689564"/>
+            <a:ext cx="301686" cy="369332"/>
+          </a:xfrm>
+          <a:prstGeom prst="rect">
+            <a:avLst/>
+          </a:prstGeom>
+          <a:solidFill>
+            <a:schemeClr val="bg1">
+              <a:alpha val="50000"/>
+            </a:schemeClr>
+          </a:solidFill>
+        </p:spPr>
+        <p:txBody>
+          <a:bodyPr wrap="none" rtlCol="0">
+            <a:spAutoFit/>
+          </a:bodyPr>
+          <a:lstStyle/>
+          <a:p>
+            <a:r>
+              <a:rPr lang="en-US" b="1" dirty="0" smtClean="0"/>
+              <a:t>3</a:t>
+            </a:r>
+            <a:endParaRPr lang="en-US" b="1" dirty="0"/>
+          </a:p>
+        </p:txBody>
+      </p:sp>
+      <p:sp>
+        <p:nvSpPr>
+          <p:cNvPr id="365" name="TextBox 364"/>
+          <p:cNvSpPr txBox="1"/>
+          <p:nvPr/>
+        </p:nvSpPr>
+        <p:spPr>
+          <a:xfrm>
+            <a:off x="3044733" y="4951437"/>
+            <a:ext cx="301686" cy="369332"/>
+          </a:xfrm>
+          <a:prstGeom prst="rect">
+            <a:avLst/>
+          </a:prstGeom>
+          <a:solidFill>
+            <a:schemeClr val="bg1">
+              <a:alpha val="50000"/>
+            </a:schemeClr>
+          </a:solidFill>
+        </p:spPr>
+        <p:txBody>
+          <a:bodyPr wrap="none" rtlCol="0">
+            <a:spAutoFit/>
+          </a:bodyPr>
+          <a:lstStyle/>
+          <a:p>
+            <a:r>
+              <a:rPr lang="en-US" b="1" dirty="0"/>
+              <a:t>0</a:t>
+            </a:r>
+          </a:p>
+        </p:txBody>
+      </p:sp>
+      <p:cxnSp>
+        <p:nvCxnSpPr>
+          <p:cNvPr id="366" name="Straight Connector 365"/>
+          <p:cNvCxnSpPr/>
+          <p:nvPr/>
+        </p:nvCxnSpPr>
+        <p:spPr>
+          <a:xfrm>
+            <a:off x="6099627" y="5167577"/>
+            <a:ext cx="1914071" cy="0"/>
+          </a:xfrm>
+          <a:prstGeom prst="line">
+            <a:avLst/>
+          </a:prstGeom>
+          <a:ln w="12700" cmpd="dbl">
+            <a:solidFill>
+              <a:schemeClr val="tx1"/>
+            </a:solidFill>
+          </a:ln>
+        </p:spPr>
+        <p:style>
+          <a:lnRef idx="1">
+            <a:schemeClr val="accent1"/>
+          </a:lnRef>
+          <a:fillRef idx="0">
+            <a:schemeClr val="accent1"/>
+          </a:fillRef>
+          <a:effectRef idx="0">
+            <a:schemeClr val="accent1"/>
+          </a:effectRef>
+          <a:fontRef idx="minor">
+            <a:schemeClr val="tx1"/>
+          </a:fontRef>
+        </p:style>
+      </p:cxnSp>
+      <p:sp>
+        <p:nvSpPr>
+          <p:cNvPr id="367" name="TextBox 366"/>
+          <p:cNvSpPr txBox="1"/>
+          <p:nvPr/>
+        </p:nvSpPr>
+        <p:spPr>
+          <a:xfrm>
+            <a:off x="6119983" y="5206305"/>
             <a:ext cx="301686" cy="369332"/>
           </a:xfrm>
           <a:prstGeom prst="rect">
@@ -16741,13 +17373,13 @@
       </p:sp>
       <p:sp>
         <p:nvSpPr>
-          <p:cNvPr id="349" name="TextBox 348"/>
+          <p:cNvPr id="368" name="TextBox 367"/>
           <p:cNvSpPr txBox="1"/>
           <p:nvPr/>
         </p:nvSpPr>
         <p:spPr>
           <a:xfrm>
-            <a:off x="6117629" y="3871369"/>
+            <a:off x="6923612" y="5199125"/>
             <a:ext cx="301686" cy="369332"/>
           </a:xfrm>
           <a:prstGeom prst="rect">
@@ -16766,41 +17398,8 @@
           <a:lstStyle/>
           <a:p>
             <a:r>
-              <a:rPr lang="en-US" b="1" dirty="0"/>
-              <a:t>0</a:t>
-            </a:r>
-          </a:p>
-        </p:txBody>
-      </p:sp>
-      <p:sp>
-        <p:nvSpPr>
-          <p:cNvPr id="350" name="TextBox 349"/>
-          <p:cNvSpPr txBox="1"/>
-          <p:nvPr/>
-        </p:nvSpPr>
-        <p:spPr>
-          <a:xfrm>
-            <a:off x="6922189" y="3863963"/>
-            <a:ext cx="301686" cy="369332"/>
-          </a:xfrm>
-          <a:prstGeom prst="rect">
-            <a:avLst/>
-          </a:prstGeom>
-          <a:solidFill>
-            <a:schemeClr val="bg1">
-              <a:alpha val="50000"/>
-            </a:schemeClr>
-          </a:solidFill>
-        </p:spPr>
-        <p:txBody>
-          <a:bodyPr wrap="none" rtlCol="0">
-            <a:spAutoFit/>
-          </a:bodyPr>
-          <a:lstStyle/>
-          <a:p>
-            <a:r>
               <a:rPr lang="en-US" b="1" dirty="0" smtClean="0"/>
-              <a:t>1</a:t>
+              <a:t>5</a:t>
             </a:r>
             <a:endParaRPr lang="en-US" b="1" dirty="0"/>
           </a:p>
@@ -16808,115 +17407,13 @@
       </p:sp>
       <p:sp>
         <p:nvSpPr>
-          <p:cNvPr id="351" name="TextBox 350"/>
+          <p:cNvPr id="369" name="TextBox 368"/>
           <p:cNvSpPr txBox="1"/>
           <p:nvPr/>
         </p:nvSpPr>
         <p:spPr>
           <a:xfrm>
-            <a:off x="7727957" y="3857359"/>
-            <a:ext cx="301686" cy="369332"/>
-          </a:xfrm>
-          <a:prstGeom prst="rect">
-            <a:avLst/>
-          </a:prstGeom>
-          <a:solidFill>
-            <a:schemeClr val="bg1">
-              <a:alpha val="50000"/>
-            </a:schemeClr>
-          </a:solidFill>
-        </p:spPr>
-        <p:txBody>
-          <a:bodyPr wrap="none" rtlCol="0">
-            <a:spAutoFit/>
-          </a:bodyPr>
-          <a:lstStyle/>
-          <a:p>
-            <a:r>
-              <a:rPr lang="en-US" b="1" dirty="0"/>
-              <a:t>0</a:t>
-            </a:r>
-            <a:endParaRPr lang="en-US" b="1" dirty="0"/>
-          </a:p>
-        </p:txBody>
-      </p:sp>
-      <p:sp>
-        <p:nvSpPr>
-          <p:cNvPr id="352" name="TextBox 351"/>
-          <p:cNvSpPr txBox="1"/>
-          <p:nvPr/>
-        </p:nvSpPr>
-        <p:spPr>
-          <a:xfrm>
-            <a:off x="6112994" y="4534576"/>
-            <a:ext cx="301686" cy="369332"/>
-          </a:xfrm>
-          <a:prstGeom prst="rect">
-            <a:avLst/>
-          </a:prstGeom>
-          <a:solidFill>
-            <a:schemeClr val="bg1">
-              <a:alpha val="50000"/>
-            </a:schemeClr>
-          </a:solidFill>
-        </p:spPr>
-        <p:txBody>
-          <a:bodyPr wrap="none" rtlCol="0">
-            <a:spAutoFit/>
-          </a:bodyPr>
-          <a:lstStyle/>
-          <a:p>
-            <a:r>
-              <a:rPr lang="en-US" b="1" dirty="0" smtClean="0"/>
-              <a:t>2</a:t>
-            </a:r>
-            <a:endParaRPr lang="en-US" b="1" dirty="0"/>
-          </a:p>
-        </p:txBody>
-      </p:sp>
-      <p:sp>
-        <p:nvSpPr>
-          <p:cNvPr id="353" name="TextBox 352"/>
-          <p:cNvSpPr txBox="1"/>
-          <p:nvPr/>
-        </p:nvSpPr>
-        <p:spPr>
-          <a:xfrm>
-            <a:off x="6917554" y="4527170"/>
-            <a:ext cx="301686" cy="369332"/>
-          </a:xfrm>
-          <a:prstGeom prst="rect">
-            <a:avLst/>
-          </a:prstGeom>
-          <a:solidFill>
-            <a:schemeClr val="bg1">
-              <a:alpha val="50000"/>
-            </a:schemeClr>
-          </a:solidFill>
-        </p:spPr>
-        <p:txBody>
-          <a:bodyPr wrap="none" rtlCol="0">
-            <a:spAutoFit/>
-          </a:bodyPr>
-          <a:lstStyle/>
-          <a:p>
-            <a:r>
-              <a:rPr lang="en-US" b="1" dirty="0" smtClean="0"/>
-              <a:t>3</a:t>
-            </a:r>
-            <a:endParaRPr lang="en-US" b="1" dirty="0"/>
-          </a:p>
-        </p:txBody>
-      </p:sp>
-      <p:sp>
-        <p:nvSpPr>
-          <p:cNvPr id="354" name="TextBox 353"/>
-          <p:cNvSpPr txBox="1"/>
-          <p:nvPr/>
-        </p:nvSpPr>
-        <p:spPr>
-          <a:xfrm>
-            <a:off x="7723322" y="4520566"/>
+            <a:off x="7710721" y="5215445"/>
             <a:ext cx="301686" cy="369332"/>
           </a:xfrm>
           <a:prstGeom prst="rect">
@@ -16939,380 +17436,6 @@
               <a:t>4</a:t>
             </a:r>
             <a:endParaRPr lang="en-US" b="1" dirty="0"/>
-          </a:p>
-        </p:txBody>
-      </p:sp>
-      <p:sp>
-        <p:nvSpPr>
-          <p:cNvPr id="355" name="TextBox 354"/>
-          <p:cNvSpPr txBox="1"/>
-          <p:nvPr/>
-        </p:nvSpPr>
-        <p:spPr>
-          <a:xfrm>
-            <a:off x="6108561" y="5721136"/>
-            <a:ext cx="301686" cy="369332"/>
-          </a:xfrm>
-          <a:prstGeom prst="rect">
-            <a:avLst/>
-          </a:prstGeom>
-          <a:solidFill>
-            <a:schemeClr val="bg1">
-              <a:alpha val="50000"/>
-            </a:schemeClr>
-          </a:solidFill>
-        </p:spPr>
-        <p:txBody>
-          <a:bodyPr wrap="none" rtlCol="0">
-            <a:spAutoFit/>
-          </a:bodyPr>
-          <a:lstStyle/>
-          <a:p>
-            <a:r>
-              <a:rPr lang="en-US" b="1" dirty="0" smtClean="0"/>
-              <a:t>5</a:t>
-            </a:r>
-            <a:endParaRPr lang="en-US" b="1" dirty="0"/>
-          </a:p>
-        </p:txBody>
-      </p:sp>
-      <p:sp>
-        <p:nvSpPr>
-          <p:cNvPr id="356" name="TextBox 355"/>
-          <p:cNvSpPr txBox="1"/>
-          <p:nvPr/>
-        </p:nvSpPr>
-        <p:spPr>
-          <a:xfrm>
-            <a:off x="6913121" y="5713730"/>
-            <a:ext cx="301686" cy="369332"/>
-          </a:xfrm>
-          <a:prstGeom prst="rect">
-            <a:avLst/>
-          </a:prstGeom>
-          <a:solidFill>
-            <a:schemeClr val="bg1">
-              <a:alpha val="50000"/>
-            </a:schemeClr>
-          </a:solidFill>
-        </p:spPr>
-        <p:txBody>
-          <a:bodyPr wrap="none" rtlCol="0">
-            <a:spAutoFit/>
-          </a:bodyPr>
-          <a:lstStyle/>
-          <a:p>
-            <a:r>
-              <a:rPr lang="en-US" b="1" dirty="0" smtClean="0"/>
-              <a:t>6</a:t>
-            </a:r>
-            <a:endParaRPr lang="en-US" b="1" dirty="0"/>
-          </a:p>
-        </p:txBody>
-      </p:sp>
-      <p:sp>
-        <p:nvSpPr>
-          <p:cNvPr id="357" name="TextBox 356"/>
-          <p:cNvSpPr txBox="1"/>
-          <p:nvPr/>
-        </p:nvSpPr>
-        <p:spPr>
-          <a:xfrm>
-            <a:off x="7718889" y="5707126"/>
-            <a:ext cx="301686" cy="369332"/>
-          </a:xfrm>
-          <a:prstGeom prst="rect">
-            <a:avLst/>
-          </a:prstGeom>
-          <a:solidFill>
-            <a:schemeClr val="bg1">
-              <a:alpha val="50000"/>
-            </a:schemeClr>
-          </a:solidFill>
-        </p:spPr>
-        <p:txBody>
-          <a:bodyPr wrap="none" rtlCol="0">
-            <a:spAutoFit/>
-          </a:bodyPr>
-          <a:lstStyle/>
-          <a:p>
-            <a:r>
-              <a:rPr lang="en-US" b="1" dirty="0" smtClean="0"/>
-              <a:t>5</a:t>
-            </a:r>
-            <a:endParaRPr lang="en-US" b="1" dirty="0"/>
-          </a:p>
-        </p:txBody>
-      </p:sp>
-      <p:sp>
-        <p:nvSpPr>
-          <p:cNvPr id="358" name="TextBox 357"/>
-          <p:cNvSpPr txBox="1"/>
-          <p:nvPr/>
-        </p:nvSpPr>
-        <p:spPr>
-          <a:xfrm>
-            <a:off x="8634939" y="4589278"/>
-            <a:ext cx="301686" cy="369332"/>
-          </a:xfrm>
-          <a:prstGeom prst="rect">
-            <a:avLst/>
-          </a:prstGeom>
-          <a:solidFill>
-            <a:schemeClr val="bg1">
-              <a:alpha val="50000"/>
-            </a:schemeClr>
-          </a:solidFill>
-        </p:spPr>
-        <p:txBody>
-          <a:bodyPr wrap="none" rtlCol="0">
-            <a:spAutoFit/>
-          </a:bodyPr>
-          <a:lstStyle/>
-          <a:p>
-            <a:r>
-              <a:rPr lang="en-US" b="1" dirty="0" smtClean="0"/>
-              <a:t>1</a:t>
-            </a:r>
-            <a:endParaRPr lang="en-US" b="1" dirty="0"/>
-          </a:p>
-        </p:txBody>
-      </p:sp>
-      <p:sp>
-        <p:nvSpPr>
-          <p:cNvPr id="359" name="TextBox 358"/>
-          <p:cNvSpPr txBox="1"/>
-          <p:nvPr/>
-        </p:nvSpPr>
-        <p:spPr>
-          <a:xfrm>
-            <a:off x="9249536" y="4582105"/>
-            <a:ext cx="301686" cy="369332"/>
-          </a:xfrm>
-          <a:prstGeom prst="rect">
-            <a:avLst/>
-          </a:prstGeom>
-          <a:solidFill>
-            <a:schemeClr val="bg1">
-              <a:alpha val="50000"/>
-            </a:schemeClr>
-          </a:solidFill>
-        </p:spPr>
-        <p:txBody>
-          <a:bodyPr wrap="none" rtlCol="0">
-            <a:spAutoFit/>
-          </a:bodyPr>
-          <a:lstStyle/>
-          <a:p>
-            <a:r>
-              <a:rPr lang="en-US" b="1" dirty="0"/>
-              <a:t>0</a:t>
-            </a:r>
-            <a:endParaRPr lang="en-US" b="1" dirty="0"/>
-          </a:p>
-        </p:txBody>
-      </p:sp>
-      <p:sp>
-        <p:nvSpPr>
-          <p:cNvPr id="360" name="TextBox 359"/>
-          <p:cNvSpPr txBox="1"/>
-          <p:nvPr/>
-        </p:nvSpPr>
-        <p:spPr>
-          <a:xfrm>
-            <a:off x="9835088" y="4553023"/>
-            <a:ext cx="301686" cy="369332"/>
-          </a:xfrm>
-          <a:prstGeom prst="rect">
-            <a:avLst/>
-          </a:prstGeom>
-          <a:solidFill>
-            <a:schemeClr val="bg1">
-              <a:alpha val="50000"/>
-            </a:schemeClr>
-          </a:solidFill>
-        </p:spPr>
-        <p:txBody>
-          <a:bodyPr wrap="none" rtlCol="0">
-            <a:spAutoFit/>
-          </a:bodyPr>
-          <a:lstStyle/>
-          <a:p>
-            <a:r>
-              <a:rPr lang="en-US" b="1" dirty="0" smtClean="0"/>
-              <a:t>1</a:t>
-            </a:r>
-            <a:endParaRPr lang="en-US" b="1" dirty="0"/>
-          </a:p>
-        </p:txBody>
-      </p:sp>
-      <p:cxnSp>
-        <p:nvCxnSpPr>
-          <p:cNvPr id="361" name="Straight Connector 360"/>
-          <p:cNvCxnSpPr/>
-          <p:nvPr/>
-        </p:nvCxnSpPr>
-        <p:spPr>
-          <a:xfrm>
-            <a:off x="8423713" y="5664200"/>
-            <a:ext cx="1914071" cy="0"/>
-          </a:xfrm>
-          <a:prstGeom prst="line">
-            <a:avLst/>
-          </a:prstGeom>
-          <a:ln w="12700">
-            <a:solidFill>
-              <a:schemeClr val="tx1"/>
-            </a:solidFill>
-          </a:ln>
-        </p:spPr>
-        <p:style>
-          <a:lnRef idx="1">
-            <a:schemeClr val="accent1"/>
-          </a:lnRef>
-          <a:fillRef idx="0">
-            <a:schemeClr val="accent1"/>
-          </a:fillRef>
-          <a:effectRef idx="0">
-            <a:schemeClr val="accent1"/>
-          </a:effectRef>
-          <a:fontRef idx="minor">
-            <a:schemeClr val="tx1"/>
-          </a:fontRef>
-        </p:style>
-      </p:cxnSp>
-      <p:sp>
-        <p:nvSpPr>
-          <p:cNvPr id="362" name="TextBox 361"/>
-          <p:cNvSpPr txBox="1"/>
-          <p:nvPr/>
-        </p:nvSpPr>
-        <p:spPr>
-          <a:xfrm>
-            <a:off x="8609006" y="5709566"/>
-            <a:ext cx="301686" cy="369332"/>
-          </a:xfrm>
-          <a:prstGeom prst="rect">
-            <a:avLst/>
-          </a:prstGeom>
-          <a:solidFill>
-            <a:schemeClr val="bg1">
-              <a:alpha val="50000"/>
-            </a:schemeClr>
-          </a:solidFill>
-        </p:spPr>
-        <p:txBody>
-          <a:bodyPr wrap="none" rtlCol="0">
-            <a:spAutoFit/>
-          </a:bodyPr>
-          <a:lstStyle/>
-          <a:p>
-            <a:r>
-              <a:rPr lang="en-US" b="1" dirty="0" smtClean="0"/>
-              <a:t>3</a:t>
-            </a:r>
-            <a:endParaRPr lang="en-US" b="1" dirty="0"/>
-          </a:p>
-        </p:txBody>
-      </p:sp>
-      <p:sp>
-        <p:nvSpPr>
-          <p:cNvPr id="363" name="TextBox 362"/>
-          <p:cNvSpPr txBox="1"/>
-          <p:nvPr/>
-        </p:nvSpPr>
-        <p:spPr>
-          <a:xfrm>
-            <a:off x="9223603" y="5702393"/>
-            <a:ext cx="301686" cy="369332"/>
-          </a:xfrm>
-          <a:prstGeom prst="rect">
-            <a:avLst/>
-          </a:prstGeom>
-          <a:solidFill>
-            <a:schemeClr val="bg1">
-              <a:alpha val="50000"/>
-            </a:schemeClr>
-          </a:solidFill>
-        </p:spPr>
-        <p:txBody>
-          <a:bodyPr wrap="none" rtlCol="0">
-            <a:spAutoFit/>
-          </a:bodyPr>
-          <a:lstStyle/>
-          <a:p>
-            <a:r>
-              <a:rPr lang="en-US" b="1" dirty="0" smtClean="0"/>
-              <a:t>2</a:t>
-            </a:r>
-            <a:endParaRPr lang="en-US" b="1" dirty="0"/>
-          </a:p>
-        </p:txBody>
-      </p:sp>
-      <p:sp>
-        <p:nvSpPr>
-          <p:cNvPr id="364" name="TextBox 363"/>
-          <p:cNvSpPr txBox="1"/>
-          <p:nvPr/>
-        </p:nvSpPr>
-        <p:spPr>
-          <a:xfrm>
-            <a:off x="9838449" y="5689564"/>
-            <a:ext cx="301686" cy="369332"/>
-          </a:xfrm>
-          <a:prstGeom prst="rect">
-            <a:avLst/>
-          </a:prstGeom>
-          <a:solidFill>
-            <a:schemeClr val="bg1">
-              <a:alpha val="50000"/>
-            </a:schemeClr>
-          </a:solidFill>
-        </p:spPr>
-        <p:txBody>
-          <a:bodyPr wrap="none" rtlCol="0">
-            <a:spAutoFit/>
-          </a:bodyPr>
-          <a:lstStyle/>
-          <a:p>
-            <a:r>
-              <a:rPr lang="en-US" b="1" dirty="0" smtClean="0"/>
-              <a:t>3</a:t>
-            </a:r>
-            <a:endParaRPr lang="en-US" b="1" dirty="0"/>
-          </a:p>
-        </p:txBody>
-      </p:sp>
-      <p:sp>
-        <p:nvSpPr>
-          <p:cNvPr id="365" name="TextBox 364"/>
-          <p:cNvSpPr txBox="1"/>
-          <p:nvPr/>
-        </p:nvSpPr>
-        <p:spPr>
-          <a:xfrm>
-            <a:off x="3044733" y="4951437"/>
-            <a:ext cx="301686" cy="369332"/>
-          </a:xfrm>
-          <a:prstGeom prst="rect">
-            <a:avLst/>
-          </a:prstGeom>
-          <a:solidFill>
-            <a:schemeClr val="bg1">
-              <a:alpha val="50000"/>
-            </a:schemeClr>
-          </a:solidFill>
-        </p:spPr>
-        <p:txBody>
-          <a:bodyPr wrap="none" rtlCol="0">
-            <a:spAutoFit/>
-          </a:bodyPr>
-          <a:lstStyle/>
-          <a:p>
-            <a:r>
-              <a:rPr lang="en-US" b="1" dirty="0"/>
-              <a:t>0</a:t>
-            </a:r>
           </a:p>
         </p:txBody>
       </p:sp>
